--- a/Sem-1/RDBMS Theory/Unit-3/Day_12.pptx
+++ b/Sem-1/RDBMS Theory/Unit-3/Day_12.pptx
@@ -17,13 +17,14 @@
     <p:sldId id="263" r:id="rId11"/>
     <p:sldId id="264" r:id="rId12"/>
     <p:sldId id="266" r:id="rId13"/>
-    <p:sldId id="268" r:id="rId14"/>
-    <p:sldId id="269" r:id="rId15"/>
-    <p:sldId id="270" r:id="rId16"/>
-    <p:sldId id="267" r:id="rId17"/>
-    <p:sldId id="271" r:id="rId18"/>
-    <p:sldId id="272" r:id="rId19"/>
-    <p:sldId id="273" r:id="rId20"/>
+    <p:sldId id="274" r:id="rId14"/>
+    <p:sldId id="275" r:id="rId15"/>
+    <p:sldId id="268" r:id="rId16"/>
+    <p:sldId id="269" r:id="rId17"/>
+    <p:sldId id="270" r:id="rId18"/>
+    <p:sldId id="276" r:id="rId19"/>
+    <p:sldId id="278" r:id="rId20"/>
+    <p:sldId id="277" r:id="rId21"/>
   </p:sldIdLst>
   <p:sldSz cx="12192000" cy="6858000"/>
   <p:notesSz cx="6858000" cy="9144000"/>
@@ -152,7 +153,7 @@
           <p:cNvPr id="2" name="Title 1">
             <a:extLst>
               <a:ext uri="{FF2B5EF4-FFF2-40B4-BE49-F238E27FC236}">
-                <a16:creationId xmlns:a16="http://schemas.microsoft.com/office/drawing/2014/main" id="{5032A763-BA7E-41E6-B878-FF17A37190D8}"/>
+                <a16:creationId xmlns="" xmlns:a16="http://schemas.microsoft.com/office/drawing/2014/main" id="{5032A763-BA7E-41E6-B878-FF17A37190D8}"/>
               </a:ext>
             </a:extLst>
           </p:cNvPr>
@@ -190,7 +191,7 @@
           <p:cNvPr id="3" name="Subtitle 2">
             <a:extLst>
               <a:ext uri="{FF2B5EF4-FFF2-40B4-BE49-F238E27FC236}">
-                <a16:creationId xmlns:a16="http://schemas.microsoft.com/office/drawing/2014/main" id="{56F10CDB-CA72-45B7-9FF0-0FAD45D6A50D}"/>
+                <a16:creationId xmlns="" xmlns:a16="http://schemas.microsoft.com/office/drawing/2014/main" id="{56F10CDB-CA72-45B7-9FF0-0FAD45D6A50D}"/>
               </a:ext>
             </a:extLst>
           </p:cNvPr>
@@ -261,7 +262,7 @@
           <p:cNvPr id="4" name="Date Placeholder 3">
             <a:extLst>
               <a:ext uri="{FF2B5EF4-FFF2-40B4-BE49-F238E27FC236}">
-                <a16:creationId xmlns:a16="http://schemas.microsoft.com/office/drawing/2014/main" id="{7B1D1DF6-8432-438F-8240-3F48C4FA7513}"/>
+                <a16:creationId xmlns="" xmlns:a16="http://schemas.microsoft.com/office/drawing/2014/main" id="{7B1D1DF6-8432-438F-8240-3F48C4FA7513}"/>
               </a:ext>
             </a:extLst>
           </p:cNvPr>
@@ -279,7 +280,7 @@
           <a:p>
             <a:fld id="{41449048-A24C-40FB-B807-A782514DF7CB}" type="datetimeFigureOut">
               <a:rPr lang="en-IN" smtClean="0"/>
-              <a:t>03-12-2021</a:t>
+              <a:t>20-09-2025</a:t>
             </a:fld>
             <a:endParaRPr lang="en-IN"/>
           </a:p>
@@ -290,7 +291,7 @@
           <p:cNvPr id="5" name="Footer Placeholder 4">
             <a:extLst>
               <a:ext uri="{FF2B5EF4-FFF2-40B4-BE49-F238E27FC236}">
-                <a16:creationId xmlns:a16="http://schemas.microsoft.com/office/drawing/2014/main" id="{1E48A797-DE55-47CC-9E31-04CC962E7A03}"/>
+                <a16:creationId xmlns="" xmlns:a16="http://schemas.microsoft.com/office/drawing/2014/main" id="{1E48A797-DE55-47CC-9E31-04CC962E7A03}"/>
               </a:ext>
             </a:extLst>
           </p:cNvPr>
@@ -315,7 +316,7 @@
           <p:cNvPr id="6" name="Slide Number Placeholder 5">
             <a:extLst>
               <a:ext uri="{FF2B5EF4-FFF2-40B4-BE49-F238E27FC236}">
-                <a16:creationId xmlns:a16="http://schemas.microsoft.com/office/drawing/2014/main" id="{D595EF24-847E-4D06-950D-CC2FD446268B}"/>
+                <a16:creationId xmlns="" xmlns:a16="http://schemas.microsoft.com/office/drawing/2014/main" id="{D595EF24-847E-4D06-950D-CC2FD446268B}"/>
               </a:ext>
             </a:extLst>
           </p:cNvPr>
@@ -374,7 +375,7 @@
           <p:cNvPr id="2" name="Title 1">
             <a:extLst>
               <a:ext uri="{FF2B5EF4-FFF2-40B4-BE49-F238E27FC236}">
-                <a16:creationId xmlns:a16="http://schemas.microsoft.com/office/drawing/2014/main" id="{940A9C51-167D-43B4-B03A-0AE71371CB0D}"/>
+                <a16:creationId xmlns="" xmlns:a16="http://schemas.microsoft.com/office/drawing/2014/main" id="{940A9C51-167D-43B4-B03A-0AE71371CB0D}"/>
               </a:ext>
             </a:extLst>
           </p:cNvPr>
@@ -403,7 +404,7 @@
           <p:cNvPr id="3" name="Vertical Text Placeholder 2">
             <a:extLst>
               <a:ext uri="{FF2B5EF4-FFF2-40B4-BE49-F238E27FC236}">
-                <a16:creationId xmlns:a16="http://schemas.microsoft.com/office/drawing/2014/main" id="{BBA4C646-39F5-4AC5-942D-E9789E2A0526}"/>
+                <a16:creationId xmlns="" xmlns:a16="http://schemas.microsoft.com/office/drawing/2014/main" id="{BBA4C646-39F5-4AC5-942D-E9789E2A0526}"/>
               </a:ext>
             </a:extLst>
           </p:cNvPr>
@@ -461,7 +462,7 @@
           <p:cNvPr id="4" name="Date Placeholder 3">
             <a:extLst>
               <a:ext uri="{FF2B5EF4-FFF2-40B4-BE49-F238E27FC236}">
-                <a16:creationId xmlns:a16="http://schemas.microsoft.com/office/drawing/2014/main" id="{875B2A46-3373-406E-9555-52345F5CD4E9}"/>
+                <a16:creationId xmlns="" xmlns:a16="http://schemas.microsoft.com/office/drawing/2014/main" id="{875B2A46-3373-406E-9555-52345F5CD4E9}"/>
               </a:ext>
             </a:extLst>
           </p:cNvPr>
@@ -479,7 +480,7 @@
           <a:p>
             <a:fld id="{41449048-A24C-40FB-B807-A782514DF7CB}" type="datetimeFigureOut">
               <a:rPr lang="en-IN" smtClean="0"/>
-              <a:t>03-12-2021</a:t>
+              <a:t>20-09-2025</a:t>
             </a:fld>
             <a:endParaRPr lang="en-IN"/>
           </a:p>
@@ -490,7 +491,7 @@
           <p:cNvPr id="5" name="Footer Placeholder 4">
             <a:extLst>
               <a:ext uri="{FF2B5EF4-FFF2-40B4-BE49-F238E27FC236}">
-                <a16:creationId xmlns:a16="http://schemas.microsoft.com/office/drawing/2014/main" id="{7D8697CB-7044-4616-A805-FC694FFFDDBA}"/>
+                <a16:creationId xmlns="" xmlns:a16="http://schemas.microsoft.com/office/drawing/2014/main" id="{7D8697CB-7044-4616-A805-FC694FFFDDBA}"/>
               </a:ext>
             </a:extLst>
           </p:cNvPr>
@@ -515,7 +516,7 @@
           <p:cNvPr id="6" name="Slide Number Placeholder 5">
             <a:extLst>
               <a:ext uri="{FF2B5EF4-FFF2-40B4-BE49-F238E27FC236}">
-                <a16:creationId xmlns:a16="http://schemas.microsoft.com/office/drawing/2014/main" id="{AA5C0691-DE12-4BBE-8EB1-1A54948646F9}"/>
+                <a16:creationId xmlns="" xmlns:a16="http://schemas.microsoft.com/office/drawing/2014/main" id="{AA5C0691-DE12-4BBE-8EB1-1A54948646F9}"/>
               </a:ext>
             </a:extLst>
           </p:cNvPr>
@@ -574,7 +575,7 @@
           <p:cNvPr id="2" name="Vertical Title 1">
             <a:extLst>
               <a:ext uri="{FF2B5EF4-FFF2-40B4-BE49-F238E27FC236}">
-                <a16:creationId xmlns:a16="http://schemas.microsoft.com/office/drawing/2014/main" id="{715C9C65-2779-4BF7-8725-89D74BDD916C}"/>
+                <a16:creationId xmlns="" xmlns:a16="http://schemas.microsoft.com/office/drawing/2014/main" id="{715C9C65-2779-4BF7-8725-89D74BDD916C}"/>
               </a:ext>
             </a:extLst>
           </p:cNvPr>
@@ -608,7 +609,7 @@
           <p:cNvPr id="3" name="Vertical Text Placeholder 2">
             <a:extLst>
               <a:ext uri="{FF2B5EF4-FFF2-40B4-BE49-F238E27FC236}">
-                <a16:creationId xmlns:a16="http://schemas.microsoft.com/office/drawing/2014/main" id="{999D4B10-318D-43A4-8C51-B31392797D87}"/>
+                <a16:creationId xmlns="" xmlns:a16="http://schemas.microsoft.com/office/drawing/2014/main" id="{999D4B10-318D-43A4-8C51-B31392797D87}"/>
               </a:ext>
             </a:extLst>
           </p:cNvPr>
@@ -671,7 +672,7 @@
           <p:cNvPr id="4" name="Date Placeholder 3">
             <a:extLst>
               <a:ext uri="{FF2B5EF4-FFF2-40B4-BE49-F238E27FC236}">
-                <a16:creationId xmlns:a16="http://schemas.microsoft.com/office/drawing/2014/main" id="{BC063D25-9221-443C-A103-CFFC703123C0}"/>
+                <a16:creationId xmlns="" xmlns:a16="http://schemas.microsoft.com/office/drawing/2014/main" id="{BC063D25-9221-443C-A103-CFFC703123C0}"/>
               </a:ext>
             </a:extLst>
           </p:cNvPr>
@@ -689,7 +690,7 @@
           <a:p>
             <a:fld id="{41449048-A24C-40FB-B807-A782514DF7CB}" type="datetimeFigureOut">
               <a:rPr lang="en-IN" smtClean="0"/>
-              <a:t>03-12-2021</a:t>
+              <a:t>20-09-2025</a:t>
             </a:fld>
             <a:endParaRPr lang="en-IN"/>
           </a:p>
@@ -700,7 +701,7 @@
           <p:cNvPr id="5" name="Footer Placeholder 4">
             <a:extLst>
               <a:ext uri="{FF2B5EF4-FFF2-40B4-BE49-F238E27FC236}">
-                <a16:creationId xmlns:a16="http://schemas.microsoft.com/office/drawing/2014/main" id="{3C850671-653F-4194-9911-3229A0D00110}"/>
+                <a16:creationId xmlns="" xmlns:a16="http://schemas.microsoft.com/office/drawing/2014/main" id="{3C850671-653F-4194-9911-3229A0D00110}"/>
               </a:ext>
             </a:extLst>
           </p:cNvPr>
@@ -725,7 +726,7 @@
           <p:cNvPr id="6" name="Slide Number Placeholder 5">
             <a:extLst>
               <a:ext uri="{FF2B5EF4-FFF2-40B4-BE49-F238E27FC236}">
-                <a16:creationId xmlns:a16="http://schemas.microsoft.com/office/drawing/2014/main" id="{435A39BB-2CF9-453E-8A6D-D97210C4DAEE}"/>
+                <a16:creationId xmlns="" xmlns:a16="http://schemas.microsoft.com/office/drawing/2014/main" id="{435A39BB-2CF9-453E-8A6D-D97210C4DAEE}"/>
               </a:ext>
             </a:extLst>
           </p:cNvPr>
@@ -944,7 +945,7 @@
             <a:fld id="{931A54DE-63E9-43A7-8BEE-76099AECF6E2}" type="datetimeFigureOut">
               <a:rPr lang="en-US" smtClean="0"/>
               <a:pPr/>
-              <a:t>12/3/2021</a:t>
+              <a:t>9/20/2025</a:t>
             </a:fld>
             <a:endParaRPr lang="en-IN"/>
           </a:p>
@@ -1116,7 +1117,7 @@
             <a:fld id="{931A54DE-63E9-43A7-8BEE-76099AECF6E2}" type="datetimeFigureOut">
               <a:rPr lang="en-US" smtClean="0"/>
               <a:pPr/>
-              <a:t>12/3/2021</a:t>
+              <a:t>9/20/2025</a:t>
             </a:fld>
             <a:endParaRPr lang="en-IN"/>
           </a:p>
@@ -1364,7 +1365,7 @@
             <a:fld id="{931A54DE-63E9-43A7-8BEE-76099AECF6E2}" type="datetimeFigureOut">
               <a:rPr lang="en-US" smtClean="0"/>
               <a:pPr/>
-              <a:t>12/3/2021</a:t>
+              <a:t>9/20/2025</a:t>
             </a:fld>
             <a:endParaRPr lang="en-IN"/>
           </a:p>
@@ -1654,7 +1655,7 @@
             <a:fld id="{931A54DE-63E9-43A7-8BEE-76099AECF6E2}" type="datetimeFigureOut">
               <a:rPr lang="en-US" smtClean="0"/>
               <a:pPr/>
-              <a:t>12/3/2021</a:t>
+              <a:t>9/20/2025</a:t>
             </a:fld>
             <a:endParaRPr lang="en-IN"/>
           </a:p>
@@ -2078,7 +2079,7 @@
             <a:fld id="{931A54DE-63E9-43A7-8BEE-76099AECF6E2}" type="datetimeFigureOut">
               <a:rPr lang="en-US" smtClean="0"/>
               <a:pPr/>
-              <a:t>12/3/2021</a:t>
+              <a:t>9/20/2025</a:t>
             </a:fld>
             <a:endParaRPr lang="en-IN"/>
           </a:p>
@@ -2198,7 +2199,7 @@
             <a:fld id="{931A54DE-63E9-43A7-8BEE-76099AECF6E2}" type="datetimeFigureOut">
               <a:rPr lang="en-US" smtClean="0"/>
               <a:pPr/>
-              <a:t>12/3/2021</a:t>
+              <a:t>9/20/2025</a:t>
             </a:fld>
             <a:endParaRPr lang="en-IN"/>
           </a:p>
@@ -2295,7 +2296,7 @@
             <a:fld id="{931A54DE-63E9-43A7-8BEE-76099AECF6E2}" type="datetimeFigureOut">
               <a:rPr lang="en-US" smtClean="0"/>
               <a:pPr/>
-              <a:t>12/3/2021</a:t>
+              <a:t>9/20/2025</a:t>
             </a:fld>
             <a:endParaRPr lang="en-IN"/>
           </a:p>
@@ -2574,7 +2575,7 @@
             <a:fld id="{931A54DE-63E9-43A7-8BEE-76099AECF6E2}" type="datetimeFigureOut">
               <a:rPr lang="en-US" smtClean="0"/>
               <a:pPr/>
-              <a:t>12/3/2021</a:t>
+              <a:t>9/20/2025</a:t>
             </a:fld>
             <a:endParaRPr lang="en-IN"/>
           </a:p>
@@ -2658,7 +2659,7 @@
           <p:cNvPr id="2" name="Title 1">
             <a:extLst>
               <a:ext uri="{FF2B5EF4-FFF2-40B4-BE49-F238E27FC236}">
-                <a16:creationId xmlns:a16="http://schemas.microsoft.com/office/drawing/2014/main" id="{84AA3086-A568-42F1-B65C-B122A13C7EE8}"/>
+                <a16:creationId xmlns="" xmlns:a16="http://schemas.microsoft.com/office/drawing/2014/main" id="{84AA3086-A568-42F1-B65C-B122A13C7EE8}"/>
               </a:ext>
             </a:extLst>
           </p:cNvPr>
@@ -2687,7 +2688,7 @@
           <p:cNvPr id="3" name="Content Placeholder 2">
             <a:extLst>
               <a:ext uri="{FF2B5EF4-FFF2-40B4-BE49-F238E27FC236}">
-                <a16:creationId xmlns:a16="http://schemas.microsoft.com/office/drawing/2014/main" id="{8B864A17-285B-441F-BEFA-3A0B0AEFDA0D}"/>
+                <a16:creationId xmlns="" xmlns:a16="http://schemas.microsoft.com/office/drawing/2014/main" id="{8B864A17-285B-441F-BEFA-3A0B0AEFDA0D}"/>
               </a:ext>
             </a:extLst>
           </p:cNvPr>
@@ -2745,7 +2746,7 @@
           <p:cNvPr id="4" name="Date Placeholder 3">
             <a:extLst>
               <a:ext uri="{FF2B5EF4-FFF2-40B4-BE49-F238E27FC236}">
-                <a16:creationId xmlns:a16="http://schemas.microsoft.com/office/drawing/2014/main" id="{E9595E09-DC50-4DEC-B4A7-B5B00FFCEB9C}"/>
+                <a16:creationId xmlns="" xmlns:a16="http://schemas.microsoft.com/office/drawing/2014/main" id="{E9595E09-DC50-4DEC-B4A7-B5B00FFCEB9C}"/>
               </a:ext>
             </a:extLst>
           </p:cNvPr>
@@ -2763,7 +2764,7 @@
           <a:p>
             <a:fld id="{41449048-A24C-40FB-B807-A782514DF7CB}" type="datetimeFigureOut">
               <a:rPr lang="en-IN" smtClean="0"/>
-              <a:t>03-12-2021</a:t>
+              <a:t>20-09-2025</a:t>
             </a:fld>
             <a:endParaRPr lang="en-IN"/>
           </a:p>
@@ -2774,7 +2775,7 @@
           <p:cNvPr id="5" name="Footer Placeholder 4">
             <a:extLst>
               <a:ext uri="{FF2B5EF4-FFF2-40B4-BE49-F238E27FC236}">
-                <a16:creationId xmlns:a16="http://schemas.microsoft.com/office/drawing/2014/main" id="{4437F348-0648-4E6D-83B9-A8B6B0241889}"/>
+                <a16:creationId xmlns="" xmlns:a16="http://schemas.microsoft.com/office/drawing/2014/main" id="{4437F348-0648-4E6D-83B9-A8B6B0241889}"/>
               </a:ext>
             </a:extLst>
           </p:cNvPr>
@@ -2799,7 +2800,7 @@
           <p:cNvPr id="6" name="Slide Number Placeholder 5">
             <a:extLst>
               <a:ext uri="{FF2B5EF4-FFF2-40B4-BE49-F238E27FC236}">
-                <a16:creationId xmlns:a16="http://schemas.microsoft.com/office/drawing/2014/main" id="{B13C5CE0-9731-4C04-AC7D-049C23DAFA31}"/>
+                <a16:creationId xmlns="" xmlns:a16="http://schemas.microsoft.com/office/drawing/2014/main" id="{B13C5CE0-9731-4C04-AC7D-049C23DAFA31}"/>
               </a:ext>
             </a:extLst>
           </p:cNvPr>
@@ -3029,7 +3030,7 @@
             <a:fld id="{931A54DE-63E9-43A7-8BEE-76099AECF6E2}" type="datetimeFigureOut">
               <a:rPr lang="en-US" smtClean="0"/>
               <a:pPr/>
-              <a:t>12/3/2021</a:t>
+              <a:t>9/20/2025</a:t>
             </a:fld>
             <a:endParaRPr lang="en-IN"/>
           </a:p>
@@ -3201,7 +3202,7 @@
             <a:fld id="{931A54DE-63E9-43A7-8BEE-76099AECF6E2}" type="datetimeFigureOut">
               <a:rPr lang="en-US" smtClean="0"/>
               <a:pPr/>
-              <a:t>12/3/2021</a:t>
+              <a:t>9/20/2025</a:t>
             </a:fld>
             <a:endParaRPr lang="en-IN"/>
           </a:p>
@@ -3383,7 +3384,7 @@
             <a:fld id="{931A54DE-63E9-43A7-8BEE-76099AECF6E2}" type="datetimeFigureOut">
               <a:rPr lang="en-US" smtClean="0"/>
               <a:pPr/>
-              <a:t>12/3/2021</a:t>
+              <a:t>9/20/2025</a:t>
             </a:fld>
             <a:endParaRPr lang="en-IN"/>
           </a:p>
@@ -3467,7 +3468,7 @@
           <p:cNvPr id="2" name="Title 1">
             <a:extLst>
               <a:ext uri="{FF2B5EF4-FFF2-40B4-BE49-F238E27FC236}">
-                <a16:creationId xmlns:a16="http://schemas.microsoft.com/office/drawing/2014/main" id="{DD9A9AEC-4276-441E-954F-03DC5D504D63}"/>
+                <a16:creationId xmlns="" xmlns:a16="http://schemas.microsoft.com/office/drawing/2014/main" id="{DD9A9AEC-4276-441E-954F-03DC5D504D63}"/>
               </a:ext>
             </a:extLst>
           </p:cNvPr>
@@ -3505,7 +3506,7 @@
           <p:cNvPr id="3" name="Text Placeholder 2">
             <a:extLst>
               <a:ext uri="{FF2B5EF4-FFF2-40B4-BE49-F238E27FC236}">
-                <a16:creationId xmlns:a16="http://schemas.microsoft.com/office/drawing/2014/main" id="{97EB410A-F8C5-4335-940E-7139F442211F}"/>
+                <a16:creationId xmlns="" xmlns:a16="http://schemas.microsoft.com/office/drawing/2014/main" id="{97EB410A-F8C5-4335-940E-7139F442211F}"/>
               </a:ext>
             </a:extLst>
           </p:cNvPr>
@@ -3630,7 +3631,7 @@
           <p:cNvPr id="4" name="Date Placeholder 3">
             <a:extLst>
               <a:ext uri="{FF2B5EF4-FFF2-40B4-BE49-F238E27FC236}">
-                <a16:creationId xmlns:a16="http://schemas.microsoft.com/office/drawing/2014/main" id="{F3E52413-8546-48DA-8395-BE4B04AC8ACA}"/>
+                <a16:creationId xmlns="" xmlns:a16="http://schemas.microsoft.com/office/drawing/2014/main" id="{F3E52413-8546-48DA-8395-BE4B04AC8ACA}"/>
               </a:ext>
             </a:extLst>
           </p:cNvPr>
@@ -3648,7 +3649,7 @@
           <a:p>
             <a:fld id="{41449048-A24C-40FB-B807-A782514DF7CB}" type="datetimeFigureOut">
               <a:rPr lang="en-IN" smtClean="0"/>
-              <a:t>03-12-2021</a:t>
+              <a:t>20-09-2025</a:t>
             </a:fld>
             <a:endParaRPr lang="en-IN"/>
           </a:p>
@@ -3659,7 +3660,7 @@
           <p:cNvPr id="5" name="Footer Placeholder 4">
             <a:extLst>
               <a:ext uri="{FF2B5EF4-FFF2-40B4-BE49-F238E27FC236}">
-                <a16:creationId xmlns:a16="http://schemas.microsoft.com/office/drawing/2014/main" id="{4704BC80-3531-40B9-A144-3CE234293C90}"/>
+                <a16:creationId xmlns="" xmlns:a16="http://schemas.microsoft.com/office/drawing/2014/main" id="{4704BC80-3531-40B9-A144-3CE234293C90}"/>
               </a:ext>
             </a:extLst>
           </p:cNvPr>
@@ -3684,7 +3685,7 @@
           <p:cNvPr id="6" name="Slide Number Placeholder 5">
             <a:extLst>
               <a:ext uri="{FF2B5EF4-FFF2-40B4-BE49-F238E27FC236}">
-                <a16:creationId xmlns:a16="http://schemas.microsoft.com/office/drawing/2014/main" id="{91816F2C-E659-4608-AD75-55071D105810}"/>
+                <a16:creationId xmlns="" xmlns:a16="http://schemas.microsoft.com/office/drawing/2014/main" id="{91816F2C-E659-4608-AD75-55071D105810}"/>
               </a:ext>
             </a:extLst>
           </p:cNvPr>
@@ -3743,7 +3744,7 @@
           <p:cNvPr id="2" name="Title 1">
             <a:extLst>
               <a:ext uri="{FF2B5EF4-FFF2-40B4-BE49-F238E27FC236}">
-                <a16:creationId xmlns:a16="http://schemas.microsoft.com/office/drawing/2014/main" id="{9DE75134-A9B3-4E8D-9463-C00F0C468475}"/>
+                <a16:creationId xmlns="" xmlns:a16="http://schemas.microsoft.com/office/drawing/2014/main" id="{9DE75134-A9B3-4E8D-9463-C00F0C468475}"/>
               </a:ext>
             </a:extLst>
           </p:cNvPr>
@@ -3772,7 +3773,7 @@
           <p:cNvPr id="3" name="Content Placeholder 2">
             <a:extLst>
               <a:ext uri="{FF2B5EF4-FFF2-40B4-BE49-F238E27FC236}">
-                <a16:creationId xmlns:a16="http://schemas.microsoft.com/office/drawing/2014/main" id="{D1589D03-BB9B-4326-995D-0839B6E2A2D7}"/>
+                <a16:creationId xmlns="" xmlns:a16="http://schemas.microsoft.com/office/drawing/2014/main" id="{D1589D03-BB9B-4326-995D-0839B6E2A2D7}"/>
               </a:ext>
             </a:extLst>
           </p:cNvPr>
@@ -3835,7 +3836,7 @@
           <p:cNvPr id="4" name="Content Placeholder 3">
             <a:extLst>
               <a:ext uri="{FF2B5EF4-FFF2-40B4-BE49-F238E27FC236}">
-                <a16:creationId xmlns:a16="http://schemas.microsoft.com/office/drawing/2014/main" id="{5F5E743D-8207-4992-8AE2-1A5D7575B04D}"/>
+                <a16:creationId xmlns="" xmlns:a16="http://schemas.microsoft.com/office/drawing/2014/main" id="{5F5E743D-8207-4992-8AE2-1A5D7575B04D}"/>
               </a:ext>
             </a:extLst>
           </p:cNvPr>
@@ -3898,7 +3899,7 @@
           <p:cNvPr id="5" name="Date Placeholder 4">
             <a:extLst>
               <a:ext uri="{FF2B5EF4-FFF2-40B4-BE49-F238E27FC236}">
-                <a16:creationId xmlns:a16="http://schemas.microsoft.com/office/drawing/2014/main" id="{844F8D28-E486-422E-AB96-F52C3696A3AC}"/>
+                <a16:creationId xmlns="" xmlns:a16="http://schemas.microsoft.com/office/drawing/2014/main" id="{844F8D28-E486-422E-AB96-F52C3696A3AC}"/>
               </a:ext>
             </a:extLst>
           </p:cNvPr>
@@ -3916,7 +3917,7 @@
           <a:p>
             <a:fld id="{41449048-A24C-40FB-B807-A782514DF7CB}" type="datetimeFigureOut">
               <a:rPr lang="en-IN" smtClean="0"/>
-              <a:t>03-12-2021</a:t>
+              <a:t>20-09-2025</a:t>
             </a:fld>
             <a:endParaRPr lang="en-IN"/>
           </a:p>
@@ -3927,7 +3928,7 @@
           <p:cNvPr id="6" name="Footer Placeholder 5">
             <a:extLst>
               <a:ext uri="{FF2B5EF4-FFF2-40B4-BE49-F238E27FC236}">
-                <a16:creationId xmlns:a16="http://schemas.microsoft.com/office/drawing/2014/main" id="{83484BA1-EEDD-4728-AA1E-434160CBB231}"/>
+                <a16:creationId xmlns="" xmlns:a16="http://schemas.microsoft.com/office/drawing/2014/main" id="{83484BA1-EEDD-4728-AA1E-434160CBB231}"/>
               </a:ext>
             </a:extLst>
           </p:cNvPr>
@@ -3952,7 +3953,7 @@
           <p:cNvPr id="7" name="Slide Number Placeholder 6">
             <a:extLst>
               <a:ext uri="{FF2B5EF4-FFF2-40B4-BE49-F238E27FC236}">
-                <a16:creationId xmlns:a16="http://schemas.microsoft.com/office/drawing/2014/main" id="{D5AADD07-D268-4151-AA06-E5A0DA07FF99}"/>
+                <a16:creationId xmlns="" xmlns:a16="http://schemas.microsoft.com/office/drawing/2014/main" id="{D5AADD07-D268-4151-AA06-E5A0DA07FF99}"/>
               </a:ext>
             </a:extLst>
           </p:cNvPr>
@@ -4011,7 +4012,7 @@
           <p:cNvPr id="2" name="Title 1">
             <a:extLst>
               <a:ext uri="{FF2B5EF4-FFF2-40B4-BE49-F238E27FC236}">
-                <a16:creationId xmlns:a16="http://schemas.microsoft.com/office/drawing/2014/main" id="{782CF672-0DBE-4678-A41F-AEAA72E92147}"/>
+                <a16:creationId xmlns="" xmlns:a16="http://schemas.microsoft.com/office/drawing/2014/main" id="{782CF672-0DBE-4678-A41F-AEAA72E92147}"/>
               </a:ext>
             </a:extLst>
           </p:cNvPr>
@@ -4045,7 +4046,7 @@
           <p:cNvPr id="3" name="Text Placeholder 2">
             <a:extLst>
               <a:ext uri="{FF2B5EF4-FFF2-40B4-BE49-F238E27FC236}">
-                <a16:creationId xmlns:a16="http://schemas.microsoft.com/office/drawing/2014/main" id="{8BE5DC2E-27FA-4E08-98F4-B1261FCB3355}"/>
+                <a16:creationId xmlns="" xmlns:a16="http://schemas.microsoft.com/office/drawing/2014/main" id="{8BE5DC2E-27FA-4E08-98F4-B1261FCB3355}"/>
               </a:ext>
             </a:extLst>
           </p:cNvPr>
@@ -4116,7 +4117,7 @@
           <p:cNvPr id="4" name="Content Placeholder 3">
             <a:extLst>
               <a:ext uri="{FF2B5EF4-FFF2-40B4-BE49-F238E27FC236}">
-                <a16:creationId xmlns:a16="http://schemas.microsoft.com/office/drawing/2014/main" id="{B7AF9CEC-CEE1-425A-8839-D88E02F8155D}"/>
+                <a16:creationId xmlns="" xmlns:a16="http://schemas.microsoft.com/office/drawing/2014/main" id="{B7AF9CEC-CEE1-425A-8839-D88E02F8155D}"/>
               </a:ext>
             </a:extLst>
           </p:cNvPr>
@@ -4179,7 +4180,7 @@
           <p:cNvPr id="5" name="Text Placeholder 4">
             <a:extLst>
               <a:ext uri="{FF2B5EF4-FFF2-40B4-BE49-F238E27FC236}">
-                <a16:creationId xmlns:a16="http://schemas.microsoft.com/office/drawing/2014/main" id="{AE6BE98D-657C-4FC5-9114-2D013BD06BE6}"/>
+                <a16:creationId xmlns="" xmlns:a16="http://schemas.microsoft.com/office/drawing/2014/main" id="{AE6BE98D-657C-4FC5-9114-2D013BD06BE6}"/>
               </a:ext>
             </a:extLst>
           </p:cNvPr>
@@ -4250,7 +4251,7 @@
           <p:cNvPr id="6" name="Content Placeholder 5">
             <a:extLst>
               <a:ext uri="{FF2B5EF4-FFF2-40B4-BE49-F238E27FC236}">
-                <a16:creationId xmlns:a16="http://schemas.microsoft.com/office/drawing/2014/main" id="{F5B16F25-6956-4B75-A193-5C8C3005D9F5}"/>
+                <a16:creationId xmlns="" xmlns:a16="http://schemas.microsoft.com/office/drawing/2014/main" id="{F5B16F25-6956-4B75-A193-5C8C3005D9F5}"/>
               </a:ext>
             </a:extLst>
           </p:cNvPr>
@@ -4313,7 +4314,7 @@
           <p:cNvPr id="7" name="Date Placeholder 6">
             <a:extLst>
               <a:ext uri="{FF2B5EF4-FFF2-40B4-BE49-F238E27FC236}">
-                <a16:creationId xmlns:a16="http://schemas.microsoft.com/office/drawing/2014/main" id="{AC43CB43-3786-47C8-8D08-7A5DB9343FA9}"/>
+                <a16:creationId xmlns="" xmlns:a16="http://schemas.microsoft.com/office/drawing/2014/main" id="{AC43CB43-3786-47C8-8D08-7A5DB9343FA9}"/>
               </a:ext>
             </a:extLst>
           </p:cNvPr>
@@ -4331,7 +4332,7 @@
           <a:p>
             <a:fld id="{41449048-A24C-40FB-B807-A782514DF7CB}" type="datetimeFigureOut">
               <a:rPr lang="en-IN" smtClean="0"/>
-              <a:t>03-12-2021</a:t>
+              <a:t>20-09-2025</a:t>
             </a:fld>
             <a:endParaRPr lang="en-IN"/>
           </a:p>
@@ -4342,7 +4343,7 @@
           <p:cNvPr id="8" name="Footer Placeholder 7">
             <a:extLst>
               <a:ext uri="{FF2B5EF4-FFF2-40B4-BE49-F238E27FC236}">
-                <a16:creationId xmlns:a16="http://schemas.microsoft.com/office/drawing/2014/main" id="{F5E37F6D-7BD0-4814-B6A4-8BB841E0F9DF}"/>
+                <a16:creationId xmlns="" xmlns:a16="http://schemas.microsoft.com/office/drawing/2014/main" id="{F5E37F6D-7BD0-4814-B6A4-8BB841E0F9DF}"/>
               </a:ext>
             </a:extLst>
           </p:cNvPr>
@@ -4367,7 +4368,7 @@
           <p:cNvPr id="9" name="Slide Number Placeholder 8">
             <a:extLst>
               <a:ext uri="{FF2B5EF4-FFF2-40B4-BE49-F238E27FC236}">
-                <a16:creationId xmlns:a16="http://schemas.microsoft.com/office/drawing/2014/main" id="{010A5EB4-5960-4ECA-A4F1-C4C39C1554D4}"/>
+                <a16:creationId xmlns="" xmlns:a16="http://schemas.microsoft.com/office/drawing/2014/main" id="{010A5EB4-5960-4ECA-A4F1-C4C39C1554D4}"/>
               </a:ext>
             </a:extLst>
           </p:cNvPr>
@@ -4426,7 +4427,7 @@
           <p:cNvPr id="2" name="Title 1">
             <a:extLst>
               <a:ext uri="{FF2B5EF4-FFF2-40B4-BE49-F238E27FC236}">
-                <a16:creationId xmlns:a16="http://schemas.microsoft.com/office/drawing/2014/main" id="{D588806E-5E4F-4A7F-BFBB-CD4240F17A6C}"/>
+                <a16:creationId xmlns="" xmlns:a16="http://schemas.microsoft.com/office/drawing/2014/main" id="{D588806E-5E4F-4A7F-BFBB-CD4240F17A6C}"/>
               </a:ext>
             </a:extLst>
           </p:cNvPr>
@@ -4455,7 +4456,7 @@
           <p:cNvPr id="3" name="Date Placeholder 2">
             <a:extLst>
               <a:ext uri="{FF2B5EF4-FFF2-40B4-BE49-F238E27FC236}">
-                <a16:creationId xmlns:a16="http://schemas.microsoft.com/office/drawing/2014/main" id="{BA002300-AD2C-44CB-84FE-682B91279323}"/>
+                <a16:creationId xmlns="" xmlns:a16="http://schemas.microsoft.com/office/drawing/2014/main" id="{BA002300-AD2C-44CB-84FE-682B91279323}"/>
               </a:ext>
             </a:extLst>
           </p:cNvPr>
@@ -4473,7 +4474,7 @@
           <a:p>
             <a:fld id="{41449048-A24C-40FB-B807-A782514DF7CB}" type="datetimeFigureOut">
               <a:rPr lang="en-IN" smtClean="0"/>
-              <a:t>03-12-2021</a:t>
+              <a:t>20-09-2025</a:t>
             </a:fld>
             <a:endParaRPr lang="en-IN"/>
           </a:p>
@@ -4484,7 +4485,7 @@
           <p:cNvPr id="4" name="Footer Placeholder 3">
             <a:extLst>
               <a:ext uri="{FF2B5EF4-FFF2-40B4-BE49-F238E27FC236}">
-                <a16:creationId xmlns:a16="http://schemas.microsoft.com/office/drawing/2014/main" id="{5676DF3B-4652-4CCF-997E-08A0C36B8CB0}"/>
+                <a16:creationId xmlns="" xmlns:a16="http://schemas.microsoft.com/office/drawing/2014/main" id="{5676DF3B-4652-4CCF-997E-08A0C36B8CB0}"/>
               </a:ext>
             </a:extLst>
           </p:cNvPr>
@@ -4509,7 +4510,7 @@
           <p:cNvPr id="5" name="Slide Number Placeholder 4">
             <a:extLst>
               <a:ext uri="{FF2B5EF4-FFF2-40B4-BE49-F238E27FC236}">
-                <a16:creationId xmlns:a16="http://schemas.microsoft.com/office/drawing/2014/main" id="{87C00163-968D-4BD1-9631-FF7E6DB6A07B}"/>
+                <a16:creationId xmlns="" xmlns:a16="http://schemas.microsoft.com/office/drawing/2014/main" id="{87C00163-968D-4BD1-9631-FF7E6DB6A07B}"/>
               </a:ext>
             </a:extLst>
           </p:cNvPr>
@@ -4568,7 +4569,7 @@
           <p:cNvPr id="2" name="Date Placeholder 1">
             <a:extLst>
               <a:ext uri="{FF2B5EF4-FFF2-40B4-BE49-F238E27FC236}">
-                <a16:creationId xmlns:a16="http://schemas.microsoft.com/office/drawing/2014/main" id="{71427E25-66DE-41A0-8702-C9816D634B25}"/>
+                <a16:creationId xmlns="" xmlns:a16="http://schemas.microsoft.com/office/drawing/2014/main" id="{71427E25-66DE-41A0-8702-C9816D634B25}"/>
               </a:ext>
             </a:extLst>
           </p:cNvPr>
@@ -4586,7 +4587,7 @@
           <a:p>
             <a:fld id="{41449048-A24C-40FB-B807-A782514DF7CB}" type="datetimeFigureOut">
               <a:rPr lang="en-IN" smtClean="0"/>
-              <a:t>03-12-2021</a:t>
+              <a:t>20-09-2025</a:t>
             </a:fld>
             <a:endParaRPr lang="en-IN"/>
           </a:p>
@@ -4597,7 +4598,7 @@
           <p:cNvPr id="3" name="Footer Placeholder 2">
             <a:extLst>
               <a:ext uri="{FF2B5EF4-FFF2-40B4-BE49-F238E27FC236}">
-                <a16:creationId xmlns:a16="http://schemas.microsoft.com/office/drawing/2014/main" id="{8EFD0F93-AB4F-40D5-AF16-30F6B52E300A}"/>
+                <a16:creationId xmlns="" xmlns:a16="http://schemas.microsoft.com/office/drawing/2014/main" id="{8EFD0F93-AB4F-40D5-AF16-30F6B52E300A}"/>
               </a:ext>
             </a:extLst>
           </p:cNvPr>
@@ -4622,7 +4623,7 @@
           <p:cNvPr id="4" name="Slide Number Placeholder 3">
             <a:extLst>
               <a:ext uri="{FF2B5EF4-FFF2-40B4-BE49-F238E27FC236}">
-                <a16:creationId xmlns:a16="http://schemas.microsoft.com/office/drawing/2014/main" id="{CD4A8351-5640-4C56-9A47-6B0F065C9A84}"/>
+                <a16:creationId xmlns="" xmlns:a16="http://schemas.microsoft.com/office/drawing/2014/main" id="{CD4A8351-5640-4C56-9A47-6B0F065C9A84}"/>
               </a:ext>
             </a:extLst>
           </p:cNvPr>
@@ -4681,7 +4682,7 @@
           <p:cNvPr id="2" name="Title 1">
             <a:extLst>
               <a:ext uri="{FF2B5EF4-FFF2-40B4-BE49-F238E27FC236}">
-                <a16:creationId xmlns:a16="http://schemas.microsoft.com/office/drawing/2014/main" id="{F649EB7A-2EDC-407D-89B5-E6424396A3FD}"/>
+                <a16:creationId xmlns="" xmlns:a16="http://schemas.microsoft.com/office/drawing/2014/main" id="{F649EB7A-2EDC-407D-89B5-E6424396A3FD}"/>
               </a:ext>
             </a:extLst>
           </p:cNvPr>
@@ -4719,7 +4720,7 @@
           <p:cNvPr id="3" name="Content Placeholder 2">
             <a:extLst>
               <a:ext uri="{FF2B5EF4-FFF2-40B4-BE49-F238E27FC236}">
-                <a16:creationId xmlns:a16="http://schemas.microsoft.com/office/drawing/2014/main" id="{DF51D110-C6F6-4062-9AA5-ED9C006DE9E4}"/>
+                <a16:creationId xmlns="" xmlns:a16="http://schemas.microsoft.com/office/drawing/2014/main" id="{DF51D110-C6F6-4062-9AA5-ED9C006DE9E4}"/>
               </a:ext>
             </a:extLst>
           </p:cNvPr>
@@ -4810,7 +4811,7 @@
           <p:cNvPr id="4" name="Text Placeholder 3">
             <a:extLst>
               <a:ext uri="{FF2B5EF4-FFF2-40B4-BE49-F238E27FC236}">
-                <a16:creationId xmlns:a16="http://schemas.microsoft.com/office/drawing/2014/main" id="{1490D91A-83D3-4513-AD23-5F6CDDB0C773}"/>
+                <a16:creationId xmlns="" xmlns:a16="http://schemas.microsoft.com/office/drawing/2014/main" id="{1490D91A-83D3-4513-AD23-5F6CDDB0C773}"/>
               </a:ext>
             </a:extLst>
           </p:cNvPr>
@@ -4881,7 +4882,7 @@
           <p:cNvPr id="5" name="Date Placeholder 4">
             <a:extLst>
               <a:ext uri="{FF2B5EF4-FFF2-40B4-BE49-F238E27FC236}">
-                <a16:creationId xmlns:a16="http://schemas.microsoft.com/office/drawing/2014/main" id="{3355DD79-0487-4F7E-8C00-14FB682833C3}"/>
+                <a16:creationId xmlns="" xmlns:a16="http://schemas.microsoft.com/office/drawing/2014/main" id="{3355DD79-0487-4F7E-8C00-14FB682833C3}"/>
               </a:ext>
             </a:extLst>
           </p:cNvPr>
@@ -4899,7 +4900,7 @@
           <a:p>
             <a:fld id="{41449048-A24C-40FB-B807-A782514DF7CB}" type="datetimeFigureOut">
               <a:rPr lang="en-IN" smtClean="0"/>
-              <a:t>03-12-2021</a:t>
+              <a:t>20-09-2025</a:t>
             </a:fld>
             <a:endParaRPr lang="en-IN"/>
           </a:p>
@@ -4910,7 +4911,7 @@
           <p:cNvPr id="6" name="Footer Placeholder 5">
             <a:extLst>
               <a:ext uri="{FF2B5EF4-FFF2-40B4-BE49-F238E27FC236}">
-                <a16:creationId xmlns:a16="http://schemas.microsoft.com/office/drawing/2014/main" id="{855B8AF1-8908-43E0-BBB0-7BB0683B6D4F}"/>
+                <a16:creationId xmlns="" xmlns:a16="http://schemas.microsoft.com/office/drawing/2014/main" id="{855B8AF1-8908-43E0-BBB0-7BB0683B6D4F}"/>
               </a:ext>
             </a:extLst>
           </p:cNvPr>
@@ -4935,7 +4936,7 @@
           <p:cNvPr id="7" name="Slide Number Placeholder 6">
             <a:extLst>
               <a:ext uri="{FF2B5EF4-FFF2-40B4-BE49-F238E27FC236}">
-                <a16:creationId xmlns:a16="http://schemas.microsoft.com/office/drawing/2014/main" id="{BB8A938D-37FF-44D5-A782-7F94FA5473CC}"/>
+                <a16:creationId xmlns="" xmlns:a16="http://schemas.microsoft.com/office/drawing/2014/main" id="{BB8A938D-37FF-44D5-A782-7F94FA5473CC}"/>
               </a:ext>
             </a:extLst>
           </p:cNvPr>
@@ -4994,7 +4995,7 @@
           <p:cNvPr id="2" name="Title 1">
             <a:extLst>
               <a:ext uri="{FF2B5EF4-FFF2-40B4-BE49-F238E27FC236}">
-                <a16:creationId xmlns:a16="http://schemas.microsoft.com/office/drawing/2014/main" id="{D8C5E889-AD35-4C64-8D5C-3D7CD633C472}"/>
+                <a16:creationId xmlns="" xmlns:a16="http://schemas.microsoft.com/office/drawing/2014/main" id="{D8C5E889-AD35-4C64-8D5C-3D7CD633C472}"/>
               </a:ext>
             </a:extLst>
           </p:cNvPr>
@@ -5032,7 +5033,7 @@
           <p:cNvPr id="3" name="Picture Placeholder 2">
             <a:extLst>
               <a:ext uri="{FF2B5EF4-FFF2-40B4-BE49-F238E27FC236}">
-                <a16:creationId xmlns:a16="http://schemas.microsoft.com/office/drawing/2014/main" id="{9AA7DCF2-6461-4491-821C-79E9FFCB7CB5}"/>
+                <a16:creationId xmlns="" xmlns:a16="http://schemas.microsoft.com/office/drawing/2014/main" id="{9AA7DCF2-6461-4491-821C-79E9FFCB7CB5}"/>
               </a:ext>
             </a:extLst>
           </p:cNvPr>
@@ -5099,7 +5100,7 @@
           <p:cNvPr id="4" name="Text Placeholder 3">
             <a:extLst>
               <a:ext uri="{FF2B5EF4-FFF2-40B4-BE49-F238E27FC236}">
-                <a16:creationId xmlns:a16="http://schemas.microsoft.com/office/drawing/2014/main" id="{296310CC-FBFB-4FF8-84D2-E0CDD54FBED4}"/>
+                <a16:creationId xmlns="" xmlns:a16="http://schemas.microsoft.com/office/drawing/2014/main" id="{296310CC-FBFB-4FF8-84D2-E0CDD54FBED4}"/>
               </a:ext>
             </a:extLst>
           </p:cNvPr>
@@ -5170,7 +5171,7 @@
           <p:cNvPr id="5" name="Date Placeholder 4">
             <a:extLst>
               <a:ext uri="{FF2B5EF4-FFF2-40B4-BE49-F238E27FC236}">
-                <a16:creationId xmlns:a16="http://schemas.microsoft.com/office/drawing/2014/main" id="{0636E6B6-9796-485F-9DA0-43A31E95551B}"/>
+                <a16:creationId xmlns="" xmlns:a16="http://schemas.microsoft.com/office/drawing/2014/main" id="{0636E6B6-9796-485F-9DA0-43A31E95551B}"/>
               </a:ext>
             </a:extLst>
           </p:cNvPr>
@@ -5188,7 +5189,7 @@
           <a:p>
             <a:fld id="{41449048-A24C-40FB-B807-A782514DF7CB}" type="datetimeFigureOut">
               <a:rPr lang="en-IN" smtClean="0"/>
-              <a:t>03-12-2021</a:t>
+              <a:t>20-09-2025</a:t>
             </a:fld>
             <a:endParaRPr lang="en-IN"/>
           </a:p>
@@ -5199,7 +5200,7 @@
           <p:cNvPr id="6" name="Footer Placeholder 5">
             <a:extLst>
               <a:ext uri="{FF2B5EF4-FFF2-40B4-BE49-F238E27FC236}">
-                <a16:creationId xmlns:a16="http://schemas.microsoft.com/office/drawing/2014/main" id="{4728026C-FABB-4F8B-9FC4-E92503021219}"/>
+                <a16:creationId xmlns="" xmlns:a16="http://schemas.microsoft.com/office/drawing/2014/main" id="{4728026C-FABB-4F8B-9FC4-E92503021219}"/>
               </a:ext>
             </a:extLst>
           </p:cNvPr>
@@ -5224,7 +5225,7 @@
           <p:cNvPr id="7" name="Slide Number Placeholder 6">
             <a:extLst>
               <a:ext uri="{FF2B5EF4-FFF2-40B4-BE49-F238E27FC236}">
-                <a16:creationId xmlns:a16="http://schemas.microsoft.com/office/drawing/2014/main" id="{5ABE4C97-79E5-4967-B9EA-129243AC5079}"/>
+                <a16:creationId xmlns="" xmlns:a16="http://schemas.microsoft.com/office/drawing/2014/main" id="{5ABE4C97-79E5-4967-B9EA-129243AC5079}"/>
               </a:ext>
             </a:extLst>
           </p:cNvPr>
@@ -5288,7 +5289,7 @@
           <p:cNvPr id="2" name="Title Placeholder 1">
             <a:extLst>
               <a:ext uri="{FF2B5EF4-FFF2-40B4-BE49-F238E27FC236}">
-                <a16:creationId xmlns:a16="http://schemas.microsoft.com/office/drawing/2014/main" id="{26486EC5-D93B-4976-8527-6A2EE52C8BDF}"/>
+                <a16:creationId xmlns="" xmlns:a16="http://schemas.microsoft.com/office/drawing/2014/main" id="{26486EC5-D93B-4976-8527-6A2EE52C8BDF}"/>
               </a:ext>
             </a:extLst>
           </p:cNvPr>
@@ -5327,7 +5328,7 @@
           <p:cNvPr id="3" name="Text Placeholder 2">
             <a:extLst>
               <a:ext uri="{FF2B5EF4-FFF2-40B4-BE49-F238E27FC236}">
-                <a16:creationId xmlns:a16="http://schemas.microsoft.com/office/drawing/2014/main" id="{7FF22432-6D88-4FF2-BF71-2D3B53E1F90C}"/>
+                <a16:creationId xmlns="" xmlns:a16="http://schemas.microsoft.com/office/drawing/2014/main" id="{7FF22432-6D88-4FF2-BF71-2D3B53E1F90C}"/>
               </a:ext>
             </a:extLst>
           </p:cNvPr>
@@ -5395,7 +5396,7 @@
           <p:cNvPr id="4" name="Date Placeholder 3">
             <a:extLst>
               <a:ext uri="{FF2B5EF4-FFF2-40B4-BE49-F238E27FC236}">
-                <a16:creationId xmlns:a16="http://schemas.microsoft.com/office/drawing/2014/main" id="{2C48109C-0C6A-4C65-B80D-D4E281681F20}"/>
+                <a16:creationId xmlns="" xmlns:a16="http://schemas.microsoft.com/office/drawing/2014/main" id="{2C48109C-0C6A-4C65-B80D-D4E281681F20}"/>
               </a:ext>
             </a:extLst>
           </p:cNvPr>
@@ -5431,7 +5432,7 @@
           <a:p>
             <a:fld id="{41449048-A24C-40FB-B807-A782514DF7CB}" type="datetimeFigureOut">
               <a:rPr lang="en-IN" smtClean="0"/>
-              <a:t>03-12-2021</a:t>
+              <a:t>20-09-2025</a:t>
             </a:fld>
             <a:endParaRPr lang="en-IN"/>
           </a:p>
@@ -5442,7 +5443,7 @@
           <p:cNvPr id="5" name="Footer Placeholder 4">
             <a:extLst>
               <a:ext uri="{FF2B5EF4-FFF2-40B4-BE49-F238E27FC236}">
-                <a16:creationId xmlns:a16="http://schemas.microsoft.com/office/drawing/2014/main" id="{04CDED02-59B2-403B-9819-C5769EF2B208}"/>
+                <a16:creationId xmlns="" xmlns:a16="http://schemas.microsoft.com/office/drawing/2014/main" id="{04CDED02-59B2-403B-9819-C5769EF2B208}"/>
               </a:ext>
             </a:extLst>
           </p:cNvPr>
@@ -5485,7 +5486,7 @@
           <p:cNvPr id="6" name="Slide Number Placeholder 5">
             <a:extLst>
               <a:ext uri="{FF2B5EF4-FFF2-40B4-BE49-F238E27FC236}">
-                <a16:creationId xmlns:a16="http://schemas.microsoft.com/office/drawing/2014/main" id="{E4771CB5-109F-4BF9-B285-2BDB424CF7A4}"/>
+                <a16:creationId xmlns="" xmlns:a16="http://schemas.microsoft.com/office/drawing/2014/main" id="{E4771CB5-109F-4BF9-B285-2BDB424CF7A4}"/>
               </a:ext>
             </a:extLst>
           </p:cNvPr>
@@ -5984,7 +5985,7 @@
             <a:fld id="{931A54DE-63E9-43A7-8BEE-76099AECF6E2}" type="datetimeFigureOut">
               <a:rPr lang="en-US" smtClean="0"/>
               <a:pPr/>
-              <a:t>12/3/2021</a:t>
+              <a:t>9/20/2025</a:t>
             </a:fld>
             <a:endParaRPr lang="en-IN"/>
           </a:p>
@@ -6365,7 +6366,7 @@
           <p:cNvPr id="2" name="Title 1">
             <a:extLst>
               <a:ext uri="{FF2B5EF4-FFF2-40B4-BE49-F238E27FC236}">
-                <a16:creationId xmlns:a16="http://schemas.microsoft.com/office/drawing/2014/main" id="{0C458E14-799A-4F56-AF84-B7DA8A220CB7}"/>
+                <a16:creationId xmlns="" xmlns:a16="http://schemas.microsoft.com/office/drawing/2014/main" id="{0C458E14-799A-4F56-AF84-B7DA8A220CB7}"/>
               </a:ext>
             </a:extLst>
           </p:cNvPr>
@@ -6393,7 +6394,7 @@
           <p:cNvPr id="3" name="Subtitle 2">
             <a:extLst>
               <a:ext uri="{FF2B5EF4-FFF2-40B4-BE49-F238E27FC236}">
-                <a16:creationId xmlns:a16="http://schemas.microsoft.com/office/drawing/2014/main" id="{08BE6F9B-A507-407A-8253-F8A103B6CDE3}"/>
+                <a16:creationId xmlns="" xmlns:a16="http://schemas.microsoft.com/office/drawing/2014/main" id="{08BE6F9B-A507-407A-8253-F8A103B6CDE3}"/>
               </a:ext>
             </a:extLst>
           </p:cNvPr>
@@ -6455,7 +6456,7 @@
           <p:cNvPr id="2" name="Title 1">
             <a:extLst>
               <a:ext uri="{FF2B5EF4-FFF2-40B4-BE49-F238E27FC236}">
-                <a16:creationId xmlns:a16="http://schemas.microsoft.com/office/drawing/2014/main" id="{93F76200-7EB3-49E7-94A4-1B99B96DC690}"/>
+                <a16:creationId xmlns="" xmlns:a16="http://schemas.microsoft.com/office/drawing/2014/main" id="{93F76200-7EB3-49E7-94A4-1B99B96DC690}"/>
               </a:ext>
             </a:extLst>
           </p:cNvPr>
@@ -6483,7 +6484,7 @@
           <p:cNvPr id="3" name="Content Placeholder 2">
             <a:extLst>
               <a:ext uri="{FF2B5EF4-FFF2-40B4-BE49-F238E27FC236}">
-                <a16:creationId xmlns:a16="http://schemas.microsoft.com/office/drawing/2014/main" id="{EF28F398-F769-4B58-8F5E-CC63996ADA05}"/>
+                <a16:creationId xmlns="" xmlns:a16="http://schemas.microsoft.com/office/drawing/2014/main" id="{EF28F398-F769-4B58-8F5E-CC63996ADA05}"/>
               </a:ext>
             </a:extLst>
           </p:cNvPr>
@@ -6579,7 +6580,7 @@
           <p:cNvPr id="4" name="Picture 3">
             <a:extLst>
               <a:ext uri="{FF2B5EF4-FFF2-40B4-BE49-F238E27FC236}">
-                <a16:creationId xmlns:a16="http://schemas.microsoft.com/office/drawing/2014/main" id="{C8D3101A-CC60-490A-A04E-1818FF3367C2}"/>
+                <a16:creationId xmlns="" xmlns:a16="http://schemas.microsoft.com/office/drawing/2014/main" id="{C8D3101A-CC60-490A-A04E-1818FF3367C2}"/>
               </a:ext>
             </a:extLst>
           </p:cNvPr>
@@ -6639,7 +6640,7 @@
           <p:cNvPr id="2" name="Title 1">
             <a:extLst>
               <a:ext uri="{FF2B5EF4-FFF2-40B4-BE49-F238E27FC236}">
-                <a16:creationId xmlns:a16="http://schemas.microsoft.com/office/drawing/2014/main" id="{42E993D5-B9DD-4A59-89DD-978C5ACB2660}"/>
+                <a16:creationId xmlns="" xmlns:a16="http://schemas.microsoft.com/office/drawing/2014/main" id="{42E993D5-B9DD-4A59-89DD-978C5ACB2660}"/>
               </a:ext>
             </a:extLst>
           </p:cNvPr>
@@ -6667,7 +6668,7 @@
           <p:cNvPr id="5" name="Picture 4">
             <a:extLst>
               <a:ext uri="{FF2B5EF4-FFF2-40B4-BE49-F238E27FC236}">
-                <a16:creationId xmlns:a16="http://schemas.microsoft.com/office/drawing/2014/main" id="{29342196-08A0-425E-9876-3D68A52447B8}"/>
+                <a16:creationId xmlns="" xmlns:a16="http://schemas.microsoft.com/office/drawing/2014/main" id="{29342196-08A0-425E-9876-3D68A52447B8}"/>
               </a:ext>
             </a:extLst>
           </p:cNvPr>
@@ -6697,7 +6698,7 @@
           <p:cNvPr id="7" name="TextBox 6">
             <a:extLst>
               <a:ext uri="{FF2B5EF4-FFF2-40B4-BE49-F238E27FC236}">
-                <a16:creationId xmlns:a16="http://schemas.microsoft.com/office/drawing/2014/main" id="{7A5B0CEF-49DE-4703-8319-DC320E7CABCD}"/>
+                <a16:creationId xmlns="" xmlns:a16="http://schemas.microsoft.com/office/drawing/2014/main" id="{7A5B0CEF-49DE-4703-8319-DC320E7CABCD}"/>
               </a:ext>
             </a:extLst>
           </p:cNvPr>
@@ -6902,6 +6903,305 @@
       </p:grpSpPr>
       <p:sp>
         <p:nvSpPr>
+          <p:cNvPr id="3" name="Content Placeholder 2">
+            <a:extLst>
+              <a:ext uri="{FF2B5EF4-FFF2-40B4-BE49-F238E27FC236}">
+                <a16:creationId xmlns="" xmlns:a16="http://schemas.microsoft.com/office/drawing/2014/main" id="{8C459C86-18CF-43B8-BA4C-E6C633D142B2}"/>
+              </a:ext>
+            </a:extLst>
+          </p:cNvPr>
+          <p:cNvSpPr>
+            <a:spLocks noGrp="1"/>
+          </p:cNvSpPr>
+          <p:nvPr>
+            <p:ph idx="1"/>
+          </p:nvPr>
+        </p:nvSpPr>
+        <p:spPr>
+          <a:xfrm>
+            <a:off x="359765" y="371578"/>
+            <a:ext cx="11407514" cy="6059202"/>
+          </a:xfrm>
+        </p:spPr>
+        <p:txBody>
+          <a:bodyPr>
+            <a:normAutofit/>
+          </a:bodyPr>
+          <a:lstStyle/>
+          <a:p>
+            <a:r>
+              <a:rPr lang="en-IN" sz="3600" dirty="0"/>
+              <a:t>Normalization:</a:t>
+            </a:r>
+          </a:p>
+          <a:p>
+            <a:pPr lvl="1"/>
+            <a:r>
+              <a:rPr lang="en-IN" sz="3200" dirty="0" smtClean="0"/>
+              <a:t>It is the </a:t>
+            </a:r>
+            <a:r>
+              <a:rPr lang="en-IN" sz="3200" dirty="0"/>
+              <a:t>process of decomposing unsatisfactory "bad“ relations by breaking up their attributes into smaller </a:t>
+            </a:r>
+            <a:r>
+              <a:rPr lang="en-IN" sz="3200" dirty="0" smtClean="0"/>
+              <a:t>relations</a:t>
+            </a:r>
+          </a:p>
+          <a:p>
+            <a:pPr marL="457200" lvl="1" indent="0">
+              <a:buNone/>
+            </a:pPr>
+            <a:endParaRPr lang="en-IN" sz="3200" dirty="0"/>
+          </a:p>
+          <a:p>
+            <a:pPr lvl="1"/>
+            <a:r>
+              <a:rPr lang="en-IN" sz="3200" dirty="0"/>
+              <a:t>Normalization is carried out in practice so that the resulting designs are of high quality and meet the desirable properties</a:t>
+            </a:r>
+          </a:p>
+          <a:p>
+            <a:pPr lvl="1"/>
+            <a:endParaRPr lang="en-IN" sz="3200" dirty="0"/>
+          </a:p>
+          <a:p>
+            <a:r>
+              <a:rPr lang="en-IN" sz="3600" dirty="0"/>
+              <a:t>Normal form:</a:t>
+            </a:r>
+          </a:p>
+          <a:p>
+            <a:pPr lvl="1"/>
+            <a:r>
+              <a:rPr lang="en-IN" sz="3200" dirty="0"/>
+              <a:t>Condition using keys and FDs of a relation to certify whether a relation schema is in a particular normal form</a:t>
+            </a:r>
+          </a:p>
+        </p:txBody>
+      </p:sp>
+    </p:spTree>
+    <p:extLst>
+      <p:ext uri="{BB962C8B-B14F-4D97-AF65-F5344CB8AC3E}">
+        <p14:creationId xmlns:p14="http://schemas.microsoft.com/office/powerpoint/2010/main" val="3672088722"/>
+      </p:ext>
+    </p:extLst>
+  </p:cSld>
+  <p:clrMapOvr>
+    <a:masterClrMapping/>
+  </p:clrMapOvr>
+</p:sld>
+</file>
+
+<file path=ppt/slides/slide13.xml><?xml version="1.0" encoding="utf-8"?>
+<p:sld xmlns:a="http://schemas.openxmlformats.org/drawingml/2006/main" xmlns:r="http://schemas.openxmlformats.org/officeDocument/2006/relationships" xmlns:p="http://schemas.openxmlformats.org/presentationml/2006/main">
+  <p:cSld>
+    <p:spTree>
+      <p:nvGrpSpPr>
+        <p:cNvPr id="1" name=""/>
+        <p:cNvGrpSpPr/>
+        <p:nvPr/>
+      </p:nvGrpSpPr>
+      <p:grpSpPr>
+        <a:xfrm>
+          <a:off x="0" y="0"/>
+          <a:ext cx="0" cy="0"/>
+          <a:chOff x="0" y="0"/>
+          <a:chExt cx="0" cy="0"/>
+        </a:xfrm>
+      </p:grpSpPr>
+      <p:sp>
+        <p:nvSpPr>
+          <p:cNvPr id="2" name="Title 1">
+            <a:extLst>
+              <a:ext uri="{FF2B5EF4-FFF2-40B4-BE49-F238E27FC236}">
+                <a16:creationId xmlns="" xmlns:a16="http://schemas.microsoft.com/office/drawing/2014/main" id="{8DE7D6CB-16E3-4FD3-BF71-9A8B7A0105ED}"/>
+              </a:ext>
+            </a:extLst>
+          </p:cNvPr>
+          <p:cNvSpPr>
+            <a:spLocks noGrp="1"/>
+          </p:cNvSpPr>
+          <p:nvPr>
+            <p:ph type="title"/>
+          </p:nvPr>
+        </p:nvSpPr>
+        <p:spPr>
+          <a:xfrm>
+            <a:off x="243840" y="252583"/>
+            <a:ext cx="11704319" cy="844697"/>
+          </a:xfrm>
+        </p:spPr>
+        <p:txBody>
+          <a:bodyPr>
+            <a:normAutofit fontScale="90000"/>
+          </a:bodyPr>
+          <a:lstStyle/>
+          <a:p>
+            <a:r>
+              <a:rPr lang="en-IN" b="1" dirty="0"/>
+              <a:t>Definitions of Keys and Attributes Participating in Keys</a:t>
+            </a:r>
+          </a:p>
+        </p:txBody>
+      </p:sp>
+      <p:sp>
+        <p:nvSpPr>
+          <p:cNvPr id="3" name="Content Placeholder 2">
+            <a:extLst>
+              <a:ext uri="{FF2B5EF4-FFF2-40B4-BE49-F238E27FC236}">
+                <a16:creationId xmlns="" xmlns:a16="http://schemas.microsoft.com/office/drawing/2014/main" id="{A4ADD284-4769-4FCB-8D43-8F795617CEDB}"/>
+              </a:ext>
+            </a:extLst>
+          </p:cNvPr>
+          <p:cNvSpPr>
+            <a:spLocks noGrp="1"/>
+          </p:cNvSpPr>
+          <p:nvPr>
+            <p:ph idx="1"/>
+          </p:nvPr>
+        </p:nvSpPr>
+        <p:spPr>
+          <a:xfrm>
+            <a:off x="243839" y="1336433"/>
+            <a:ext cx="11704319" cy="5401994"/>
+          </a:xfrm>
+        </p:spPr>
+        <p:txBody>
+          <a:bodyPr>
+            <a:normAutofit fontScale="92500" lnSpcReduction="10000"/>
+          </a:bodyPr>
+          <a:lstStyle/>
+          <a:p>
+            <a:pPr algn="just"/>
+            <a:r>
+              <a:rPr lang="en-IN" dirty="0"/>
+              <a:t>A </a:t>
+            </a:r>
+            <a:r>
+              <a:rPr lang="en-IN" b="1" dirty="0"/>
+              <a:t>super key </a:t>
+            </a:r>
+            <a:r>
+              <a:rPr lang="en-IN" dirty="0"/>
+              <a:t>of a relation schema R = {A1, A2, ...., An} is a set of attributes S subset-of R with the property that no two tuples t1 and t2 in any legal relation state r of R will have t1[S] = t2[S]</a:t>
+            </a:r>
+          </a:p>
+          <a:p>
+            <a:pPr algn="just"/>
+            <a:r>
+              <a:rPr lang="en-IN" dirty="0"/>
+              <a:t>A </a:t>
+            </a:r>
+            <a:r>
+              <a:rPr lang="en-IN" b="1" dirty="0"/>
+              <a:t>Candidate key </a:t>
+            </a:r>
+            <a:r>
+              <a:rPr lang="en-IN" dirty="0"/>
+              <a:t>K is a super key with the additional property that removal of any attribute from K will cause K not to be a super key any more.</a:t>
+            </a:r>
+          </a:p>
+          <a:p>
+            <a:pPr marL="0" indent="0" algn="ctr">
+              <a:buNone/>
+            </a:pPr>
+            <a:r>
+              <a:rPr lang="en-IN" dirty="0"/>
+              <a:t>OR</a:t>
+            </a:r>
+          </a:p>
+          <a:p>
+            <a:pPr algn="just"/>
+            <a:r>
+              <a:rPr lang="en-IN" dirty="0"/>
+              <a:t>Minimal Super Key with unique and not null values can be a candidate key</a:t>
+            </a:r>
+          </a:p>
+          <a:p>
+            <a:pPr algn="just"/>
+            <a:r>
+              <a:rPr lang="en-IN" dirty="0"/>
+              <a:t>One of the candidate keys is arbitrarily designated to be the </a:t>
+            </a:r>
+            <a:r>
+              <a:rPr lang="en-IN" b="1" dirty="0"/>
+              <a:t>primary key</a:t>
+            </a:r>
+            <a:r>
+              <a:rPr lang="en-IN" dirty="0"/>
+              <a:t>, and the others are called secondary Keys /  Alternate Keys</a:t>
+            </a:r>
+          </a:p>
+          <a:p>
+            <a:pPr algn="just"/>
+            <a:endParaRPr lang="en-IN" dirty="0"/>
+          </a:p>
+          <a:p>
+            <a:pPr algn="just"/>
+            <a:r>
+              <a:rPr lang="en-IN" dirty="0"/>
+              <a:t>A </a:t>
+            </a:r>
+            <a:r>
+              <a:rPr lang="en-IN" b="1" dirty="0"/>
+              <a:t>Prime attribute </a:t>
+            </a:r>
+            <a:r>
+              <a:rPr lang="en-IN" dirty="0"/>
+              <a:t>must be a member of some candidate key</a:t>
+            </a:r>
+          </a:p>
+          <a:p>
+            <a:pPr algn="just"/>
+            <a:r>
+              <a:rPr lang="en-IN" dirty="0"/>
+              <a:t>A </a:t>
+            </a:r>
+            <a:r>
+              <a:rPr lang="en-IN" b="1" dirty="0"/>
+              <a:t>Nonprime</a:t>
+            </a:r>
+            <a:r>
+              <a:rPr lang="en-IN" dirty="0"/>
+              <a:t> attribute is not a prime attribute— that is, it is not a member of any candidate key</a:t>
+            </a:r>
+          </a:p>
+        </p:txBody>
+      </p:sp>
+    </p:spTree>
+    <p:extLst>
+      <p:ext uri="{BB962C8B-B14F-4D97-AF65-F5344CB8AC3E}">
+        <p14:creationId xmlns:p14="http://schemas.microsoft.com/office/powerpoint/2010/main" val="1993964440"/>
+      </p:ext>
+    </p:extLst>
+  </p:cSld>
+  <p:clrMapOvr>
+    <a:masterClrMapping/>
+  </p:clrMapOvr>
+</p:sld>
+</file>
+
+<file path=ppt/slides/slide14.xml><?xml version="1.0" encoding="utf-8"?>
+<p:sld xmlns:a="http://schemas.openxmlformats.org/drawingml/2006/main" xmlns:r="http://schemas.openxmlformats.org/officeDocument/2006/relationships" xmlns:p="http://schemas.openxmlformats.org/presentationml/2006/main">
+  <p:cSld>
+    <p:spTree>
+      <p:nvGrpSpPr>
+        <p:cNvPr id="1" name=""/>
+        <p:cNvGrpSpPr/>
+        <p:nvPr/>
+      </p:nvGrpSpPr>
+      <p:grpSpPr>
+        <a:xfrm>
+          <a:off x="0" y="0"/>
+          <a:ext cx="0" cy="0"/>
+          <a:chOff x="0" y="0"/>
+          <a:chExt cx="0" cy="0"/>
+        </a:xfrm>
+      </p:grpSpPr>
+      <p:sp>
+        <p:nvSpPr>
           <p:cNvPr id="2" name="Title 1"/>
           <p:cNvSpPr>
             <a:spLocks noGrp="1"/>
@@ -6953,43 +7253,43 @@
           <a:lstStyle/>
           <a:p>
             <a:r>
-              <a:rPr lang="en-IN" dirty="0"/>
+              <a:rPr lang="en-IN" sz="2800" dirty="0"/>
               <a:t>First Normal Form: This rule defines that all the attributes in a relation must have atomic domains. The values in an atomic domain are indivisible units.</a:t>
             </a:r>
           </a:p>
           <a:p>
             <a:r>
-              <a:rPr lang="en-US" dirty="0" err="1"/>
+              <a:rPr lang="en-US" sz="2800" dirty="0" err="1"/>
               <a:t>Eg</a:t>
             </a:r>
             <a:r>
-              <a:rPr lang="en-US" dirty="0"/>
+              <a:rPr lang="en-US" sz="2800" dirty="0"/>
               <a:t>.</a:t>
             </a:r>
           </a:p>
           <a:p>
-            <a:endParaRPr lang="en-US" dirty="0"/>
-          </a:p>
-          <a:p>
-            <a:endParaRPr lang="en-US" dirty="0"/>
-          </a:p>
-          <a:p>
-            <a:endParaRPr lang="en-US" dirty="0"/>
-          </a:p>
-          <a:p>
-            <a:endParaRPr lang="en-US" dirty="0"/>
-          </a:p>
-          <a:p>
-            <a:r>
-              <a:rPr lang="en-US" dirty="0"/>
+            <a:endParaRPr lang="en-US" sz="2800" dirty="0"/>
+          </a:p>
+          <a:p>
+            <a:endParaRPr lang="en-US" sz="2800" dirty="0"/>
+          </a:p>
+          <a:p>
+            <a:endParaRPr lang="en-US" sz="2800" dirty="0"/>
+          </a:p>
+          <a:p>
+            <a:endParaRPr lang="en-US" sz="2800" dirty="0"/>
+          </a:p>
+          <a:p>
+            <a:r>
+              <a:rPr lang="en-US" sz="2800" dirty="0"/>
               <a:t>Convert into 1</a:t>
             </a:r>
             <a:r>
-              <a:rPr lang="en-US" baseline="30000" dirty="0"/>
+              <a:rPr lang="en-US" sz="2800" baseline="30000" dirty="0"/>
               <a:t>st</a:t>
             </a:r>
             <a:r>
-              <a:rPr lang="en-US" dirty="0"/>
+              <a:rPr lang="en-US" sz="2800" dirty="0"/>
               <a:t> NF as:</a:t>
             </a:r>
           </a:p>
@@ -6998,26 +7298,47 @@
               <a:buNone/>
             </a:pPr>
             <a:r>
-              <a:rPr lang="en-US" dirty="0"/>
+              <a:rPr lang="en-US" sz="2800" dirty="0"/>
               <a:t>	{</a:t>
             </a:r>
             <a:r>
-              <a:rPr lang="en-US" dirty="0" err="1"/>
+              <a:rPr lang="en-US" sz="2800" dirty="0" err="1"/>
               <a:t>Car_Model</a:t>
             </a:r>
             <a:r>
-              <a:rPr lang="en-US" dirty="0"/>
-              <a:t>, Color} and {</a:t>
-            </a:r>
-            <a:r>
-              <a:rPr lang="en-US" dirty="0" err="1"/>
-              <a:t>Car_Model</a:t>
-            </a:r>
-            <a:r>
-              <a:rPr lang="en-US" dirty="0"/>
-              <a:t>, Price} </a:t>
-            </a:r>
-            <a:endParaRPr lang="en-IN" dirty="0"/>
+              <a:rPr lang="en-US" sz="2800" dirty="0"/>
+              <a:t>, </a:t>
+            </a:r>
+            <a:r>
+              <a:rPr lang="en-US" sz="2800" dirty="0" smtClean="0"/>
+              <a:t>Color, </a:t>
+            </a:r>
+            <a:r>
+              <a:rPr lang="en-US" sz="2800" dirty="0"/>
+              <a:t>Price} </a:t>
+            </a:r>
+            <a:r>
+              <a:rPr lang="en-US" sz="2800" dirty="0" smtClean="0"/>
+              <a:t>with multiple records for Car Model</a:t>
+            </a:r>
+          </a:p>
+          <a:p>
+            <a:pPr>
+              <a:buNone/>
+            </a:pPr>
+            <a:r>
+              <a:rPr lang="en-US" sz="2800" dirty="0" smtClean="0"/>
+              <a:t>Here in 1</a:t>
+            </a:r>
+            <a:r>
+              <a:rPr lang="en-US" sz="2800" baseline="30000" dirty="0" smtClean="0"/>
+              <a:t>st</a:t>
+            </a:r>
+            <a:r>
+              <a:rPr lang="en-US" sz="2800" dirty="0" smtClean="0"/>
+              <a:t> NF we don’t create any Primary key.</a:t>
+            </a:r>
+            <a:endParaRPr lang="en-IN" sz="2800" dirty="0"/>
           </a:p>
         </p:txBody>
       </p:sp>
@@ -7030,13 +7351,13 @@
           <p:nvPr>
             <p:extLst>
               <p:ext uri="{D42A27DB-BD31-4B8C-83A1-F6EECF244321}">
-                <p14:modId xmlns:p14="http://schemas.microsoft.com/office/powerpoint/2010/main" val="3317955678"/>
+                <p14:modId xmlns:p14="http://schemas.microsoft.com/office/powerpoint/2010/main" val="1567737412"/>
               </p:ext>
             </p:extLst>
           </p:nvPr>
         </p:nvGraphicFramePr>
         <p:xfrm>
-          <a:off x="3015174" y="2501899"/>
+          <a:off x="3644760" y="1812352"/>
           <a:ext cx="7057293" cy="2478065"/>
         </p:xfrm>
         <a:graphic>
@@ -7049,21 +7370,21 @@
                 <a:gridCol w="2352431">
                   <a:extLst>
                     <a:ext uri="{9D8B030D-6E8A-4147-A177-3AD203B41FA5}">
-                      <a16:colId xmlns:a16="http://schemas.microsoft.com/office/drawing/2014/main" val="20000"/>
+                      <a16:colId xmlns="" xmlns:a16="http://schemas.microsoft.com/office/drawing/2014/main" val="20000"/>
                     </a:ext>
                   </a:extLst>
                 </a:gridCol>
                 <a:gridCol w="2352431">
                   <a:extLst>
                     <a:ext uri="{9D8B030D-6E8A-4147-A177-3AD203B41FA5}">
-                      <a16:colId xmlns:a16="http://schemas.microsoft.com/office/drawing/2014/main" val="20001"/>
+                      <a16:colId xmlns="" xmlns:a16="http://schemas.microsoft.com/office/drawing/2014/main" val="20001"/>
                     </a:ext>
                   </a:extLst>
                 </a:gridCol>
                 <a:gridCol w="2352431">
                   <a:extLst>
                     <a:ext uri="{9D8B030D-6E8A-4147-A177-3AD203B41FA5}">
-                      <a16:colId xmlns:a16="http://schemas.microsoft.com/office/drawing/2014/main" val="20002"/>
+                      <a16:colId xmlns="" xmlns:a16="http://schemas.microsoft.com/office/drawing/2014/main" val="20002"/>
                     </a:ext>
                   </a:extLst>
                 </a:gridCol>
@@ -7113,7 +7434,7 @@
                 </a:tc>
                 <a:extLst>
                   <a:ext uri="{0D108BD9-81ED-4DB2-BD59-A6C34878D82A}">
-                    <a16:rowId xmlns:a16="http://schemas.microsoft.com/office/drawing/2014/main" val="10000"/>
+                    <a16:rowId xmlns="" xmlns:a16="http://schemas.microsoft.com/office/drawing/2014/main" val="10000"/>
                   </a:ext>
                 </a:extLst>
               </a:tr>
@@ -7166,7 +7487,7 @@
                 </a:tc>
                 <a:extLst>
                   <a:ext uri="{0D108BD9-81ED-4DB2-BD59-A6C34878D82A}">
-                    <a16:rowId xmlns:a16="http://schemas.microsoft.com/office/drawing/2014/main" val="10001"/>
+                    <a16:rowId xmlns="" xmlns:a16="http://schemas.microsoft.com/office/drawing/2014/main" val="10001"/>
                   </a:ext>
                 </a:extLst>
               </a:tr>
@@ -7223,7 +7544,7 @@
                 </a:tc>
                 <a:extLst>
                   <a:ext uri="{0D108BD9-81ED-4DB2-BD59-A6C34878D82A}">
-                    <a16:rowId xmlns:a16="http://schemas.microsoft.com/office/drawing/2014/main" val="10002"/>
+                    <a16:rowId xmlns="" xmlns:a16="http://schemas.microsoft.com/office/drawing/2014/main" val="10002"/>
                   </a:ext>
                 </a:extLst>
               </a:tr>
@@ -7276,7 +7597,7 @@
                 </a:tc>
                 <a:extLst>
                   <a:ext uri="{0D108BD9-81ED-4DB2-BD59-A6C34878D82A}">
-                    <a16:rowId xmlns:a16="http://schemas.microsoft.com/office/drawing/2014/main" val="10003"/>
+                    <a16:rowId xmlns="" xmlns:a16="http://schemas.microsoft.com/office/drawing/2014/main" val="10003"/>
                   </a:ext>
                 </a:extLst>
               </a:tr>
@@ -7325,7 +7646,7 @@
                 </a:tc>
                 <a:extLst>
                   <a:ext uri="{0D108BD9-81ED-4DB2-BD59-A6C34878D82A}">
-                    <a16:rowId xmlns:a16="http://schemas.microsoft.com/office/drawing/2014/main" val="10004"/>
+                    <a16:rowId xmlns="" xmlns:a16="http://schemas.microsoft.com/office/drawing/2014/main" val="10004"/>
                   </a:ext>
                 </a:extLst>
               </a:tr>
@@ -7333,343 +7654,6 @@
           </a:graphicData>
         </a:graphic>
       </p:graphicFrame>
-    </p:spTree>
-  </p:cSld>
-  <p:clrMapOvr>
-    <a:masterClrMapping/>
-  </p:clrMapOvr>
-</p:sld>
-</file>
-
-<file path=ppt/slides/slide13.xml><?xml version="1.0" encoding="utf-8"?>
-<p:sld xmlns:a="http://schemas.openxmlformats.org/drawingml/2006/main" xmlns:r="http://schemas.openxmlformats.org/officeDocument/2006/relationships" xmlns:p="http://schemas.openxmlformats.org/presentationml/2006/main">
-  <p:cSld>
-    <p:spTree>
-      <p:nvGrpSpPr>
-        <p:cNvPr id="1" name=""/>
-        <p:cNvGrpSpPr/>
-        <p:nvPr/>
-      </p:nvGrpSpPr>
-      <p:grpSpPr>
-        <a:xfrm>
-          <a:off x="0" y="0"/>
-          <a:ext cx="0" cy="0"/>
-          <a:chOff x="0" y="0"/>
-          <a:chExt cx="0" cy="0"/>
-        </a:xfrm>
-      </p:grpSpPr>
-      <p:sp>
-        <p:nvSpPr>
-          <p:cNvPr id="2" name="Title 1"/>
-          <p:cNvSpPr>
-            <a:spLocks noGrp="1"/>
-          </p:cNvSpPr>
-          <p:nvPr>
-            <p:ph type="title"/>
-          </p:nvPr>
-        </p:nvSpPr>
-        <p:spPr>
-          <a:xfrm>
-            <a:off x="1981200" y="274638"/>
-            <a:ext cx="8229600" cy="439718"/>
-          </a:xfrm>
-        </p:spPr>
-        <p:txBody>
-          <a:bodyPr>
-            <a:normAutofit fontScale="90000"/>
-          </a:bodyPr>
-          <a:lstStyle/>
-          <a:p>
-            <a:r>
-              <a:rPr lang="en-US" dirty="0"/>
-              <a:t>Cont…</a:t>
-            </a:r>
-            <a:endParaRPr lang="en-IN" dirty="0"/>
-          </a:p>
-        </p:txBody>
-      </p:sp>
-      <p:sp>
-        <p:nvSpPr>
-          <p:cNvPr id="3" name="Content Placeholder 2"/>
-          <p:cNvSpPr>
-            <a:spLocks noGrp="1"/>
-          </p:cNvSpPr>
-          <p:nvPr>
-            <p:ph idx="1"/>
-          </p:nvPr>
-        </p:nvSpPr>
-        <p:spPr>
-          <a:xfrm>
-            <a:off x="717451" y="857232"/>
-            <a:ext cx="10930597" cy="5726130"/>
-          </a:xfrm>
-        </p:spPr>
-        <p:txBody>
-          <a:bodyPr/>
-          <a:lstStyle/>
-          <a:p>
-            <a:pPr algn="just"/>
-            <a:r>
-              <a:rPr lang="en-IN" dirty="0"/>
-              <a:t>Second Normal Form: </a:t>
-            </a:r>
-          </a:p>
-          <a:p>
-            <a:pPr algn="just"/>
-            <a:r>
-              <a:rPr lang="en-IN" dirty="0"/>
-              <a:t>Every non-prime attribute should be fully functionally dependent on prime key attribute. </a:t>
-            </a:r>
-          </a:p>
-          <a:p>
-            <a:pPr algn="just"/>
-            <a:r>
-              <a:rPr lang="en-IN" dirty="0"/>
-              <a:t>That is, if X → A holds, then there should not be any proper subset Y of X, for which Y → A also holds true. </a:t>
-            </a:r>
-          </a:p>
-          <a:p>
-            <a:pPr algn="just">
-              <a:buNone/>
-            </a:pPr>
-            <a:r>
-              <a:rPr lang="en-US" dirty="0" err="1"/>
-              <a:t>Eg</a:t>
-            </a:r>
-            <a:r>
-              <a:rPr lang="en-US" dirty="0"/>
-              <a:t>.</a:t>
-            </a:r>
-          </a:p>
-          <a:p>
-            <a:pPr algn="just">
-              <a:buNone/>
-            </a:pPr>
-            <a:r>
-              <a:rPr lang="en-US" dirty="0" err="1"/>
-              <a:t>Stud_Proj</a:t>
-            </a:r>
-            <a:r>
-              <a:rPr lang="en-US" dirty="0"/>
-              <a:t>: {</a:t>
-            </a:r>
-            <a:r>
-              <a:rPr lang="en-US" dirty="0" err="1"/>
-              <a:t>stud_id</a:t>
-            </a:r>
-            <a:r>
-              <a:rPr lang="en-US" dirty="0"/>
-              <a:t>, name, </a:t>
-            </a:r>
-            <a:r>
-              <a:rPr lang="en-US" dirty="0" err="1"/>
-              <a:t>proj_id</a:t>
-            </a:r>
-            <a:r>
-              <a:rPr lang="en-US" dirty="0"/>
-              <a:t>, </a:t>
-            </a:r>
-            <a:r>
-              <a:rPr lang="en-US" dirty="0" err="1"/>
-              <a:t>proj_name</a:t>
-            </a:r>
-            <a:r>
-              <a:rPr lang="en-US" dirty="0"/>
-              <a:t>}</a:t>
-            </a:r>
-          </a:p>
-          <a:p>
-            <a:pPr algn="just">
-              <a:buNone/>
-            </a:pPr>
-            <a:r>
-              <a:rPr lang="en-US" dirty="0"/>
-              <a:t>Student:    {</a:t>
-            </a:r>
-            <a:r>
-              <a:rPr lang="en-US" dirty="0" err="1"/>
-              <a:t>stud_Id</a:t>
-            </a:r>
-            <a:r>
-              <a:rPr lang="en-US" dirty="0"/>
-              <a:t>, name, </a:t>
-            </a:r>
-            <a:r>
-              <a:rPr lang="en-US" dirty="0" err="1"/>
-              <a:t>proj_Id</a:t>
-            </a:r>
-            <a:r>
-              <a:rPr lang="en-US" dirty="0"/>
-              <a:t>,}</a:t>
-            </a:r>
-          </a:p>
-          <a:p>
-            <a:pPr algn="just">
-              <a:buNone/>
-            </a:pPr>
-            <a:r>
-              <a:rPr lang="en-US" dirty="0"/>
-              <a:t>Project:      {</a:t>
-            </a:r>
-            <a:r>
-              <a:rPr lang="en-US" dirty="0" err="1"/>
-              <a:t>proj_id</a:t>
-            </a:r>
-            <a:r>
-              <a:rPr lang="en-US" dirty="0"/>
-              <a:t>, </a:t>
-            </a:r>
-            <a:r>
-              <a:rPr lang="en-US" dirty="0" err="1"/>
-              <a:t>proj_name</a:t>
-            </a:r>
-            <a:r>
-              <a:rPr lang="en-US" dirty="0"/>
-              <a:t>}</a:t>
-            </a:r>
-            <a:endParaRPr lang="en-IN" dirty="0"/>
-          </a:p>
-        </p:txBody>
-      </p:sp>
-    </p:spTree>
-  </p:cSld>
-  <p:clrMapOvr>
-    <a:masterClrMapping/>
-  </p:clrMapOvr>
-</p:sld>
-</file>
-
-<file path=ppt/slides/slide14.xml><?xml version="1.0" encoding="utf-8"?>
-<p:sld xmlns:a="http://schemas.openxmlformats.org/drawingml/2006/main" xmlns:r="http://schemas.openxmlformats.org/officeDocument/2006/relationships" xmlns:p="http://schemas.openxmlformats.org/presentationml/2006/main">
-  <p:cSld>
-    <p:spTree>
-      <p:nvGrpSpPr>
-        <p:cNvPr id="1" name=""/>
-        <p:cNvGrpSpPr/>
-        <p:nvPr/>
-      </p:nvGrpSpPr>
-      <p:grpSpPr>
-        <a:xfrm>
-          <a:off x="0" y="0"/>
-          <a:ext cx="0" cy="0"/>
-          <a:chOff x="0" y="0"/>
-          <a:chExt cx="0" cy="0"/>
-        </a:xfrm>
-      </p:grpSpPr>
-      <p:sp>
-        <p:nvSpPr>
-          <p:cNvPr id="3" name="Content Placeholder 2"/>
-          <p:cNvSpPr>
-            <a:spLocks noGrp="1"/>
-          </p:cNvSpPr>
-          <p:nvPr>
-            <p:ph idx="1"/>
-          </p:nvPr>
-        </p:nvSpPr>
-        <p:spPr>
-          <a:xfrm>
-            <a:off x="661181" y="928671"/>
-            <a:ext cx="10986867" cy="5197493"/>
-          </a:xfrm>
-        </p:spPr>
-        <p:txBody>
-          <a:bodyPr>
-            <a:normAutofit/>
-          </a:bodyPr>
-          <a:lstStyle/>
-          <a:p>
-            <a:pPr algn="just"/>
-            <a:r>
-              <a:rPr lang="en-IN" dirty="0"/>
-              <a:t>Third Normal Form:</a:t>
-            </a:r>
-          </a:p>
-          <a:p>
-            <a:pPr algn="just">
-              <a:buNone/>
-            </a:pPr>
-            <a:r>
-              <a:rPr lang="en-IN" dirty="0"/>
-              <a:t>    For a relation to be in Third Normal Form, it must be in Second Normal form and the following must satisfy </a:t>
-            </a:r>
-          </a:p>
-          <a:p>
-            <a:pPr algn="just"/>
-            <a:r>
-              <a:rPr lang="en-IN" dirty="0"/>
-              <a:t>No non-prime attribute is transitively dependent on prime key attribute. </a:t>
-            </a:r>
-          </a:p>
-          <a:p>
-            <a:pPr algn="just"/>
-            <a:r>
-              <a:rPr lang="en-IN" dirty="0"/>
-              <a:t>For any non-trivial functional dependency, </a:t>
-            </a:r>
-          </a:p>
-          <a:p>
-            <a:pPr algn="just">
-              <a:buNone/>
-            </a:pPr>
-            <a:r>
-              <a:rPr lang="en-IN" dirty="0"/>
-              <a:t>	X → A, then either </a:t>
-            </a:r>
-          </a:p>
-          <a:p>
-            <a:pPr lvl="2" algn="just"/>
-            <a:r>
-              <a:rPr lang="en-IN" dirty="0"/>
-              <a:t>X is a </a:t>
-            </a:r>
-            <a:r>
-              <a:rPr lang="en-IN" dirty="0" err="1"/>
-              <a:t>superkey</a:t>
-            </a:r>
-            <a:r>
-              <a:rPr lang="en-IN" dirty="0"/>
-              <a:t>          or</a:t>
-            </a:r>
-          </a:p>
-          <a:p>
-            <a:pPr lvl="2" algn="just"/>
-            <a:r>
-              <a:rPr lang="en-IN" dirty="0"/>
-              <a:t>A is prime attribute.</a:t>
-            </a:r>
-          </a:p>
-        </p:txBody>
-      </p:sp>
-      <p:sp>
-        <p:nvSpPr>
-          <p:cNvPr id="4" name="Title 1"/>
-          <p:cNvSpPr>
-            <a:spLocks noGrp="1"/>
-          </p:cNvSpPr>
-          <p:nvPr>
-            <p:ph type="title"/>
-          </p:nvPr>
-        </p:nvSpPr>
-        <p:spPr>
-          <a:xfrm>
-            <a:off x="1981200" y="274638"/>
-            <a:ext cx="8229600" cy="439718"/>
-          </a:xfrm>
-        </p:spPr>
-        <p:txBody>
-          <a:bodyPr>
-            <a:normAutofit fontScale="90000"/>
-          </a:bodyPr>
-          <a:lstStyle/>
-          <a:p>
-            <a:r>
-              <a:rPr lang="en-US" dirty="0"/>
-              <a:t>Cont…</a:t>
-            </a:r>
-            <a:endParaRPr lang="en-IN" dirty="0"/>
-          </a:p>
-        </p:txBody>
-      </p:sp>
     </p:spTree>
   </p:cSld>
   <p:clrMapOvr>
@@ -7697,13 +7681,7 @@
       </p:grpSpPr>
       <p:sp>
         <p:nvSpPr>
-          <p:cNvPr id="2" name="Title 1">
-            <a:extLst>
-              <a:ext uri="{FF2B5EF4-FFF2-40B4-BE49-F238E27FC236}">
-                <a16:creationId xmlns:a16="http://schemas.microsoft.com/office/drawing/2014/main" id="{9172965D-AA63-474A-AAF6-150F4AA00B2E}"/>
-              </a:ext>
-            </a:extLst>
-          </p:cNvPr>
+          <p:cNvPr id="2" name="Title 1"/>
           <p:cNvSpPr>
             <a:spLocks noGrp="1"/>
           </p:cNvSpPr>
@@ -7711,85 +7689,170 @@
             <p:ph type="title"/>
           </p:nvPr>
         </p:nvSpPr>
-        <p:spPr/>
+        <p:spPr>
+          <a:xfrm>
+            <a:off x="1981200" y="274638"/>
+            <a:ext cx="8229600" cy="439718"/>
+          </a:xfrm>
+        </p:spPr>
+        <p:txBody>
+          <a:bodyPr>
+            <a:normAutofit fontScale="90000"/>
+          </a:bodyPr>
+          <a:lstStyle/>
+          <a:p>
+            <a:r>
+              <a:rPr lang="en-US" dirty="0"/>
+              <a:t>Cont…</a:t>
+            </a:r>
+            <a:endParaRPr lang="en-IN" dirty="0"/>
+          </a:p>
+        </p:txBody>
+      </p:sp>
+      <p:sp>
+        <p:nvSpPr>
+          <p:cNvPr id="3" name="Content Placeholder 2"/>
+          <p:cNvSpPr>
+            <a:spLocks noGrp="1"/>
+          </p:cNvSpPr>
+          <p:nvPr>
+            <p:ph idx="1"/>
+          </p:nvPr>
+        </p:nvSpPr>
+        <p:spPr>
+          <a:xfrm>
+            <a:off x="717451" y="857232"/>
+            <a:ext cx="10930597" cy="5726130"/>
+          </a:xfrm>
+        </p:spPr>
         <p:txBody>
           <a:bodyPr/>
           <a:lstStyle/>
           <a:p>
+            <a:pPr algn="just"/>
             <a:r>
               <a:rPr lang="en-IN" dirty="0"/>
-              <a:t>Practical</a:t>
-            </a:r>
-          </a:p>
-        </p:txBody>
-      </p:sp>
-      <p:sp>
-        <p:nvSpPr>
-          <p:cNvPr id="3" name="Content Placeholder 2">
-            <a:extLst>
-              <a:ext uri="{FF2B5EF4-FFF2-40B4-BE49-F238E27FC236}">
-                <a16:creationId xmlns:a16="http://schemas.microsoft.com/office/drawing/2014/main" id="{6AC5BE8A-3B5C-48D7-ABC1-C85F687DA0C4}"/>
-              </a:ext>
-            </a:extLst>
-          </p:cNvPr>
-          <p:cNvSpPr>
-            <a:spLocks noGrp="1"/>
-          </p:cNvSpPr>
-          <p:nvPr>
-            <p:ph idx="1"/>
-          </p:nvPr>
-        </p:nvSpPr>
-        <p:spPr/>
-        <p:txBody>
-          <a:bodyPr/>
-          <a:lstStyle/>
-          <a:p>
+              <a:t>Second Normal Form: </a:t>
+            </a:r>
+          </a:p>
+          <a:p>
+            <a:pPr algn="just"/>
             <a:r>
               <a:rPr lang="en-IN" dirty="0"/>
-              <a:t>Set Operation</a:t>
-            </a:r>
-            <a:r>
-              <a:rPr lang="en-IN"/>
-              <a:t>: Clause</a:t>
+              <a:t>Every non-prime attribute should be fully functionally dependent on prime key attribute. </a:t>
+            </a:r>
+          </a:p>
+          <a:p>
+            <a:pPr algn="just"/>
+            <a:r>
+              <a:rPr lang="en-IN" dirty="0"/>
+              <a:t>That is, if X → A holds, then there should not be any proper subset Y of X, for which Y → A also holds true. </a:t>
+            </a:r>
+          </a:p>
+          <a:p>
+            <a:pPr algn="just">
+              <a:buNone/>
+            </a:pPr>
+            <a:r>
+              <a:rPr lang="en-US" dirty="0" err="1"/>
+              <a:t>Eg</a:t>
+            </a:r>
+            <a:r>
+              <a:rPr lang="en-US" dirty="0"/>
+              <a:t>.</a:t>
+            </a:r>
+          </a:p>
+          <a:p>
+            <a:pPr algn="just">
+              <a:buNone/>
+            </a:pPr>
+            <a:r>
+              <a:rPr lang="en-US" dirty="0" err="1"/>
+              <a:t>Stud_Proj</a:t>
+            </a:r>
+            <a:r>
+              <a:rPr lang="en-US" dirty="0"/>
+              <a:t>: {</a:t>
+            </a:r>
+            <a:r>
+              <a:rPr lang="en-US" dirty="0" err="1"/>
+              <a:t>stud_id</a:t>
+            </a:r>
+            <a:r>
+              <a:rPr lang="en-US" dirty="0"/>
+              <a:t>, name, </a:t>
+            </a:r>
+            <a:r>
+              <a:rPr lang="en-US" dirty="0" err="1"/>
+              <a:t>proj_id</a:t>
+            </a:r>
+            <a:r>
+              <a:rPr lang="en-US" dirty="0"/>
+              <a:t>, </a:t>
+            </a:r>
+            <a:r>
+              <a:rPr lang="en-US" dirty="0" err="1"/>
+              <a:t>proj_name</a:t>
+            </a:r>
+            <a:r>
+              <a:rPr lang="en-US" dirty="0"/>
+              <a:t>}</a:t>
+            </a:r>
+          </a:p>
+          <a:p>
+            <a:pPr algn="just">
+              <a:buNone/>
+            </a:pPr>
+            <a:r>
+              <a:rPr lang="en-US" dirty="0"/>
+              <a:t>Student:    {</a:t>
+            </a:r>
+            <a:r>
+              <a:rPr lang="en-US" dirty="0" err="1"/>
+              <a:t>stud_Id</a:t>
+            </a:r>
+            <a:r>
+              <a:rPr lang="en-US" dirty="0"/>
+              <a:t>, name, </a:t>
+            </a:r>
+            <a:r>
+              <a:rPr lang="en-US" dirty="0" err="1"/>
+              <a:t>proj_Id</a:t>
+            </a:r>
+            <a:r>
+              <a:rPr lang="en-US" dirty="0"/>
+              <a:t>,}</a:t>
+            </a:r>
+          </a:p>
+          <a:p>
+            <a:pPr algn="just">
+              <a:buNone/>
+            </a:pPr>
+            <a:r>
+              <a:rPr lang="en-US" dirty="0"/>
+              <a:t>Project:      {</a:t>
+            </a:r>
+            <a:r>
+              <a:rPr lang="en-US" dirty="0" err="1"/>
+              <a:t>proj_id</a:t>
+            </a:r>
+            <a:r>
+              <a:rPr lang="en-US" dirty="0"/>
+              <a:t>, </a:t>
+            </a:r>
+            <a:r>
+              <a:rPr lang="en-US" dirty="0" err="1"/>
+              <a:t>proj_name</a:t>
+            </a:r>
+            <a:r>
+              <a:rPr lang="en-US" dirty="0"/>
+              <a:t>}</a:t>
             </a:r>
             <a:endParaRPr lang="en-IN" dirty="0"/>
           </a:p>
-          <a:p>
-            <a:pPr lvl="1"/>
-            <a:r>
-              <a:rPr lang="en-IN" dirty="0"/>
-              <a:t>UNION, </a:t>
-            </a:r>
-          </a:p>
-          <a:p>
-            <a:pPr lvl="1"/>
-            <a:r>
-              <a:rPr lang="en-IN" dirty="0"/>
-              <a:t>UNION ALL,</a:t>
-            </a:r>
-          </a:p>
-          <a:p>
-            <a:pPr lvl="1"/>
-            <a:r>
-              <a:rPr lang="en-IN" dirty="0"/>
-              <a:t>INTERSECTION, </a:t>
-            </a:r>
-          </a:p>
-          <a:p>
-            <a:pPr lvl="1"/>
-            <a:r>
-              <a:rPr lang="en-IN" dirty="0"/>
-              <a:t>MINUS </a:t>
-            </a:r>
-          </a:p>
         </p:txBody>
       </p:sp>
     </p:spTree>
-    <p:extLst>
-      <p:ext uri="{BB962C8B-B14F-4D97-AF65-F5344CB8AC3E}">
-        <p14:creationId xmlns:p14="http://schemas.microsoft.com/office/powerpoint/2010/main" val="3884697549"/>
-      </p:ext>
-    </p:extLst>
   </p:cSld>
   <p:clrMapOvr>
     <a:masterClrMapping/>
@@ -7816,41 +7879,7 @@
       </p:grpSpPr>
       <p:sp>
         <p:nvSpPr>
-          <p:cNvPr id="2" name="Title 1">
-            <a:extLst>
-              <a:ext uri="{FF2B5EF4-FFF2-40B4-BE49-F238E27FC236}">
-                <a16:creationId xmlns:a16="http://schemas.microsoft.com/office/drawing/2014/main" id="{055A9EF0-BDBD-4700-AA05-6AD992AAB526}"/>
-              </a:ext>
-            </a:extLst>
-          </p:cNvPr>
-          <p:cNvSpPr>
-            <a:spLocks noGrp="1"/>
-          </p:cNvSpPr>
-          <p:nvPr>
-            <p:ph type="title"/>
-          </p:nvPr>
-        </p:nvSpPr>
-        <p:spPr/>
-        <p:txBody>
-          <a:bodyPr/>
-          <a:lstStyle/>
-          <a:p>
-            <a:r>
-              <a:rPr lang="en-IN" dirty="0"/>
-              <a:t>Union</a:t>
-            </a:r>
-          </a:p>
-        </p:txBody>
-      </p:sp>
-      <p:sp>
-        <p:nvSpPr>
-          <p:cNvPr id="3" name="Content Placeholder 2">
-            <a:extLst>
-              <a:ext uri="{FF2B5EF4-FFF2-40B4-BE49-F238E27FC236}">
-                <a16:creationId xmlns:a16="http://schemas.microsoft.com/office/drawing/2014/main" id="{EA98851B-F2E1-40D5-BB9F-0F3566E72D81}"/>
-              </a:ext>
-            </a:extLst>
-          </p:cNvPr>
+          <p:cNvPr id="3" name="Content Placeholder 2"/>
           <p:cNvSpPr>
             <a:spLocks noGrp="1"/>
           </p:cNvSpPr>
@@ -7860,8 +7889,8 @@
         </p:nvSpPr>
         <p:spPr>
           <a:xfrm>
-            <a:off x="838200" y="1825625"/>
-            <a:ext cx="10852052" cy="4667250"/>
+            <a:off x="661181" y="928671"/>
+            <a:ext cx="10986867" cy="5197493"/>
           </a:xfrm>
         </p:spPr>
         <p:txBody>
@@ -7870,152 +7899,99 @@
           </a:bodyPr>
           <a:lstStyle/>
           <a:p>
+            <a:pPr algn="just"/>
             <a:r>
               <a:rPr lang="en-IN" dirty="0"/>
-              <a:t>Multiple queries can be put together using UNION clause</a:t>
-            </a:r>
-          </a:p>
-          <a:p>
-            <a:r>
-              <a:rPr lang="en-IN" dirty="0"/>
-              <a:t>For using UNION clause no. of columns and it’s datatype must be same</a:t>
-            </a:r>
-          </a:p>
-          <a:p>
-            <a:r>
-              <a:rPr lang="en-IN" dirty="0"/>
-              <a:t>The IN operator has a higher precedence than the UNION operator</a:t>
-            </a:r>
-          </a:p>
-          <a:p>
-            <a:r>
-              <a:rPr lang="en-IN" dirty="0"/>
-              <a:t>NULL Values are not ignored during duplicate checking</a:t>
-            </a:r>
-          </a:p>
-          <a:p>
-            <a:r>
-              <a:rPr lang="en-IN" dirty="0" err="1"/>
-              <a:t>Eg.</a:t>
-            </a:r>
-            <a:endParaRPr lang="en-IN" dirty="0"/>
-          </a:p>
-          <a:p>
-            <a:pPr marL="457200" lvl="1" indent="0">
+              <a:t>Third Normal Form:</a:t>
+            </a:r>
+          </a:p>
+          <a:p>
+            <a:pPr algn="just">
               <a:buNone/>
             </a:pPr>
             <a:r>
               <a:rPr lang="en-IN" dirty="0"/>
-              <a:t>select </a:t>
-            </a:r>
-            <a:r>
-              <a:rPr lang="en-IN" dirty="0" err="1"/>
-              <a:t>a_id</a:t>
-            </a:r>
+              <a:t>    For a relation to be in Third Normal Form, it must be in Second Normal form and the following must satisfy </a:t>
+            </a:r>
+          </a:p>
+          <a:p>
+            <a:pPr algn="just"/>
             <a:r>
               <a:rPr lang="en-IN" dirty="0"/>
-              <a:t>, city from applicant where city like 'Baroda' </a:t>
-            </a:r>
-          </a:p>
-          <a:p>
-            <a:pPr marL="457200" lvl="1" indent="0">
+              <a:t>No non-prime attribute is transitively dependent on prime key attribute. </a:t>
+            </a:r>
+          </a:p>
+          <a:p>
+            <a:pPr algn="just"/>
+            <a:r>
+              <a:rPr lang="en-IN" dirty="0"/>
+              <a:t>For any non-trivial functional dependency, </a:t>
+            </a:r>
+          </a:p>
+          <a:p>
+            <a:pPr algn="just">
               <a:buNone/>
             </a:pPr>
             <a:r>
               <a:rPr lang="en-IN" dirty="0"/>
-              <a:t>union </a:t>
-            </a:r>
-          </a:p>
-          <a:p>
-            <a:pPr marL="457200" lvl="1" indent="0">
-              <a:buNone/>
-            </a:pPr>
+              <a:t>	X → A, then either </a:t>
+            </a:r>
+          </a:p>
+          <a:p>
+            <a:pPr lvl="2" algn="just"/>
             <a:r>
               <a:rPr lang="en-IN" dirty="0"/>
-              <a:t>select </a:t>
+              <a:t>X is a </a:t>
             </a:r>
             <a:r>
               <a:rPr lang="en-IN" dirty="0" err="1"/>
-              <a:t>e.et_id</a:t>
+              <a:t>superkey</a:t>
             </a:r>
             <a:r>
               <a:rPr lang="en-IN" dirty="0"/>
-              <a:t>, </a:t>
-            </a:r>
-            <a:r>
-              <a:rPr lang="en-IN" dirty="0" err="1"/>
-              <a:t>d.city</a:t>
-            </a:r>
+              <a:t>          or</a:t>
+            </a:r>
+          </a:p>
+          <a:p>
+            <a:pPr lvl="2" algn="just"/>
             <a:r>
               <a:rPr lang="en-IN" dirty="0"/>
-              <a:t> from </a:t>
-            </a:r>
-            <a:r>
-              <a:rPr lang="en-IN" dirty="0" err="1"/>
-              <a:t>entrance_test</a:t>
-            </a:r>
-            <a:r>
-              <a:rPr lang="en-IN" dirty="0"/>
-              <a:t> e, </a:t>
-            </a:r>
-            <a:r>
-              <a:rPr lang="en-IN" dirty="0" err="1"/>
-              <a:t>etest_details</a:t>
-            </a:r>
-            <a:r>
-              <a:rPr lang="en-IN" dirty="0"/>
-              <a:t> </a:t>
-            </a:r>
-          </a:p>
-          <a:p>
-            <a:pPr marL="457200" lvl="1" indent="0">
-              <a:buNone/>
-            </a:pPr>
-            <a:r>
-              <a:rPr lang="en-IN" dirty="0"/>
-              <a:t>where </a:t>
-            </a:r>
-            <a:r>
-              <a:rPr lang="en-IN" dirty="0" err="1"/>
-              <a:t>e.et_id</a:t>
-            </a:r>
-            <a:r>
-              <a:rPr lang="en-IN" dirty="0"/>
-              <a:t> = </a:t>
-            </a:r>
-            <a:r>
-              <a:rPr lang="en-IN" dirty="0" err="1"/>
-              <a:t>d.et_id</a:t>
-            </a:r>
-            <a:r>
-              <a:rPr lang="en-IN" dirty="0"/>
-              <a:t> and </a:t>
-            </a:r>
-            <a:r>
-              <a:rPr lang="en-IN" dirty="0" err="1"/>
-              <a:t>d.city</a:t>
-            </a:r>
-            <a:r>
-              <a:rPr lang="en-IN" dirty="0"/>
-              <a:t> </a:t>
-            </a:r>
-            <a:r>
-              <a:rPr lang="en-IN" dirty="0" err="1"/>
-              <a:t>like'Baroda</a:t>
-            </a:r>
-            <a:r>
-              <a:rPr lang="en-IN" dirty="0"/>
-              <a:t>'</a:t>
-            </a:r>
+              <a:t>A is prime attribute.</a:t>
+            </a:r>
+          </a:p>
+        </p:txBody>
+      </p:sp>
+      <p:sp>
+        <p:nvSpPr>
+          <p:cNvPr id="4" name="Title 1"/>
+          <p:cNvSpPr>
+            <a:spLocks noGrp="1"/>
+          </p:cNvSpPr>
+          <p:nvPr>
+            <p:ph type="title"/>
+          </p:nvPr>
+        </p:nvSpPr>
+        <p:spPr>
+          <a:xfrm>
+            <a:off x="1981200" y="274638"/>
+            <a:ext cx="8229600" cy="439718"/>
+          </a:xfrm>
+        </p:spPr>
+        <p:txBody>
+          <a:bodyPr>
+            <a:normAutofit fontScale="90000"/>
+          </a:bodyPr>
+          <a:lstStyle/>
+          <a:p>
+            <a:r>
+              <a:rPr lang="en-US" dirty="0"/>
+              <a:t>Cont…</a:t>
+            </a:r>
+            <a:endParaRPr lang="en-IN" dirty="0"/>
           </a:p>
         </p:txBody>
       </p:sp>
     </p:spTree>
-    <p:extLst>
-      <p:ext uri="{BB962C8B-B14F-4D97-AF65-F5344CB8AC3E}">
-        <p14:creationId xmlns:p14="http://schemas.microsoft.com/office/powerpoint/2010/main" val="442154327"/>
-      </p:ext>
-    </p:extLst>
   </p:cSld>
   <p:clrMapOvr>
     <a:masterClrMapping/>
@@ -8040,208 +8016,997 @@
           <a:chExt cx="0" cy="0"/>
         </a:xfrm>
       </p:grpSpPr>
-      <p:sp>
-        <p:nvSpPr>
-          <p:cNvPr id="2" name="Title 1">
-            <a:extLst>
-              <a:ext uri="{FF2B5EF4-FFF2-40B4-BE49-F238E27FC236}">
-                <a16:creationId xmlns:a16="http://schemas.microsoft.com/office/drawing/2014/main" id="{2A5755C1-CA41-4DC2-BC2D-D7A3DBDCD31D}"/>
-              </a:ext>
-            </a:extLst>
-          </p:cNvPr>
-          <p:cNvSpPr>
-            <a:spLocks noGrp="1"/>
-          </p:cNvSpPr>
-          <p:nvPr>
-            <p:ph type="title"/>
-          </p:nvPr>
-        </p:nvSpPr>
-        <p:spPr/>
-        <p:txBody>
-          <a:bodyPr/>
-          <a:lstStyle/>
-          <a:p>
-            <a:r>
-              <a:rPr lang="en-IN" dirty="0"/>
-              <a:t>Intersect</a:t>
-            </a:r>
-          </a:p>
-        </p:txBody>
-      </p:sp>
-      <p:sp>
-        <p:nvSpPr>
-          <p:cNvPr id="3" name="Content Placeholder 2">
-            <a:extLst>
-              <a:ext uri="{FF2B5EF4-FFF2-40B4-BE49-F238E27FC236}">
-                <a16:creationId xmlns:a16="http://schemas.microsoft.com/office/drawing/2014/main" id="{02687783-436B-48C6-B6D2-F236FC478B20}"/>
-              </a:ext>
-            </a:extLst>
-          </p:cNvPr>
-          <p:cNvSpPr>
-            <a:spLocks noGrp="1"/>
-          </p:cNvSpPr>
-          <p:nvPr>
-            <p:ph idx="1"/>
-          </p:nvPr>
+      <p:graphicFrame>
+        <p:nvGraphicFramePr>
+          <p:cNvPr id="4" name="Table 3"/>
+          <p:cNvGraphicFramePr>
+            <a:graphicFrameLocks noGrp="1"/>
+          </p:cNvGraphicFramePr>
+          <p:nvPr>
+            <p:extLst>
+              <p:ext uri="{D42A27DB-BD31-4B8C-83A1-F6EECF244321}">
+                <p14:modId xmlns:p14="http://schemas.microsoft.com/office/powerpoint/2010/main" val="3144639727"/>
+              </p:ext>
+            </p:extLst>
+          </p:nvPr>
+        </p:nvGraphicFramePr>
+        <p:xfrm>
+          <a:off x="199869" y="149902"/>
+          <a:ext cx="11222639" cy="2574881"/>
+        </p:xfrm>
+        <a:graphic>
+          <a:graphicData uri="http://schemas.openxmlformats.org/drawingml/2006/table">
+            <a:tbl>
+              <a:tblPr/>
+              <a:tblGrid>
+                <a:gridCol w="1201760"/>
+                <a:gridCol w="1501028"/>
+                <a:gridCol w="1262547"/>
+                <a:gridCol w="1557141"/>
+                <a:gridCol w="1430885"/>
+                <a:gridCol w="1711452"/>
+                <a:gridCol w="2557826"/>
+              </a:tblGrid>
+              <a:tr h="948641">
+                <a:tc>
+                  <a:txBody>
+                    <a:bodyPr/>
+                    <a:lstStyle/>
+                    <a:p>
+                      <a:r>
+                        <a:rPr lang="en-IN" sz="1800" dirty="0" err="1" smtClean="0"/>
+                        <a:t>StudentID</a:t>
+                      </a:r>
+                      <a:endParaRPr lang="en-IN" sz="1800" dirty="0"/>
+                    </a:p>
+                  </a:txBody>
+                  <a:tcPr anchor="ctr">
+                    <a:lnL>
+                      <a:noFill/>
+                    </a:lnL>
+                    <a:lnR>
+                      <a:noFill/>
+                    </a:lnR>
+                    <a:lnT>
+                      <a:noFill/>
+                    </a:lnT>
+                    <a:lnB>
+                      <a:noFill/>
+                    </a:lnB>
+                    <a:solidFill>
+                      <a:schemeClr val="accent6">
+                        <a:lumMod val="40000"/>
+                        <a:lumOff val="60000"/>
+                      </a:schemeClr>
+                    </a:solidFill>
+                  </a:tcPr>
+                </a:tc>
+                <a:tc>
+                  <a:txBody>
+                    <a:bodyPr/>
+                    <a:lstStyle/>
+                    <a:p>
+                      <a:r>
+                        <a:rPr lang="en-IN" sz="1800" dirty="0" err="1" smtClean="0"/>
+                        <a:t>StudentName</a:t>
+                      </a:r>
+                      <a:endParaRPr lang="en-IN" sz="1800" dirty="0"/>
+                    </a:p>
+                  </a:txBody>
+                  <a:tcPr anchor="ctr">
+                    <a:lnL>
+                      <a:noFill/>
+                    </a:lnL>
+                    <a:lnR>
+                      <a:noFill/>
+                    </a:lnR>
+                    <a:lnT>
+                      <a:noFill/>
+                    </a:lnT>
+                    <a:lnB>
+                      <a:noFill/>
+                    </a:lnB>
+                    <a:solidFill>
+                      <a:schemeClr val="accent6">
+                        <a:lumMod val="40000"/>
+                        <a:lumOff val="60000"/>
+                      </a:schemeClr>
+                    </a:solidFill>
+                  </a:tcPr>
+                </a:tc>
+                <a:tc>
+                  <a:txBody>
+                    <a:bodyPr/>
+                    <a:lstStyle/>
+                    <a:p>
+                      <a:r>
+                        <a:rPr lang="en-IN" sz="1800"/>
+                        <a:t>CourseID</a:t>
+                      </a:r>
+                    </a:p>
+                  </a:txBody>
+                  <a:tcPr anchor="ctr">
+                    <a:lnL>
+                      <a:noFill/>
+                    </a:lnL>
+                    <a:lnR>
+                      <a:noFill/>
+                    </a:lnR>
+                    <a:lnT>
+                      <a:noFill/>
+                    </a:lnT>
+                    <a:lnB>
+                      <a:noFill/>
+                    </a:lnB>
+                    <a:solidFill>
+                      <a:schemeClr val="accent6">
+                        <a:lumMod val="40000"/>
+                        <a:lumOff val="60000"/>
+                      </a:schemeClr>
+                    </a:solidFill>
+                  </a:tcPr>
+                </a:tc>
+                <a:tc>
+                  <a:txBody>
+                    <a:bodyPr/>
+                    <a:lstStyle/>
+                    <a:p>
+                      <a:r>
+                        <a:rPr lang="en-IN" sz="1800"/>
+                        <a:t>CourseName</a:t>
+                      </a:r>
+                    </a:p>
+                  </a:txBody>
+                  <a:tcPr anchor="ctr">
+                    <a:lnL>
+                      <a:noFill/>
+                    </a:lnL>
+                    <a:lnR>
+                      <a:noFill/>
+                    </a:lnR>
+                    <a:lnT>
+                      <a:noFill/>
+                    </a:lnT>
+                    <a:lnB>
+                      <a:noFill/>
+                    </a:lnB>
+                    <a:solidFill>
+                      <a:schemeClr val="accent6">
+                        <a:lumMod val="40000"/>
+                        <a:lumOff val="60000"/>
+                      </a:schemeClr>
+                    </a:solidFill>
+                  </a:tcPr>
+                </a:tc>
+                <a:tc>
+                  <a:txBody>
+                    <a:bodyPr/>
+                    <a:lstStyle/>
+                    <a:p>
+                      <a:r>
+                        <a:rPr lang="en-IN" sz="1800"/>
+                        <a:t>CourseFee</a:t>
+                      </a:r>
+                    </a:p>
+                  </a:txBody>
+                  <a:tcPr anchor="ctr">
+                    <a:lnL>
+                      <a:noFill/>
+                    </a:lnL>
+                    <a:lnR>
+                      <a:noFill/>
+                    </a:lnR>
+                    <a:lnT>
+                      <a:noFill/>
+                    </a:lnT>
+                    <a:lnB>
+                      <a:noFill/>
+                    </a:lnB>
+                    <a:solidFill>
+                      <a:schemeClr val="accent6">
+                        <a:lumMod val="40000"/>
+                        <a:lumOff val="60000"/>
+                      </a:schemeClr>
+                    </a:solidFill>
+                  </a:tcPr>
+                </a:tc>
+                <a:tc>
+                  <a:txBody>
+                    <a:bodyPr/>
+                    <a:lstStyle/>
+                    <a:p>
+                      <a:r>
+                        <a:rPr lang="en-IN" sz="1800"/>
+                        <a:t>InstructorName</a:t>
+                      </a:r>
+                    </a:p>
+                  </a:txBody>
+                  <a:tcPr anchor="ctr">
+                    <a:lnL>
+                      <a:noFill/>
+                    </a:lnL>
+                    <a:lnR>
+                      <a:noFill/>
+                    </a:lnR>
+                    <a:lnT>
+                      <a:noFill/>
+                    </a:lnT>
+                    <a:lnB>
+                      <a:noFill/>
+                    </a:lnB>
+                    <a:solidFill>
+                      <a:schemeClr val="accent6">
+                        <a:lumMod val="40000"/>
+                        <a:lumOff val="60000"/>
+                      </a:schemeClr>
+                    </a:solidFill>
+                  </a:tcPr>
+                </a:tc>
+                <a:tc>
+                  <a:txBody>
+                    <a:bodyPr/>
+                    <a:lstStyle/>
+                    <a:p>
+                      <a:r>
+                        <a:rPr lang="en-IN" sz="1800"/>
+                        <a:t>InstructorPhone</a:t>
+                      </a:r>
+                    </a:p>
+                  </a:txBody>
+                  <a:tcPr anchor="ctr">
+                    <a:lnL>
+                      <a:noFill/>
+                    </a:lnL>
+                    <a:lnR>
+                      <a:noFill/>
+                    </a:lnR>
+                    <a:lnT>
+                      <a:noFill/>
+                    </a:lnT>
+                    <a:lnB>
+                      <a:noFill/>
+                    </a:lnB>
+                    <a:solidFill>
+                      <a:schemeClr val="accent6">
+                        <a:lumMod val="40000"/>
+                        <a:lumOff val="60000"/>
+                      </a:schemeClr>
+                    </a:solidFill>
+                  </a:tcPr>
+                </a:tc>
+              </a:tr>
+              <a:tr h="542080">
+                <a:tc>
+                  <a:txBody>
+                    <a:bodyPr/>
+                    <a:lstStyle/>
+                    <a:p>
+                      <a:r>
+                        <a:rPr lang="en-IN" sz="1800"/>
+                        <a:t>1</a:t>
+                      </a:r>
+                    </a:p>
+                  </a:txBody>
+                  <a:tcPr anchor="ctr">
+                    <a:lnL>
+                      <a:noFill/>
+                    </a:lnL>
+                    <a:lnR>
+                      <a:noFill/>
+                    </a:lnR>
+                    <a:lnT>
+                      <a:noFill/>
+                    </a:lnT>
+                    <a:lnB>
+                      <a:noFill/>
+                    </a:lnB>
+                    <a:solidFill>
+                      <a:schemeClr val="accent6">
+                        <a:lumMod val="40000"/>
+                        <a:lumOff val="60000"/>
+                      </a:schemeClr>
+                    </a:solidFill>
+                  </a:tcPr>
+                </a:tc>
+                <a:tc>
+                  <a:txBody>
+                    <a:bodyPr/>
+                    <a:lstStyle/>
+                    <a:p>
+                      <a:r>
+                        <a:rPr lang="en-IN" sz="1800" dirty="0"/>
+                        <a:t>Amit</a:t>
+                      </a:r>
+                    </a:p>
+                  </a:txBody>
+                  <a:tcPr anchor="ctr">
+                    <a:lnL>
+                      <a:noFill/>
+                    </a:lnL>
+                    <a:lnR>
+                      <a:noFill/>
+                    </a:lnR>
+                    <a:lnT>
+                      <a:noFill/>
+                    </a:lnT>
+                    <a:lnB>
+                      <a:noFill/>
+                    </a:lnB>
+                    <a:solidFill>
+                      <a:schemeClr val="accent6">
+                        <a:lumMod val="40000"/>
+                        <a:lumOff val="60000"/>
+                      </a:schemeClr>
+                    </a:solidFill>
+                  </a:tcPr>
+                </a:tc>
+                <a:tc>
+                  <a:txBody>
+                    <a:bodyPr/>
+                    <a:lstStyle/>
+                    <a:p>
+                      <a:r>
+                        <a:rPr lang="en-IN" sz="1800"/>
+                        <a:t>C101</a:t>
+                      </a:r>
+                    </a:p>
+                  </a:txBody>
+                  <a:tcPr anchor="ctr">
+                    <a:lnL>
+                      <a:noFill/>
+                    </a:lnL>
+                    <a:lnR>
+                      <a:noFill/>
+                    </a:lnR>
+                    <a:lnT>
+                      <a:noFill/>
+                    </a:lnT>
+                    <a:lnB>
+                      <a:noFill/>
+                    </a:lnB>
+                    <a:solidFill>
+                      <a:schemeClr val="accent6">
+                        <a:lumMod val="40000"/>
+                        <a:lumOff val="60000"/>
+                      </a:schemeClr>
+                    </a:solidFill>
+                  </a:tcPr>
+                </a:tc>
+                <a:tc>
+                  <a:txBody>
+                    <a:bodyPr/>
+                    <a:lstStyle/>
+                    <a:p>
+                      <a:r>
+                        <a:rPr lang="en-IN" sz="1800"/>
+                        <a:t>DBMS</a:t>
+                      </a:r>
+                    </a:p>
+                  </a:txBody>
+                  <a:tcPr anchor="ctr">
+                    <a:lnL>
+                      <a:noFill/>
+                    </a:lnL>
+                    <a:lnR>
+                      <a:noFill/>
+                    </a:lnR>
+                    <a:lnT>
+                      <a:noFill/>
+                    </a:lnT>
+                    <a:lnB>
+                      <a:noFill/>
+                    </a:lnB>
+                    <a:solidFill>
+                      <a:schemeClr val="accent6">
+                        <a:lumMod val="40000"/>
+                        <a:lumOff val="60000"/>
+                      </a:schemeClr>
+                    </a:solidFill>
+                  </a:tcPr>
+                </a:tc>
+                <a:tc>
+                  <a:txBody>
+                    <a:bodyPr/>
+                    <a:lstStyle/>
+                    <a:p>
+                      <a:r>
+                        <a:rPr lang="en-IN" sz="1800"/>
+                        <a:t>5000</a:t>
+                      </a:r>
+                    </a:p>
+                  </a:txBody>
+                  <a:tcPr anchor="ctr">
+                    <a:lnL>
+                      <a:noFill/>
+                    </a:lnL>
+                    <a:lnR>
+                      <a:noFill/>
+                    </a:lnR>
+                    <a:lnT>
+                      <a:noFill/>
+                    </a:lnT>
+                    <a:lnB>
+                      <a:noFill/>
+                    </a:lnB>
+                    <a:solidFill>
+                      <a:schemeClr val="accent6">
+                        <a:lumMod val="40000"/>
+                        <a:lumOff val="60000"/>
+                      </a:schemeClr>
+                    </a:solidFill>
+                  </a:tcPr>
+                </a:tc>
+                <a:tc>
+                  <a:txBody>
+                    <a:bodyPr/>
+                    <a:lstStyle/>
+                    <a:p>
+                      <a:r>
+                        <a:rPr lang="en-IN" sz="1800"/>
+                        <a:t>Prof. Mehta</a:t>
+                      </a:r>
+                    </a:p>
+                  </a:txBody>
+                  <a:tcPr anchor="ctr">
+                    <a:lnL>
+                      <a:noFill/>
+                    </a:lnL>
+                    <a:lnR>
+                      <a:noFill/>
+                    </a:lnR>
+                    <a:lnT>
+                      <a:noFill/>
+                    </a:lnT>
+                    <a:lnB>
+                      <a:noFill/>
+                    </a:lnB>
+                    <a:solidFill>
+                      <a:schemeClr val="accent6">
+                        <a:lumMod val="40000"/>
+                        <a:lumOff val="60000"/>
+                      </a:schemeClr>
+                    </a:solidFill>
+                  </a:tcPr>
+                </a:tc>
+                <a:tc>
+                  <a:txBody>
+                    <a:bodyPr/>
+                    <a:lstStyle/>
+                    <a:p>
+                      <a:r>
+                        <a:rPr lang="en-IN" sz="1800"/>
+                        <a:t>9876543210</a:t>
+                      </a:r>
+                    </a:p>
+                  </a:txBody>
+                  <a:tcPr anchor="ctr">
+                    <a:lnL>
+                      <a:noFill/>
+                    </a:lnL>
+                    <a:lnR>
+                      <a:noFill/>
+                    </a:lnR>
+                    <a:lnT>
+                      <a:noFill/>
+                    </a:lnT>
+                    <a:lnB>
+                      <a:noFill/>
+                    </a:lnB>
+                    <a:solidFill>
+                      <a:schemeClr val="accent6">
+                        <a:lumMod val="40000"/>
+                        <a:lumOff val="60000"/>
+                      </a:schemeClr>
+                    </a:solidFill>
+                  </a:tcPr>
+                </a:tc>
+              </a:tr>
+              <a:tr h="542080">
+                <a:tc>
+                  <a:txBody>
+                    <a:bodyPr/>
+                    <a:lstStyle/>
+                    <a:p>
+                      <a:r>
+                        <a:rPr lang="en-IN" sz="1800"/>
+                        <a:t>2</a:t>
+                      </a:r>
+                    </a:p>
+                  </a:txBody>
+                  <a:tcPr anchor="ctr">
+                    <a:lnL>
+                      <a:noFill/>
+                    </a:lnL>
+                    <a:lnR>
+                      <a:noFill/>
+                    </a:lnR>
+                    <a:lnT>
+                      <a:noFill/>
+                    </a:lnT>
+                    <a:lnB>
+                      <a:noFill/>
+                    </a:lnB>
+                    <a:solidFill>
+                      <a:schemeClr val="accent6">
+                        <a:lumMod val="40000"/>
+                        <a:lumOff val="60000"/>
+                      </a:schemeClr>
+                    </a:solidFill>
+                  </a:tcPr>
+                </a:tc>
+                <a:tc>
+                  <a:txBody>
+                    <a:bodyPr/>
+                    <a:lstStyle/>
+                    <a:p>
+                      <a:r>
+                        <a:rPr lang="en-IN" sz="1800"/>
+                        <a:t>Rina</a:t>
+                      </a:r>
+                    </a:p>
+                  </a:txBody>
+                  <a:tcPr anchor="ctr">
+                    <a:lnL>
+                      <a:noFill/>
+                    </a:lnL>
+                    <a:lnR>
+                      <a:noFill/>
+                    </a:lnR>
+                    <a:lnT>
+                      <a:noFill/>
+                    </a:lnT>
+                    <a:lnB>
+                      <a:noFill/>
+                    </a:lnB>
+                    <a:solidFill>
+                      <a:schemeClr val="accent6">
+                        <a:lumMod val="40000"/>
+                        <a:lumOff val="60000"/>
+                      </a:schemeClr>
+                    </a:solidFill>
+                  </a:tcPr>
+                </a:tc>
+                <a:tc>
+                  <a:txBody>
+                    <a:bodyPr/>
+                    <a:lstStyle/>
+                    <a:p>
+                      <a:r>
+                        <a:rPr lang="en-IN" sz="1800" dirty="0"/>
+                        <a:t>C102</a:t>
+                      </a:r>
+                    </a:p>
+                  </a:txBody>
+                  <a:tcPr anchor="ctr">
+                    <a:lnL>
+                      <a:noFill/>
+                    </a:lnL>
+                    <a:lnR>
+                      <a:noFill/>
+                    </a:lnR>
+                    <a:lnT>
+                      <a:noFill/>
+                    </a:lnT>
+                    <a:lnB>
+                      <a:noFill/>
+                    </a:lnB>
+                    <a:solidFill>
+                      <a:schemeClr val="accent6">
+                        <a:lumMod val="40000"/>
+                        <a:lumOff val="60000"/>
+                      </a:schemeClr>
+                    </a:solidFill>
+                  </a:tcPr>
+                </a:tc>
+                <a:tc>
+                  <a:txBody>
+                    <a:bodyPr/>
+                    <a:lstStyle/>
+                    <a:p>
+                      <a:r>
+                        <a:rPr lang="en-IN" sz="1800"/>
+                        <a:t>Python</a:t>
+                      </a:r>
+                    </a:p>
+                  </a:txBody>
+                  <a:tcPr anchor="ctr">
+                    <a:lnL>
+                      <a:noFill/>
+                    </a:lnL>
+                    <a:lnR>
+                      <a:noFill/>
+                    </a:lnR>
+                    <a:lnT>
+                      <a:noFill/>
+                    </a:lnT>
+                    <a:lnB>
+                      <a:noFill/>
+                    </a:lnB>
+                    <a:solidFill>
+                      <a:schemeClr val="accent6">
+                        <a:lumMod val="40000"/>
+                        <a:lumOff val="60000"/>
+                      </a:schemeClr>
+                    </a:solidFill>
+                  </a:tcPr>
+                </a:tc>
+                <a:tc>
+                  <a:txBody>
+                    <a:bodyPr/>
+                    <a:lstStyle/>
+                    <a:p>
+                      <a:r>
+                        <a:rPr lang="en-IN" sz="1800"/>
+                        <a:t>6000</a:t>
+                      </a:r>
+                    </a:p>
+                  </a:txBody>
+                  <a:tcPr anchor="ctr">
+                    <a:lnL>
+                      <a:noFill/>
+                    </a:lnL>
+                    <a:lnR>
+                      <a:noFill/>
+                    </a:lnR>
+                    <a:lnT>
+                      <a:noFill/>
+                    </a:lnT>
+                    <a:lnB>
+                      <a:noFill/>
+                    </a:lnB>
+                    <a:solidFill>
+                      <a:schemeClr val="accent6">
+                        <a:lumMod val="40000"/>
+                        <a:lumOff val="60000"/>
+                      </a:schemeClr>
+                    </a:solidFill>
+                  </a:tcPr>
+                </a:tc>
+                <a:tc>
+                  <a:txBody>
+                    <a:bodyPr/>
+                    <a:lstStyle/>
+                    <a:p>
+                      <a:r>
+                        <a:rPr lang="en-IN" sz="1800"/>
+                        <a:t>Prof. Shah</a:t>
+                      </a:r>
+                    </a:p>
+                  </a:txBody>
+                  <a:tcPr anchor="ctr">
+                    <a:lnL>
+                      <a:noFill/>
+                    </a:lnL>
+                    <a:lnR>
+                      <a:noFill/>
+                    </a:lnR>
+                    <a:lnT>
+                      <a:noFill/>
+                    </a:lnT>
+                    <a:lnB>
+                      <a:noFill/>
+                    </a:lnB>
+                    <a:solidFill>
+                      <a:schemeClr val="accent6">
+                        <a:lumMod val="40000"/>
+                        <a:lumOff val="60000"/>
+                      </a:schemeClr>
+                    </a:solidFill>
+                  </a:tcPr>
+                </a:tc>
+                <a:tc>
+                  <a:txBody>
+                    <a:bodyPr/>
+                    <a:lstStyle/>
+                    <a:p>
+                      <a:r>
+                        <a:rPr lang="en-IN" sz="1800"/>
+                        <a:t>9876543222</a:t>
+                      </a:r>
+                    </a:p>
+                  </a:txBody>
+                  <a:tcPr anchor="ctr">
+                    <a:lnL>
+                      <a:noFill/>
+                    </a:lnL>
+                    <a:lnR>
+                      <a:noFill/>
+                    </a:lnR>
+                    <a:lnT>
+                      <a:noFill/>
+                    </a:lnT>
+                    <a:lnB>
+                      <a:noFill/>
+                    </a:lnB>
+                    <a:solidFill>
+                      <a:schemeClr val="accent6">
+                        <a:lumMod val="40000"/>
+                        <a:lumOff val="60000"/>
+                      </a:schemeClr>
+                    </a:solidFill>
+                  </a:tcPr>
+                </a:tc>
+              </a:tr>
+              <a:tr h="542080">
+                <a:tc>
+                  <a:txBody>
+                    <a:bodyPr/>
+                    <a:lstStyle/>
+                    <a:p>
+                      <a:r>
+                        <a:rPr lang="en-IN" sz="1800"/>
+                        <a:t>3</a:t>
+                      </a:r>
+                    </a:p>
+                  </a:txBody>
+                  <a:tcPr anchor="ctr">
+                    <a:lnL>
+                      <a:noFill/>
+                    </a:lnL>
+                    <a:lnR>
+                      <a:noFill/>
+                    </a:lnR>
+                    <a:lnT>
+                      <a:noFill/>
+                    </a:lnT>
+                    <a:lnB>
+                      <a:noFill/>
+                    </a:lnB>
+                    <a:solidFill>
+                      <a:schemeClr val="accent6">
+                        <a:lumMod val="40000"/>
+                        <a:lumOff val="60000"/>
+                      </a:schemeClr>
+                    </a:solidFill>
+                  </a:tcPr>
+                </a:tc>
+                <a:tc>
+                  <a:txBody>
+                    <a:bodyPr/>
+                    <a:lstStyle/>
+                    <a:p>
+                      <a:r>
+                        <a:rPr lang="en-IN" sz="1800"/>
+                        <a:t>Kiran</a:t>
+                      </a:r>
+                    </a:p>
+                  </a:txBody>
+                  <a:tcPr anchor="ctr">
+                    <a:lnL>
+                      <a:noFill/>
+                    </a:lnL>
+                    <a:lnR>
+                      <a:noFill/>
+                    </a:lnR>
+                    <a:lnT>
+                      <a:noFill/>
+                    </a:lnT>
+                    <a:lnB>
+                      <a:noFill/>
+                    </a:lnB>
+                    <a:solidFill>
+                      <a:schemeClr val="accent6">
+                        <a:lumMod val="40000"/>
+                        <a:lumOff val="60000"/>
+                      </a:schemeClr>
+                    </a:solidFill>
+                  </a:tcPr>
+                </a:tc>
+                <a:tc>
+                  <a:txBody>
+                    <a:bodyPr/>
+                    <a:lstStyle/>
+                    <a:p>
+                      <a:r>
+                        <a:rPr lang="en-IN" sz="1800"/>
+                        <a:t>C101</a:t>
+                      </a:r>
+                    </a:p>
+                  </a:txBody>
+                  <a:tcPr anchor="ctr">
+                    <a:lnL>
+                      <a:noFill/>
+                    </a:lnL>
+                    <a:lnR>
+                      <a:noFill/>
+                    </a:lnR>
+                    <a:lnT>
+                      <a:noFill/>
+                    </a:lnT>
+                    <a:lnB>
+                      <a:noFill/>
+                    </a:lnB>
+                    <a:solidFill>
+                      <a:schemeClr val="accent6">
+                        <a:lumMod val="40000"/>
+                        <a:lumOff val="60000"/>
+                      </a:schemeClr>
+                    </a:solidFill>
+                  </a:tcPr>
+                </a:tc>
+                <a:tc>
+                  <a:txBody>
+                    <a:bodyPr/>
+                    <a:lstStyle/>
+                    <a:p>
+                      <a:r>
+                        <a:rPr lang="en-IN" sz="1800"/>
+                        <a:t>DBMS</a:t>
+                      </a:r>
+                    </a:p>
+                  </a:txBody>
+                  <a:tcPr anchor="ctr">
+                    <a:lnL>
+                      <a:noFill/>
+                    </a:lnL>
+                    <a:lnR>
+                      <a:noFill/>
+                    </a:lnR>
+                    <a:lnT>
+                      <a:noFill/>
+                    </a:lnT>
+                    <a:lnB>
+                      <a:noFill/>
+                    </a:lnB>
+                    <a:solidFill>
+                      <a:schemeClr val="accent6">
+                        <a:lumMod val="40000"/>
+                        <a:lumOff val="60000"/>
+                      </a:schemeClr>
+                    </a:solidFill>
+                  </a:tcPr>
+                </a:tc>
+                <a:tc>
+                  <a:txBody>
+                    <a:bodyPr/>
+                    <a:lstStyle/>
+                    <a:p>
+                      <a:r>
+                        <a:rPr lang="en-IN" sz="1800"/>
+                        <a:t>5000</a:t>
+                      </a:r>
+                    </a:p>
+                  </a:txBody>
+                  <a:tcPr anchor="ctr">
+                    <a:lnL>
+                      <a:noFill/>
+                    </a:lnL>
+                    <a:lnR>
+                      <a:noFill/>
+                    </a:lnR>
+                    <a:lnT>
+                      <a:noFill/>
+                    </a:lnT>
+                    <a:lnB>
+                      <a:noFill/>
+                    </a:lnB>
+                    <a:solidFill>
+                      <a:schemeClr val="accent6">
+                        <a:lumMod val="40000"/>
+                        <a:lumOff val="60000"/>
+                      </a:schemeClr>
+                    </a:solidFill>
+                  </a:tcPr>
+                </a:tc>
+                <a:tc>
+                  <a:txBody>
+                    <a:bodyPr/>
+                    <a:lstStyle/>
+                    <a:p>
+                      <a:r>
+                        <a:rPr lang="en-IN" sz="1800"/>
+                        <a:t>Prof. Mehta</a:t>
+                      </a:r>
+                    </a:p>
+                  </a:txBody>
+                  <a:tcPr anchor="ctr">
+                    <a:lnL>
+                      <a:noFill/>
+                    </a:lnL>
+                    <a:lnR>
+                      <a:noFill/>
+                    </a:lnR>
+                    <a:lnT>
+                      <a:noFill/>
+                    </a:lnT>
+                    <a:lnB>
+                      <a:noFill/>
+                    </a:lnB>
+                    <a:solidFill>
+                      <a:schemeClr val="accent6">
+                        <a:lumMod val="40000"/>
+                        <a:lumOff val="60000"/>
+                      </a:schemeClr>
+                    </a:solidFill>
+                  </a:tcPr>
+                </a:tc>
+                <a:tc>
+                  <a:txBody>
+                    <a:bodyPr/>
+                    <a:lstStyle/>
+                    <a:p>
+                      <a:r>
+                        <a:rPr lang="en-IN" sz="1800" dirty="0"/>
+                        <a:t>9876543210</a:t>
+                      </a:r>
+                    </a:p>
+                  </a:txBody>
+                  <a:tcPr anchor="ctr">
+                    <a:lnL>
+                      <a:noFill/>
+                    </a:lnL>
+                    <a:lnR>
+                      <a:noFill/>
+                    </a:lnR>
+                    <a:lnT>
+                      <a:noFill/>
+                    </a:lnT>
+                    <a:lnB>
+                      <a:noFill/>
+                    </a:lnB>
+                    <a:solidFill>
+                      <a:schemeClr val="accent6">
+                        <a:lumMod val="40000"/>
+                        <a:lumOff val="60000"/>
+                      </a:schemeClr>
+                    </a:solidFill>
+                  </a:tcPr>
+                </a:tc>
+              </a:tr>
+            </a:tbl>
+          </a:graphicData>
+        </a:graphic>
+      </p:graphicFrame>
+      <p:sp>
+        <p:nvSpPr>
+          <p:cNvPr id="8" name="Rectangle 7"/>
+          <p:cNvSpPr/>
+          <p:nvPr/>
         </p:nvSpPr>
         <p:spPr>
           <a:xfrm>
-            <a:off x="838200" y="1825625"/>
-            <a:ext cx="10515600" cy="4667250"/>
+            <a:off x="199869" y="3330688"/>
+            <a:ext cx="6096000" cy="646331"/>
           </a:xfrm>
+          <a:prstGeom prst="rect">
+            <a:avLst/>
+          </a:prstGeom>
         </p:spPr>
         <p:txBody>
           <a:bodyPr>
-            <a:normAutofit lnSpcReduction="10000"/>
+            <a:spAutoFit/>
           </a:bodyPr>
           <a:lstStyle/>
           <a:p>
             <a:r>
-              <a:rPr lang="en-IN" dirty="0"/>
-              <a:t>Displays only common rows as output from multiple table’s intersection</a:t>
-            </a:r>
-          </a:p>
-          <a:p>
-            <a:r>
-              <a:rPr lang="en-IN" dirty="0"/>
-              <a:t>Intersect does not ignore NULL values</a:t>
-            </a:r>
-          </a:p>
-          <a:p>
-            <a:r>
-              <a:rPr lang="en-IN" dirty="0" err="1"/>
-              <a:t>Eg.</a:t>
-            </a:r>
-            <a:endParaRPr lang="en-IN" dirty="0"/>
-          </a:p>
-          <a:p>
-            <a:pPr marL="0" indent="0">
-              <a:buNone/>
+              <a:rPr lang="en-US" b="1" dirty="0"/>
+              <a:t>Step 1: Check 1NF</a:t>
+            </a:r>
+          </a:p>
+          <a:p>
+            <a:pPr>
+              <a:buFont typeface="Arial" panose="020B0604020202020204" pitchFamily="34" charset="0"/>
+              <a:buChar char="•"/>
             </a:pPr>
             <a:r>
-              <a:rPr lang="en-IN" dirty="0"/>
-              <a:t>Suppose need to display </a:t>
-            </a:r>
-            <a:r>
-              <a:rPr lang="en-IN" dirty="0" err="1"/>
-              <a:t>Enroll_No</a:t>
-            </a:r>
-            <a:r>
-              <a:rPr lang="en-IN" dirty="0"/>
-              <a:t> and Name of students who are the  1</a:t>
-            </a:r>
-            <a:r>
-              <a:rPr lang="en-IN" baseline="30000" dirty="0"/>
-              <a:t>st</a:t>
-            </a:r>
-            <a:r>
-              <a:rPr lang="en-IN" dirty="0"/>
-              <a:t> year and 2</a:t>
-            </a:r>
-            <a:r>
-              <a:rPr lang="en-IN" baseline="30000" dirty="0"/>
-              <a:t>nd</a:t>
-            </a:r>
-            <a:r>
-              <a:rPr lang="en-IN" dirty="0"/>
-              <a:t> year rankers.</a:t>
-            </a:r>
-          </a:p>
-          <a:p>
-            <a:pPr lvl="1"/>
-            <a:r>
-              <a:rPr lang="en-IN" dirty="0"/>
-              <a:t>Rankers are stored in separate tables of 1</a:t>
-            </a:r>
-            <a:r>
-              <a:rPr lang="en-IN" baseline="30000" dirty="0"/>
-              <a:t>st</a:t>
-            </a:r>
-            <a:r>
-              <a:rPr lang="en-IN" dirty="0"/>
-              <a:t> year and 2</a:t>
-            </a:r>
-            <a:r>
-              <a:rPr lang="en-IN" baseline="30000" dirty="0"/>
-              <a:t>nd</a:t>
-            </a:r>
-            <a:r>
-              <a:rPr lang="en-IN" dirty="0"/>
-              <a:t> Year</a:t>
-            </a:r>
-          </a:p>
-          <a:p>
-            <a:pPr lvl="1"/>
-            <a:r>
-              <a:rPr lang="en-IN" dirty="0"/>
-              <a:t>So can use Intersect clause as:</a:t>
-            </a:r>
-          </a:p>
-          <a:p>
-            <a:pPr marL="457200" lvl="1" indent="0">
-              <a:buNone/>
-            </a:pPr>
-            <a:endParaRPr lang="en-IN" dirty="0"/>
-          </a:p>
-          <a:p>
-            <a:pPr marL="457200" lvl="1" indent="0">
-              <a:buNone/>
-            </a:pPr>
-            <a:r>
-              <a:rPr lang="en-IN" dirty="0"/>
-              <a:t>Select </a:t>
-            </a:r>
-            <a:r>
-              <a:rPr lang="en-IN" dirty="0" err="1"/>
-              <a:t>Enroll_No</a:t>
-            </a:r>
-            <a:r>
-              <a:rPr lang="en-IN" dirty="0"/>
-              <a:t>, Name from </a:t>
-            </a:r>
-            <a:r>
-              <a:rPr lang="en-IN" dirty="0" err="1"/>
-              <a:t>FYRank</a:t>
-            </a:r>
-            <a:endParaRPr lang="en-IN" dirty="0"/>
-          </a:p>
-          <a:p>
-            <a:pPr marL="457200" lvl="1" indent="0">
-              <a:buNone/>
-            </a:pPr>
-            <a:r>
-              <a:rPr lang="en-IN" dirty="0"/>
-              <a:t>INTERSECT</a:t>
-            </a:r>
-          </a:p>
-          <a:p>
-            <a:pPr marL="457200" lvl="1" indent="0">
-              <a:buNone/>
-            </a:pPr>
-            <a:r>
-              <a:rPr lang="en-IN" dirty="0"/>
-              <a:t>Select </a:t>
-            </a:r>
-            <a:r>
-              <a:rPr lang="en-IN" dirty="0" err="1"/>
-              <a:t>Enroll_No</a:t>
-            </a:r>
-            <a:r>
-              <a:rPr lang="en-IN" dirty="0"/>
-              <a:t>, Name from </a:t>
-            </a:r>
-            <a:r>
-              <a:rPr lang="en-IN" dirty="0" err="1"/>
-              <a:t>SYRank</a:t>
-            </a:r>
-            <a:endParaRPr lang="en-IN" dirty="0"/>
+              <a:rPr lang="en-US" dirty="0"/>
+              <a:t>All attributes contain atomic values. </a:t>
+            </a:r>
+            <a:r>
+              <a:rPr lang="en-US" dirty="0" smtClean="0"/>
+              <a:t>Already </a:t>
+            </a:r>
+            <a:r>
+              <a:rPr lang="en-US" dirty="0"/>
+              <a:t>in 1NF.</a:t>
+            </a:r>
           </a:p>
         </p:txBody>
       </p:sp>
     </p:spTree>
     <p:extLst>
       <p:ext uri="{BB962C8B-B14F-4D97-AF65-F5344CB8AC3E}">
-        <p14:creationId xmlns:p14="http://schemas.microsoft.com/office/powerpoint/2010/main" val="2636714451"/>
+        <p14:creationId xmlns:p14="http://schemas.microsoft.com/office/powerpoint/2010/main" val="2709006704"/>
       </p:ext>
     </p:extLst>
   </p:cSld>
@@ -8270,167 +9035,2334 @@
       </p:grpSpPr>
       <p:sp>
         <p:nvSpPr>
-          <p:cNvPr id="2" name="Title 1">
-            <a:extLst>
-              <a:ext uri="{FF2B5EF4-FFF2-40B4-BE49-F238E27FC236}">
-                <a16:creationId xmlns:a16="http://schemas.microsoft.com/office/drawing/2014/main" id="{2FCC49D9-F415-4D62-BD5A-0B7C1103B52D}"/>
-              </a:ext>
-            </a:extLst>
-          </p:cNvPr>
-          <p:cNvSpPr>
-            <a:spLocks noGrp="1"/>
-          </p:cNvSpPr>
-          <p:nvPr>
-            <p:ph type="title"/>
-          </p:nvPr>
-        </p:nvSpPr>
-        <p:spPr/>
-        <p:txBody>
-          <a:bodyPr/>
+          <p:cNvPr id="4" name="Rectangle 3"/>
+          <p:cNvSpPr/>
+          <p:nvPr/>
+        </p:nvSpPr>
+        <p:spPr>
+          <a:xfrm>
+            <a:off x="334780" y="258342"/>
+            <a:ext cx="6096000" cy="1754326"/>
+          </a:xfrm>
+          <a:prstGeom prst="rect">
+            <a:avLst/>
+          </a:prstGeom>
+        </p:spPr>
+        <p:txBody>
+          <a:bodyPr>
+            <a:spAutoFit/>
+          </a:bodyPr>
           <a:lstStyle/>
           <a:p>
             <a:r>
-              <a:rPr lang="en-IN" dirty="0"/>
-              <a:t>Minus</a:t>
-            </a:r>
-          </a:p>
-        </p:txBody>
-      </p:sp>
-      <p:sp>
-        <p:nvSpPr>
-          <p:cNvPr id="3" name="Content Placeholder 2">
-            <a:extLst>
-              <a:ext uri="{FF2B5EF4-FFF2-40B4-BE49-F238E27FC236}">
-                <a16:creationId xmlns:a16="http://schemas.microsoft.com/office/drawing/2014/main" id="{E8B550A7-9A18-4146-B899-870FE5AB890C}"/>
-              </a:ext>
-            </a:extLst>
-          </p:cNvPr>
-          <p:cNvSpPr>
-            <a:spLocks noGrp="1"/>
-          </p:cNvSpPr>
-          <p:nvPr>
-            <p:ph idx="1"/>
-          </p:nvPr>
-        </p:nvSpPr>
-        <p:spPr/>
-        <p:txBody>
-          <a:bodyPr/>
-          <a:lstStyle/>
-          <a:p>
-            <a:r>
-              <a:rPr lang="en-IN" dirty="0"/>
-              <a:t>The output of Minus clause are the rows from the output of 1</a:t>
-            </a:r>
-            <a:r>
-              <a:rPr lang="en-IN" baseline="30000" dirty="0"/>
-              <a:t>st</a:t>
-            </a:r>
-            <a:r>
-              <a:rPr lang="en-IN" dirty="0"/>
-              <a:t> query after filtering the rows received by the second query</a:t>
-            </a:r>
-          </a:p>
-          <a:p>
-            <a:endParaRPr lang="en-IN" dirty="0"/>
-          </a:p>
-          <a:p>
-            <a:r>
-              <a:rPr lang="en-IN" dirty="0" err="1"/>
-              <a:t>Eg.</a:t>
-            </a:r>
-            <a:r>
-              <a:rPr lang="en-IN" dirty="0"/>
-              <a:t> </a:t>
-            </a:r>
-          </a:p>
-          <a:p>
-            <a:r>
-              <a:rPr lang="en-IN" dirty="0"/>
-              <a:t>Display students who are ranker I 1</a:t>
-            </a:r>
-            <a:r>
-              <a:rPr lang="en-IN" baseline="30000" dirty="0"/>
-              <a:t>st</a:t>
-            </a:r>
-            <a:r>
-              <a:rPr lang="en-IN" dirty="0"/>
-              <a:t> year but not in 2</a:t>
-            </a:r>
-            <a:r>
-              <a:rPr lang="en-IN" baseline="30000" dirty="0"/>
-              <a:t>nd</a:t>
-            </a:r>
-            <a:r>
-              <a:rPr lang="en-IN" dirty="0"/>
-              <a:t> year</a:t>
-            </a:r>
-          </a:p>
-          <a:p>
-            <a:endParaRPr lang="en-IN" dirty="0"/>
-          </a:p>
-          <a:p>
-            <a:pPr marL="457200" lvl="1" indent="0">
-              <a:buNone/>
+              <a:rPr lang="en-US" b="1" dirty="0"/>
+              <a:t>Step 2: Check 2NF</a:t>
+            </a:r>
+          </a:p>
+          <a:p>
+            <a:pPr>
+              <a:buFont typeface="Arial" panose="020B0604020202020204" pitchFamily="34" charset="0"/>
+              <a:buChar char="•"/>
             </a:pPr>
             <a:r>
-              <a:rPr lang="en-IN" dirty="0"/>
-              <a:t>Select </a:t>
-            </a:r>
-            <a:r>
-              <a:rPr lang="en-IN" dirty="0" err="1"/>
-              <a:t>Enroll_No</a:t>
-            </a:r>
-            <a:r>
-              <a:rPr lang="en-IN" dirty="0"/>
-              <a:t>, Name from </a:t>
-            </a:r>
-            <a:r>
-              <a:rPr lang="en-IN" dirty="0" err="1"/>
-              <a:t>FYRank</a:t>
-            </a:r>
-            <a:endParaRPr lang="en-IN" dirty="0"/>
-          </a:p>
-          <a:p>
-            <a:pPr marL="457200" lvl="1" indent="0">
-              <a:buNone/>
+              <a:rPr lang="en-US" dirty="0"/>
+              <a:t>Primary Key could be (</a:t>
+            </a:r>
+            <a:r>
+              <a:rPr lang="en-US" dirty="0" err="1"/>
+              <a:t>StudentID</a:t>
+            </a:r>
+            <a:r>
+              <a:rPr lang="en-US" dirty="0"/>
+              <a:t>, </a:t>
+            </a:r>
+            <a:r>
+              <a:rPr lang="en-US" dirty="0" err="1"/>
+              <a:t>CourseID</a:t>
+            </a:r>
+            <a:r>
+              <a:rPr lang="en-US" dirty="0"/>
+              <a:t>).</a:t>
+            </a:r>
+          </a:p>
+          <a:p>
+            <a:pPr>
+              <a:buFont typeface="Arial" panose="020B0604020202020204" pitchFamily="34" charset="0"/>
+              <a:buChar char="•"/>
             </a:pPr>
             <a:r>
-              <a:rPr lang="en-IN"/>
-              <a:t>MINUS</a:t>
-            </a:r>
-            <a:endParaRPr lang="en-IN" dirty="0"/>
-          </a:p>
-          <a:p>
-            <a:pPr marL="457200" lvl="1" indent="0">
-              <a:buNone/>
+              <a:rPr lang="en-US" dirty="0" err="1"/>
+              <a:t>CourseName</a:t>
+            </a:r>
+            <a:r>
+              <a:rPr lang="en-US" dirty="0"/>
+              <a:t>, </a:t>
+            </a:r>
+            <a:r>
+              <a:rPr lang="en-US" dirty="0" err="1"/>
+              <a:t>CourseFee</a:t>
+            </a:r>
+            <a:r>
+              <a:rPr lang="en-US" dirty="0"/>
+              <a:t>, </a:t>
+            </a:r>
+            <a:r>
+              <a:rPr lang="en-US" dirty="0" err="1"/>
+              <a:t>InstructorName</a:t>
+            </a:r>
+            <a:r>
+              <a:rPr lang="en-US" dirty="0"/>
+              <a:t>, </a:t>
+            </a:r>
+            <a:r>
+              <a:rPr lang="en-US" dirty="0" err="1"/>
+              <a:t>InstructorPhone</a:t>
+            </a:r>
+            <a:r>
+              <a:rPr lang="en-US" dirty="0"/>
+              <a:t> depend only on </a:t>
+            </a:r>
+            <a:r>
+              <a:rPr lang="en-US" dirty="0" err="1"/>
+              <a:t>CourseID</a:t>
+            </a:r>
+            <a:r>
+              <a:rPr lang="en-US" dirty="0"/>
+              <a:t>, </a:t>
+            </a:r>
+            <a:endParaRPr lang="en-US" dirty="0" smtClean="0"/>
+          </a:p>
+          <a:p>
+            <a:pPr>
+              <a:buFont typeface="Arial" panose="020B0604020202020204" pitchFamily="34" charset="0"/>
+              <a:buChar char="•"/>
             </a:pPr>
             <a:r>
-              <a:rPr lang="en-IN" dirty="0"/>
-              <a:t>Select </a:t>
-            </a:r>
-            <a:r>
-              <a:rPr lang="en-IN" dirty="0" err="1"/>
-              <a:t>Enroll_No</a:t>
-            </a:r>
-            <a:r>
-              <a:rPr lang="en-IN" dirty="0"/>
-              <a:t>, Name from </a:t>
-            </a:r>
-            <a:r>
-              <a:rPr lang="en-IN" dirty="0" err="1"/>
-              <a:t>SYRank</a:t>
-            </a:r>
-            <a:endParaRPr lang="en-IN" dirty="0"/>
-          </a:p>
-          <a:p>
-            <a:endParaRPr lang="en-IN" dirty="0"/>
-          </a:p>
-        </p:txBody>
-      </p:sp>
+              <a:rPr lang="en-US" dirty="0" smtClean="0"/>
+              <a:t>not </a:t>
+            </a:r>
+            <a:r>
+              <a:rPr lang="en-US" dirty="0"/>
+              <a:t>on </a:t>
+            </a:r>
+            <a:r>
+              <a:rPr lang="en-US" dirty="0" err="1"/>
+              <a:t>StudentID</a:t>
+            </a:r>
+            <a:r>
+              <a:rPr lang="en-US" dirty="0"/>
+              <a:t> → </a:t>
+            </a:r>
+            <a:r>
+              <a:rPr lang="en-US" b="1" dirty="0"/>
+              <a:t>partial dependency</a:t>
+            </a:r>
+            <a:r>
+              <a:rPr lang="en-US" dirty="0"/>
+              <a:t>.</a:t>
+            </a:r>
+          </a:p>
+          <a:p>
+            <a:pPr>
+              <a:buFont typeface="Arial" panose="020B0604020202020204" pitchFamily="34" charset="0"/>
+              <a:buChar char="•"/>
+            </a:pPr>
+            <a:r>
+              <a:rPr lang="en-US" dirty="0"/>
+              <a:t>So, split into two tables:</a:t>
+            </a:r>
+          </a:p>
+        </p:txBody>
+      </p:sp>
+      <p:graphicFrame>
+        <p:nvGraphicFramePr>
+          <p:cNvPr id="5" name="Table 4"/>
+          <p:cNvGraphicFramePr>
+            <a:graphicFrameLocks noGrp="1"/>
+          </p:cNvGraphicFramePr>
+          <p:nvPr>
+            <p:extLst>
+              <p:ext uri="{D42A27DB-BD31-4B8C-83A1-F6EECF244321}">
+                <p14:modId xmlns:p14="http://schemas.microsoft.com/office/powerpoint/2010/main" val="3926588688"/>
+              </p:ext>
+            </p:extLst>
+          </p:nvPr>
+        </p:nvGraphicFramePr>
+        <p:xfrm>
+          <a:off x="334780" y="2584052"/>
+          <a:ext cx="4482060" cy="1463040"/>
+        </p:xfrm>
+        <a:graphic>
+          <a:graphicData uri="http://schemas.openxmlformats.org/drawingml/2006/table">
+            <a:tbl>
+              <a:tblPr/>
+              <a:tblGrid>
+                <a:gridCol w="1494020"/>
+                <a:gridCol w="1494020"/>
+                <a:gridCol w="1494020"/>
+              </a:tblGrid>
+              <a:tr h="0">
+                <a:tc>
+                  <a:txBody>
+                    <a:bodyPr/>
+                    <a:lstStyle/>
+                    <a:p>
+                      <a:r>
+                        <a:rPr lang="en-IN" dirty="0" err="1"/>
+                        <a:t>StudentID</a:t>
+                      </a:r>
+                      <a:endParaRPr lang="en-IN" dirty="0"/>
+                    </a:p>
+                  </a:txBody>
+                  <a:tcPr anchor="ctr">
+                    <a:lnL>
+                      <a:noFill/>
+                    </a:lnL>
+                    <a:lnR>
+                      <a:noFill/>
+                    </a:lnR>
+                    <a:lnT>
+                      <a:noFill/>
+                    </a:lnT>
+                    <a:lnB>
+                      <a:noFill/>
+                    </a:lnB>
+                    <a:solidFill>
+                      <a:schemeClr val="accent5">
+                        <a:lumMod val="60000"/>
+                        <a:lumOff val="40000"/>
+                      </a:schemeClr>
+                    </a:solidFill>
+                  </a:tcPr>
+                </a:tc>
+                <a:tc>
+                  <a:txBody>
+                    <a:bodyPr/>
+                    <a:lstStyle/>
+                    <a:p>
+                      <a:r>
+                        <a:rPr lang="en-IN" dirty="0" err="1"/>
+                        <a:t>StudentName</a:t>
+                      </a:r>
+                      <a:endParaRPr lang="en-IN" dirty="0"/>
+                    </a:p>
+                  </a:txBody>
+                  <a:tcPr anchor="ctr">
+                    <a:lnL>
+                      <a:noFill/>
+                    </a:lnL>
+                    <a:lnR>
+                      <a:noFill/>
+                    </a:lnR>
+                    <a:lnT>
+                      <a:noFill/>
+                    </a:lnT>
+                    <a:lnB>
+                      <a:noFill/>
+                    </a:lnB>
+                    <a:solidFill>
+                      <a:schemeClr val="accent5">
+                        <a:lumMod val="60000"/>
+                        <a:lumOff val="40000"/>
+                      </a:schemeClr>
+                    </a:solidFill>
+                  </a:tcPr>
+                </a:tc>
+                <a:tc>
+                  <a:txBody>
+                    <a:bodyPr/>
+                    <a:lstStyle/>
+                    <a:p>
+                      <a:r>
+                        <a:rPr lang="en-IN"/>
+                        <a:t>CourseID</a:t>
+                      </a:r>
+                    </a:p>
+                  </a:txBody>
+                  <a:tcPr anchor="ctr">
+                    <a:lnL>
+                      <a:noFill/>
+                    </a:lnL>
+                    <a:lnR>
+                      <a:noFill/>
+                    </a:lnR>
+                    <a:lnT>
+                      <a:noFill/>
+                    </a:lnT>
+                    <a:lnB>
+                      <a:noFill/>
+                    </a:lnB>
+                    <a:solidFill>
+                      <a:schemeClr val="accent5">
+                        <a:lumMod val="60000"/>
+                        <a:lumOff val="40000"/>
+                      </a:schemeClr>
+                    </a:solidFill>
+                  </a:tcPr>
+                </a:tc>
+              </a:tr>
+              <a:tr h="0">
+                <a:tc>
+                  <a:txBody>
+                    <a:bodyPr/>
+                    <a:lstStyle/>
+                    <a:p>
+                      <a:r>
+                        <a:rPr lang="en-IN" dirty="0"/>
+                        <a:t>1</a:t>
+                      </a:r>
+                    </a:p>
+                  </a:txBody>
+                  <a:tcPr anchor="ctr">
+                    <a:lnL>
+                      <a:noFill/>
+                    </a:lnL>
+                    <a:lnR>
+                      <a:noFill/>
+                    </a:lnR>
+                    <a:lnT>
+                      <a:noFill/>
+                    </a:lnT>
+                    <a:lnB>
+                      <a:noFill/>
+                    </a:lnB>
+                    <a:solidFill>
+                      <a:schemeClr val="accent5">
+                        <a:lumMod val="60000"/>
+                        <a:lumOff val="40000"/>
+                      </a:schemeClr>
+                    </a:solidFill>
+                  </a:tcPr>
+                </a:tc>
+                <a:tc>
+                  <a:txBody>
+                    <a:bodyPr/>
+                    <a:lstStyle/>
+                    <a:p>
+                      <a:r>
+                        <a:rPr lang="en-IN" dirty="0"/>
+                        <a:t>Amit</a:t>
+                      </a:r>
+                    </a:p>
+                  </a:txBody>
+                  <a:tcPr anchor="ctr">
+                    <a:lnL>
+                      <a:noFill/>
+                    </a:lnL>
+                    <a:lnR>
+                      <a:noFill/>
+                    </a:lnR>
+                    <a:lnT>
+                      <a:noFill/>
+                    </a:lnT>
+                    <a:lnB>
+                      <a:noFill/>
+                    </a:lnB>
+                    <a:solidFill>
+                      <a:schemeClr val="accent5">
+                        <a:lumMod val="60000"/>
+                        <a:lumOff val="40000"/>
+                      </a:schemeClr>
+                    </a:solidFill>
+                  </a:tcPr>
+                </a:tc>
+                <a:tc>
+                  <a:txBody>
+                    <a:bodyPr/>
+                    <a:lstStyle/>
+                    <a:p>
+                      <a:r>
+                        <a:rPr lang="en-IN"/>
+                        <a:t>C101</a:t>
+                      </a:r>
+                    </a:p>
+                  </a:txBody>
+                  <a:tcPr anchor="ctr">
+                    <a:lnL>
+                      <a:noFill/>
+                    </a:lnL>
+                    <a:lnR>
+                      <a:noFill/>
+                    </a:lnR>
+                    <a:lnT>
+                      <a:noFill/>
+                    </a:lnT>
+                    <a:lnB>
+                      <a:noFill/>
+                    </a:lnB>
+                    <a:solidFill>
+                      <a:schemeClr val="accent5">
+                        <a:lumMod val="60000"/>
+                        <a:lumOff val="40000"/>
+                      </a:schemeClr>
+                    </a:solidFill>
+                  </a:tcPr>
+                </a:tc>
+              </a:tr>
+              <a:tr h="0">
+                <a:tc>
+                  <a:txBody>
+                    <a:bodyPr/>
+                    <a:lstStyle/>
+                    <a:p>
+                      <a:r>
+                        <a:rPr lang="en-IN"/>
+                        <a:t>2</a:t>
+                      </a:r>
+                    </a:p>
+                  </a:txBody>
+                  <a:tcPr anchor="ctr">
+                    <a:lnL>
+                      <a:noFill/>
+                    </a:lnL>
+                    <a:lnR>
+                      <a:noFill/>
+                    </a:lnR>
+                    <a:lnT>
+                      <a:noFill/>
+                    </a:lnT>
+                    <a:lnB>
+                      <a:noFill/>
+                    </a:lnB>
+                    <a:solidFill>
+                      <a:schemeClr val="accent5">
+                        <a:lumMod val="60000"/>
+                        <a:lumOff val="40000"/>
+                      </a:schemeClr>
+                    </a:solidFill>
+                  </a:tcPr>
+                </a:tc>
+                <a:tc>
+                  <a:txBody>
+                    <a:bodyPr/>
+                    <a:lstStyle/>
+                    <a:p>
+                      <a:r>
+                        <a:rPr lang="en-IN" dirty="0" err="1"/>
+                        <a:t>Rina</a:t>
+                      </a:r>
+                      <a:endParaRPr lang="en-IN" dirty="0"/>
+                    </a:p>
+                  </a:txBody>
+                  <a:tcPr anchor="ctr">
+                    <a:lnL>
+                      <a:noFill/>
+                    </a:lnL>
+                    <a:lnR>
+                      <a:noFill/>
+                    </a:lnR>
+                    <a:lnT>
+                      <a:noFill/>
+                    </a:lnT>
+                    <a:lnB>
+                      <a:noFill/>
+                    </a:lnB>
+                    <a:solidFill>
+                      <a:schemeClr val="accent5">
+                        <a:lumMod val="60000"/>
+                        <a:lumOff val="40000"/>
+                      </a:schemeClr>
+                    </a:solidFill>
+                  </a:tcPr>
+                </a:tc>
+                <a:tc>
+                  <a:txBody>
+                    <a:bodyPr/>
+                    <a:lstStyle/>
+                    <a:p>
+                      <a:r>
+                        <a:rPr lang="en-IN" dirty="0"/>
+                        <a:t>C102</a:t>
+                      </a:r>
+                    </a:p>
+                  </a:txBody>
+                  <a:tcPr anchor="ctr">
+                    <a:lnL>
+                      <a:noFill/>
+                    </a:lnL>
+                    <a:lnR>
+                      <a:noFill/>
+                    </a:lnR>
+                    <a:lnT>
+                      <a:noFill/>
+                    </a:lnT>
+                    <a:lnB>
+                      <a:noFill/>
+                    </a:lnB>
+                    <a:solidFill>
+                      <a:schemeClr val="accent5">
+                        <a:lumMod val="60000"/>
+                        <a:lumOff val="40000"/>
+                      </a:schemeClr>
+                    </a:solidFill>
+                  </a:tcPr>
+                </a:tc>
+              </a:tr>
+              <a:tr h="0">
+                <a:tc>
+                  <a:txBody>
+                    <a:bodyPr/>
+                    <a:lstStyle/>
+                    <a:p>
+                      <a:r>
+                        <a:rPr lang="en-IN"/>
+                        <a:t>3</a:t>
+                      </a:r>
+                    </a:p>
+                  </a:txBody>
+                  <a:tcPr anchor="ctr">
+                    <a:lnL>
+                      <a:noFill/>
+                    </a:lnL>
+                    <a:lnR>
+                      <a:noFill/>
+                    </a:lnR>
+                    <a:lnT>
+                      <a:noFill/>
+                    </a:lnT>
+                    <a:lnB>
+                      <a:noFill/>
+                    </a:lnB>
+                    <a:solidFill>
+                      <a:schemeClr val="accent5">
+                        <a:lumMod val="60000"/>
+                        <a:lumOff val="40000"/>
+                      </a:schemeClr>
+                    </a:solidFill>
+                  </a:tcPr>
+                </a:tc>
+                <a:tc>
+                  <a:txBody>
+                    <a:bodyPr/>
+                    <a:lstStyle/>
+                    <a:p>
+                      <a:r>
+                        <a:rPr lang="en-IN"/>
+                        <a:t>Kiran</a:t>
+                      </a:r>
+                    </a:p>
+                  </a:txBody>
+                  <a:tcPr anchor="ctr">
+                    <a:lnL>
+                      <a:noFill/>
+                    </a:lnL>
+                    <a:lnR>
+                      <a:noFill/>
+                    </a:lnR>
+                    <a:lnT>
+                      <a:noFill/>
+                    </a:lnT>
+                    <a:lnB>
+                      <a:noFill/>
+                    </a:lnB>
+                    <a:solidFill>
+                      <a:schemeClr val="accent5">
+                        <a:lumMod val="60000"/>
+                        <a:lumOff val="40000"/>
+                      </a:schemeClr>
+                    </a:solidFill>
+                  </a:tcPr>
+                </a:tc>
+                <a:tc>
+                  <a:txBody>
+                    <a:bodyPr/>
+                    <a:lstStyle/>
+                    <a:p>
+                      <a:r>
+                        <a:rPr lang="en-IN" dirty="0"/>
+                        <a:t>C101</a:t>
+                      </a:r>
+                    </a:p>
+                  </a:txBody>
+                  <a:tcPr anchor="ctr">
+                    <a:lnL>
+                      <a:noFill/>
+                    </a:lnL>
+                    <a:lnR>
+                      <a:noFill/>
+                    </a:lnR>
+                    <a:lnT>
+                      <a:noFill/>
+                    </a:lnT>
+                    <a:lnB>
+                      <a:noFill/>
+                    </a:lnB>
+                    <a:solidFill>
+                      <a:schemeClr val="accent5">
+                        <a:lumMod val="60000"/>
+                        <a:lumOff val="40000"/>
+                      </a:schemeClr>
+                    </a:solidFill>
+                  </a:tcPr>
+                </a:tc>
+              </a:tr>
+            </a:tbl>
+          </a:graphicData>
+        </a:graphic>
+      </p:graphicFrame>
+      <p:graphicFrame>
+        <p:nvGraphicFramePr>
+          <p:cNvPr id="6" name="Table 5"/>
+          <p:cNvGraphicFramePr>
+            <a:graphicFrameLocks noGrp="1"/>
+          </p:cNvGraphicFramePr>
+          <p:nvPr>
+            <p:extLst>
+              <p:ext uri="{D42A27DB-BD31-4B8C-83A1-F6EECF244321}">
+                <p14:modId xmlns:p14="http://schemas.microsoft.com/office/powerpoint/2010/main" val="4242629685"/>
+              </p:ext>
+            </p:extLst>
+          </p:nvPr>
+        </p:nvGraphicFramePr>
+        <p:xfrm>
+          <a:off x="334780" y="4697915"/>
+          <a:ext cx="8674310" cy="1867776"/>
+        </p:xfrm>
+        <a:graphic>
+          <a:graphicData uri="http://schemas.openxmlformats.org/drawingml/2006/table">
+            <a:tbl>
+              <a:tblPr/>
+              <a:tblGrid>
+                <a:gridCol w="1734862"/>
+                <a:gridCol w="1734862"/>
+                <a:gridCol w="1734862"/>
+                <a:gridCol w="1734862"/>
+                <a:gridCol w="1734862"/>
+              </a:tblGrid>
+              <a:tr h="622592">
+                <a:tc>
+                  <a:txBody>
+                    <a:bodyPr/>
+                    <a:lstStyle/>
+                    <a:p>
+                      <a:r>
+                        <a:rPr lang="en-IN" dirty="0" err="1"/>
+                        <a:t>CourseID</a:t>
+                      </a:r>
+                      <a:endParaRPr lang="en-IN" dirty="0"/>
+                    </a:p>
+                  </a:txBody>
+                  <a:tcPr anchor="ctr">
+                    <a:lnL>
+                      <a:noFill/>
+                    </a:lnL>
+                    <a:lnR>
+                      <a:noFill/>
+                    </a:lnR>
+                    <a:lnT>
+                      <a:noFill/>
+                    </a:lnT>
+                    <a:lnB>
+                      <a:noFill/>
+                    </a:lnB>
+                    <a:solidFill>
+                      <a:schemeClr val="accent1">
+                        <a:lumMod val="60000"/>
+                        <a:lumOff val="40000"/>
+                      </a:schemeClr>
+                    </a:solidFill>
+                  </a:tcPr>
+                </a:tc>
+                <a:tc>
+                  <a:txBody>
+                    <a:bodyPr/>
+                    <a:lstStyle/>
+                    <a:p>
+                      <a:r>
+                        <a:rPr lang="en-IN"/>
+                        <a:t>CourseName</a:t>
+                      </a:r>
+                    </a:p>
+                  </a:txBody>
+                  <a:tcPr anchor="ctr">
+                    <a:lnL>
+                      <a:noFill/>
+                    </a:lnL>
+                    <a:lnR>
+                      <a:noFill/>
+                    </a:lnR>
+                    <a:lnT>
+                      <a:noFill/>
+                    </a:lnT>
+                    <a:lnB>
+                      <a:noFill/>
+                    </a:lnB>
+                    <a:solidFill>
+                      <a:schemeClr val="accent1">
+                        <a:lumMod val="60000"/>
+                        <a:lumOff val="40000"/>
+                      </a:schemeClr>
+                    </a:solidFill>
+                  </a:tcPr>
+                </a:tc>
+                <a:tc>
+                  <a:txBody>
+                    <a:bodyPr/>
+                    <a:lstStyle/>
+                    <a:p>
+                      <a:r>
+                        <a:rPr lang="en-IN"/>
+                        <a:t>CourseFee</a:t>
+                      </a:r>
+                    </a:p>
+                  </a:txBody>
+                  <a:tcPr anchor="ctr">
+                    <a:lnL>
+                      <a:noFill/>
+                    </a:lnL>
+                    <a:lnR>
+                      <a:noFill/>
+                    </a:lnR>
+                    <a:lnT>
+                      <a:noFill/>
+                    </a:lnT>
+                    <a:lnB>
+                      <a:noFill/>
+                    </a:lnB>
+                    <a:solidFill>
+                      <a:schemeClr val="accent1">
+                        <a:lumMod val="60000"/>
+                        <a:lumOff val="40000"/>
+                      </a:schemeClr>
+                    </a:solidFill>
+                  </a:tcPr>
+                </a:tc>
+                <a:tc>
+                  <a:txBody>
+                    <a:bodyPr/>
+                    <a:lstStyle/>
+                    <a:p>
+                      <a:r>
+                        <a:rPr lang="en-IN" dirty="0" err="1" smtClean="0"/>
+                        <a:t>InstructorName</a:t>
+                      </a:r>
+                      <a:endParaRPr lang="en-IN" dirty="0"/>
+                    </a:p>
+                  </a:txBody>
+                  <a:tcPr anchor="ctr">
+                    <a:lnL>
+                      <a:noFill/>
+                    </a:lnL>
+                    <a:lnR>
+                      <a:noFill/>
+                    </a:lnR>
+                    <a:lnT>
+                      <a:noFill/>
+                    </a:lnT>
+                    <a:lnB>
+                      <a:noFill/>
+                    </a:lnB>
+                    <a:solidFill>
+                      <a:schemeClr val="accent1">
+                        <a:lumMod val="60000"/>
+                        <a:lumOff val="40000"/>
+                      </a:schemeClr>
+                    </a:solidFill>
+                  </a:tcPr>
+                </a:tc>
+                <a:tc>
+                  <a:txBody>
+                    <a:bodyPr/>
+                    <a:lstStyle/>
+                    <a:p>
+                      <a:r>
+                        <a:rPr lang="en-IN" dirty="0" err="1" smtClean="0"/>
+                        <a:t>InstructorPhone</a:t>
+                      </a:r>
+                      <a:endParaRPr lang="en-IN" dirty="0"/>
+                    </a:p>
+                  </a:txBody>
+                  <a:tcPr anchor="ctr">
+                    <a:lnL>
+                      <a:noFill/>
+                    </a:lnL>
+                    <a:lnR>
+                      <a:noFill/>
+                    </a:lnR>
+                    <a:lnT>
+                      <a:noFill/>
+                    </a:lnT>
+                    <a:lnB>
+                      <a:noFill/>
+                    </a:lnB>
+                    <a:solidFill>
+                      <a:schemeClr val="accent1">
+                        <a:lumMod val="60000"/>
+                        <a:lumOff val="40000"/>
+                      </a:schemeClr>
+                    </a:solidFill>
+                  </a:tcPr>
+                </a:tc>
+              </a:tr>
+              <a:tr h="622592">
+                <a:tc>
+                  <a:txBody>
+                    <a:bodyPr/>
+                    <a:lstStyle/>
+                    <a:p>
+                      <a:r>
+                        <a:rPr lang="en-IN"/>
+                        <a:t>C101</a:t>
+                      </a:r>
+                    </a:p>
+                  </a:txBody>
+                  <a:tcPr anchor="ctr">
+                    <a:lnL>
+                      <a:noFill/>
+                    </a:lnL>
+                    <a:lnR>
+                      <a:noFill/>
+                    </a:lnR>
+                    <a:lnT>
+                      <a:noFill/>
+                    </a:lnT>
+                    <a:lnB>
+                      <a:noFill/>
+                    </a:lnB>
+                    <a:solidFill>
+                      <a:schemeClr val="accent1">
+                        <a:lumMod val="60000"/>
+                        <a:lumOff val="40000"/>
+                      </a:schemeClr>
+                    </a:solidFill>
+                  </a:tcPr>
+                </a:tc>
+                <a:tc>
+                  <a:txBody>
+                    <a:bodyPr/>
+                    <a:lstStyle/>
+                    <a:p>
+                      <a:r>
+                        <a:rPr lang="en-IN" dirty="0"/>
+                        <a:t>DBMS</a:t>
+                      </a:r>
+                    </a:p>
+                  </a:txBody>
+                  <a:tcPr anchor="ctr">
+                    <a:lnL>
+                      <a:noFill/>
+                    </a:lnL>
+                    <a:lnR>
+                      <a:noFill/>
+                    </a:lnR>
+                    <a:lnT>
+                      <a:noFill/>
+                    </a:lnT>
+                    <a:lnB>
+                      <a:noFill/>
+                    </a:lnB>
+                    <a:solidFill>
+                      <a:schemeClr val="accent1">
+                        <a:lumMod val="60000"/>
+                        <a:lumOff val="40000"/>
+                      </a:schemeClr>
+                    </a:solidFill>
+                  </a:tcPr>
+                </a:tc>
+                <a:tc>
+                  <a:txBody>
+                    <a:bodyPr/>
+                    <a:lstStyle/>
+                    <a:p>
+                      <a:r>
+                        <a:rPr lang="en-IN"/>
+                        <a:t>5000</a:t>
+                      </a:r>
+                    </a:p>
+                  </a:txBody>
+                  <a:tcPr anchor="ctr">
+                    <a:lnL>
+                      <a:noFill/>
+                    </a:lnL>
+                    <a:lnR>
+                      <a:noFill/>
+                    </a:lnR>
+                    <a:lnT>
+                      <a:noFill/>
+                    </a:lnT>
+                    <a:lnB>
+                      <a:noFill/>
+                    </a:lnB>
+                    <a:solidFill>
+                      <a:schemeClr val="accent1">
+                        <a:lumMod val="60000"/>
+                        <a:lumOff val="40000"/>
+                      </a:schemeClr>
+                    </a:solidFill>
+                  </a:tcPr>
+                </a:tc>
+                <a:tc>
+                  <a:txBody>
+                    <a:bodyPr/>
+                    <a:lstStyle/>
+                    <a:p>
+                      <a:r>
+                        <a:rPr lang="en-IN"/>
+                        <a:t>Prof. Mehta</a:t>
+                      </a:r>
+                    </a:p>
+                  </a:txBody>
+                  <a:tcPr anchor="ctr">
+                    <a:lnL>
+                      <a:noFill/>
+                    </a:lnL>
+                    <a:lnR>
+                      <a:noFill/>
+                    </a:lnR>
+                    <a:lnT>
+                      <a:noFill/>
+                    </a:lnT>
+                    <a:lnB>
+                      <a:noFill/>
+                    </a:lnB>
+                    <a:solidFill>
+                      <a:schemeClr val="accent1">
+                        <a:lumMod val="60000"/>
+                        <a:lumOff val="40000"/>
+                      </a:schemeClr>
+                    </a:solidFill>
+                  </a:tcPr>
+                </a:tc>
+                <a:tc>
+                  <a:txBody>
+                    <a:bodyPr/>
+                    <a:lstStyle/>
+                    <a:p>
+                      <a:r>
+                        <a:rPr lang="en-IN"/>
+                        <a:t>9876543210</a:t>
+                      </a:r>
+                    </a:p>
+                  </a:txBody>
+                  <a:tcPr anchor="ctr">
+                    <a:lnL>
+                      <a:noFill/>
+                    </a:lnL>
+                    <a:lnR>
+                      <a:noFill/>
+                    </a:lnR>
+                    <a:lnT>
+                      <a:noFill/>
+                    </a:lnT>
+                    <a:lnB>
+                      <a:noFill/>
+                    </a:lnB>
+                    <a:solidFill>
+                      <a:schemeClr val="accent1">
+                        <a:lumMod val="60000"/>
+                        <a:lumOff val="40000"/>
+                      </a:schemeClr>
+                    </a:solidFill>
+                  </a:tcPr>
+                </a:tc>
+              </a:tr>
+              <a:tr h="622592">
+                <a:tc>
+                  <a:txBody>
+                    <a:bodyPr/>
+                    <a:lstStyle/>
+                    <a:p>
+                      <a:r>
+                        <a:rPr lang="en-IN"/>
+                        <a:t>C102</a:t>
+                      </a:r>
+                    </a:p>
+                  </a:txBody>
+                  <a:tcPr anchor="ctr">
+                    <a:lnL>
+                      <a:noFill/>
+                    </a:lnL>
+                    <a:lnR>
+                      <a:noFill/>
+                    </a:lnR>
+                    <a:lnT>
+                      <a:noFill/>
+                    </a:lnT>
+                    <a:lnB>
+                      <a:noFill/>
+                    </a:lnB>
+                    <a:solidFill>
+                      <a:schemeClr val="accent1">
+                        <a:lumMod val="60000"/>
+                        <a:lumOff val="40000"/>
+                      </a:schemeClr>
+                    </a:solidFill>
+                  </a:tcPr>
+                </a:tc>
+                <a:tc>
+                  <a:txBody>
+                    <a:bodyPr/>
+                    <a:lstStyle/>
+                    <a:p>
+                      <a:r>
+                        <a:rPr lang="en-IN"/>
+                        <a:t>Python</a:t>
+                      </a:r>
+                    </a:p>
+                  </a:txBody>
+                  <a:tcPr anchor="ctr">
+                    <a:lnL>
+                      <a:noFill/>
+                    </a:lnL>
+                    <a:lnR>
+                      <a:noFill/>
+                    </a:lnR>
+                    <a:lnT>
+                      <a:noFill/>
+                    </a:lnT>
+                    <a:lnB>
+                      <a:noFill/>
+                    </a:lnB>
+                    <a:solidFill>
+                      <a:schemeClr val="accent1">
+                        <a:lumMod val="60000"/>
+                        <a:lumOff val="40000"/>
+                      </a:schemeClr>
+                    </a:solidFill>
+                  </a:tcPr>
+                </a:tc>
+                <a:tc>
+                  <a:txBody>
+                    <a:bodyPr/>
+                    <a:lstStyle/>
+                    <a:p>
+                      <a:r>
+                        <a:rPr lang="en-IN"/>
+                        <a:t>6000</a:t>
+                      </a:r>
+                    </a:p>
+                  </a:txBody>
+                  <a:tcPr anchor="ctr">
+                    <a:lnL>
+                      <a:noFill/>
+                    </a:lnL>
+                    <a:lnR>
+                      <a:noFill/>
+                    </a:lnR>
+                    <a:lnT>
+                      <a:noFill/>
+                    </a:lnT>
+                    <a:lnB>
+                      <a:noFill/>
+                    </a:lnB>
+                    <a:solidFill>
+                      <a:schemeClr val="accent1">
+                        <a:lumMod val="60000"/>
+                        <a:lumOff val="40000"/>
+                      </a:schemeClr>
+                    </a:solidFill>
+                  </a:tcPr>
+                </a:tc>
+                <a:tc>
+                  <a:txBody>
+                    <a:bodyPr/>
+                    <a:lstStyle/>
+                    <a:p>
+                      <a:r>
+                        <a:rPr lang="en-IN"/>
+                        <a:t>Prof. Shah</a:t>
+                      </a:r>
+                    </a:p>
+                  </a:txBody>
+                  <a:tcPr anchor="ctr">
+                    <a:lnL>
+                      <a:noFill/>
+                    </a:lnL>
+                    <a:lnR>
+                      <a:noFill/>
+                    </a:lnR>
+                    <a:lnT>
+                      <a:noFill/>
+                    </a:lnT>
+                    <a:lnB>
+                      <a:noFill/>
+                    </a:lnB>
+                    <a:solidFill>
+                      <a:schemeClr val="accent1">
+                        <a:lumMod val="60000"/>
+                        <a:lumOff val="40000"/>
+                      </a:schemeClr>
+                    </a:solidFill>
+                  </a:tcPr>
+                </a:tc>
+                <a:tc>
+                  <a:txBody>
+                    <a:bodyPr/>
+                    <a:lstStyle/>
+                    <a:p>
+                      <a:r>
+                        <a:rPr lang="en-IN" dirty="0"/>
+                        <a:t>9876543222</a:t>
+                      </a:r>
+                    </a:p>
+                  </a:txBody>
+                  <a:tcPr anchor="ctr">
+                    <a:lnL>
+                      <a:noFill/>
+                    </a:lnL>
+                    <a:lnR>
+                      <a:noFill/>
+                    </a:lnR>
+                    <a:lnT>
+                      <a:noFill/>
+                    </a:lnT>
+                    <a:lnB>
+                      <a:noFill/>
+                    </a:lnB>
+                    <a:solidFill>
+                      <a:schemeClr val="accent1">
+                        <a:lumMod val="60000"/>
+                        <a:lumOff val="40000"/>
+                      </a:schemeClr>
+                    </a:solidFill>
+                  </a:tcPr>
+                </a:tc>
+              </a:tr>
+            </a:tbl>
+          </a:graphicData>
+        </a:graphic>
+      </p:graphicFrame>
     </p:spTree>
     <p:extLst>
       <p:ext uri="{BB962C8B-B14F-4D97-AF65-F5344CB8AC3E}">
-        <p14:creationId xmlns:p14="http://schemas.microsoft.com/office/powerpoint/2010/main" val="3901048067"/>
+        <p14:creationId xmlns:p14="http://schemas.microsoft.com/office/powerpoint/2010/main" val="2273476687"/>
+      </p:ext>
+    </p:extLst>
+  </p:cSld>
+  <p:clrMapOvr>
+    <a:masterClrMapping/>
+  </p:clrMapOvr>
+</p:sld>
+</file>
+
+<file path=ppt/slides/slide19.xml><?xml version="1.0" encoding="utf-8"?>
+<p:sld xmlns:a="http://schemas.openxmlformats.org/drawingml/2006/main" xmlns:r="http://schemas.openxmlformats.org/officeDocument/2006/relationships" xmlns:p="http://schemas.openxmlformats.org/presentationml/2006/main">
+  <p:cSld>
+    <p:spTree>
+      <p:nvGrpSpPr>
+        <p:cNvPr id="1" name=""/>
+        <p:cNvGrpSpPr/>
+        <p:nvPr/>
+      </p:nvGrpSpPr>
+      <p:grpSpPr>
+        <a:xfrm>
+          <a:off x="0" y="0"/>
+          <a:ext cx="0" cy="0"/>
+          <a:chOff x="0" y="0"/>
+          <a:chExt cx="0" cy="0"/>
+        </a:xfrm>
+      </p:grpSpPr>
+      <p:sp>
+        <p:nvSpPr>
+          <p:cNvPr id="4" name="Rectangle 3"/>
+          <p:cNvSpPr/>
+          <p:nvPr/>
+        </p:nvSpPr>
+        <p:spPr>
+          <a:xfrm>
+            <a:off x="329784" y="329784"/>
+            <a:ext cx="11602386" cy="923330"/>
+          </a:xfrm>
+          <a:prstGeom prst="rect">
+            <a:avLst/>
+          </a:prstGeom>
+        </p:spPr>
+        <p:txBody>
+          <a:bodyPr wrap="square">
+            <a:spAutoFit/>
+          </a:bodyPr>
+          <a:lstStyle/>
+          <a:p>
+            <a:r>
+              <a:rPr lang="en-US" b="1" dirty="0"/>
+              <a:t>Step 3: Check 3NF</a:t>
+            </a:r>
+          </a:p>
+          <a:p>
+            <a:pPr>
+              <a:buFont typeface="Arial" panose="020B0604020202020204" pitchFamily="34" charset="0"/>
+              <a:buChar char="•"/>
+            </a:pPr>
+            <a:r>
+              <a:rPr lang="en-US" dirty="0"/>
+              <a:t>In COURSE table, </a:t>
+            </a:r>
+            <a:r>
+              <a:rPr lang="en-US" b="1" dirty="0" err="1"/>
+              <a:t>InstructorPhone</a:t>
+            </a:r>
+            <a:r>
+              <a:rPr lang="en-US" b="1" dirty="0"/>
+              <a:t> depends on </a:t>
+            </a:r>
+            <a:r>
+              <a:rPr lang="en-US" b="1" dirty="0" err="1"/>
+              <a:t>InstructorName</a:t>
+            </a:r>
+            <a:r>
+              <a:rPr lang="en-US" dirty="0"/>
+              <a:t>, not directly on </a:t>
+            </a:r>
+            <a:r>
+              <a:rPr lang="en-US" dirty="0" err="1"/>
+              <a:t>CourseID</a:t>
+            </a:r>
+            <a:r>
+              <a:rPr lang="en-US" dirty="0"/>
+              <a:t>.</a:t>
+            </a:r>
+          </a:p>
+          <a:p>
+            <a:pPr>
+              <a:buFont typeface="Arial" panose="020B0604020202020204" pitchFamily="34" charset="0"/>
+              <a:buChar char="•"/>
+            </a:pPr>
+            <a:r>
+              <a:rPr lang="en-US" dirty="0"/>
+              <a:t>This is a </a:t>
+            </a:r>
+            <a:r>
+              <a:rPr lang="en-US" b="1" dirty="0"/>
+              <a:t>transitive dependency</a:t>
+            </a:r>
+            <a:r>
+              <a:rPr lang="en-US" dirty="0"/>
+              <a:t>.</a:t>
+            </a:r>
+          </a:p>
+        </p:txBody>
+      </p:sp>
+      <p:sp>
+        <p:nvSpPr>
+          <p:cNvPr id="5" name="Rectangle 4"/>
+          <p:cNvSpPr/>
+          <p:nvPr/>
+        </p:nvSpPr>
+        <p:spPr>
+          <a:xfrm>
+            <a:off x="329784" y="1666779"/>
+            <a:ext cx="6096000" cy="646331"/>
+          </a:xfrm>
+          <a:prstGeom prst="rect">
+            <a:avLst/>
+          </a:prstGeom>
+        </p:spPr>
+        <p:txBody>
+          <a:bodyPr>
+            <a:spAutoFit/>
+          </a:bodyPr>
+          <a:lstStyle/>
+          <a:p>
+            <a:r>
+              <a:rPr lang="en-US" b="1" dirty="0"/>
+              <a:t>Decompose to 3NF</a:t>
+            </a:r>
+          </a:p>
+          <a:p>
+            <a:r>
+              <a:rPr lang="en-US" dirty="0"/>
+              <a:t>We create a separate </a:t>
+            </a:r>
+            <a:r>
+              <a:rPr lang="en-US" b="1" dirty="0"/>
+              <a:t>INSTRUCTOR Table</a:t>
+            </a:r>
+            <a:r>
+              <a:rPr lang="en-US" dirty="0"/>
+              <a:t>.</a:t>
+            </a:r>
+          </a:p>
+        </p:txBody>
+      </p:sp>
+      <p:graphicFrame>
+        <p:nvGraphicFramePr>
+          <p:cNvPr id="6" name="Table 5"/>
+          <p:cNvGraphicFramePr>
+            <a:graphicFrameLocks noGrp="1"/>
+          </p:cNvGraphicFramePr>
+          <p:nvPr>
+            <p:extLst>
+              <p:ext uri="{D42A27DB-BD31-4B8C-83A1-F6EECF244321}">
+                <p14:modId xmlns:p14="http://schemas.microsoft.com/office/powerpoint/2010/main" val="919233779"/>
+              </p:ext>
+            </p:extLst>
+          </p:nvPr>
+        </p:nvGraphicFramePr>
+        <p:xfrm>
+          <a:off x="329784" y="3476283"/>
+          <a:ext cx="7335188" cy="1097280"/>
+        </p:xfrm>
+        <a:graphic>
+          <a:graphicData uri="http://schemas.openxmlformats.org/drawingml/2006/table">
+            <a:tbl>
+              <a:tblPr/>
+              <a:tblGrid>
+                <a:gridCol w="1833797"/>
+                <a:gridCol w="1833797"/>
+                <a:gridCol w="1833797"/>
+                <a:gridCol w="1833797"/>
+              </a:tblGrid>
+              <a:tr h="0">
+                <a:tc>
+                  <a:txBody>
+                    <a:bodyPr/>
+                    <a:lstStyle/>
+                    <a:p>
+                      <a:r>
+                        <a:rPr lang="en-IN" dirty="0" err="1"/>
+                        <a:t>CourseID</a:t>
+                      </a:r>
+                      <a:endParaRPr lang="en-IN" dirty="0"/>
+                    </a:p>
+                  </a:txBody>
+                  <a:tcPr anchor="ctr">
+                    <a:lnL>
+                      <a:noFill/>
+                    </a:lnL>
+                    <a:lnR>
+                      <a:noFill/>
+                    </a:lnR>
+                    <a:lnT>
+                      <a:noFill/>
+                    </a:lnT>
+                    <a:lnB>
+                      <a:noFill/>
+                    </a:lnB>
+                    <a:solidFill>
+                      <a:schemeClr val="accent1">
+                        <a:lumMod val="60000"/>
+                        <a:lumOff val="40000"/>
+                      </a:schemeClr>
+                    </a:solidFill>
+                  </a:tcPr>
+                </a:tc>
+                <a:tc>
+                  <a:txBody>
+                    <a:bodyPr/>
+                    <a:lstStyle/>
+                    <a:p>
+                      <a:r>
+                        <a:rPr lang="en-IN" dirty="0" err="1"/>
+                        <a:t>CourseName</a:t>
+                      </a:r>
+                      <a:endParaRPr lang="en-IN" dirty="0"/>
+                    </a:p>
+                  </a:txBody>
+                  <a:tcPr anchor="ctr">
+                    <a:lnL>
+                      <a:noFill/>
+                    </a:lnL>
+                    <a:lnR>
+                      <a:noFill/>
+                    </a:lnR>
+                    <a:lnT>
+                      <a:noFill/>
+                    </a:lnT>
+                    <a:lnB>
+                      <a:noFill/>
+                    </a:lnB>
+                    <a:solidFill>
+                      <a:schemeClr val="accent1">
+                        <a:lumMod val="60000"/>
+                        <a:lumOff val="40000"/>
+                      </a:schemeClr>
+                    </a:solidFill>
+                  </a:tcPr>
+                </a:tc>
+                <a:tc>
+                  <a:txBody>
+                    <a:bodyPr/>
+                    <a:lstStyle/>
+                    <a:p>
+                      <a:r>
+                        <a:rPr lang="en-IN" dirty="0" err="1"/>
+                        <a:t>CourseFee</a:t>
+                      </a:r>
+                      <a:endParaRPr lang="en-IN" dirty="0"/>
+                    </a:p>
+                  </a:txBody>
+                  <a:tcPr anchor="ctr">
+                    <a:lnL>
+                      <a:noFill/>
+                    </a:lnL>
+                    <a:lnR>
+                      <a:noFill/>
+                    </a:lnR>
+                    <a:lnT>
+                      <a:noFill/>
+                    </a:lnT>
+                    <a:lnB>
+                      <a:noFill/>
+                    </a:lnB>
+                    <a:solidFill>
+                      <a:schemeClr val="accent1">
+                        <a:lumMod val="60000"/>
+                        <a:lumOff val="40000"/>
+                      </a:schemeClr>
+                    </a:solidFill>
+                  </a:tcPr>
+                </a:tc>
+                <a:tc>
+                  <a:txBody>
+                    <a:bodyPr/>
+                    <a:lstStyle/>
+                    <a:p>
+                      <a:r>
+                        <a:rPr lang="en-IN"/>
+                        <a:t>InstructorName</a:t>
+                      </a:r>
+                    </a:p>
+                  </a:txBody>
+                  <a:tcPr anchor="ctr">
+                    <a:lnL>
+                      <a:noFill/>
+                    </a:lnL>
+                    <a:lnR>
+                      <a:noFill/>
+                    </a:lnR>
+                    <a:lnT>
+                      <a:noFill/>
+                    </a:lnT>
+                    <a:lnB>
+                      <a:noFill/>
+                    </a:lnB>
+                    <a:solidFill>
+                      <a:schemeClr val="accent1">
+                        <a:lumMod val="60000"/>
+                        <a:lumOff val="40000"/>
+                      </a:schemeClr>
+                    </a:solidFill>
+                  </a:tcPr>
+                </a:tc>
+              </a:tr>
+              <a:tr h="0">
+                <a:tc>
+                  <a:txBody>
+                    <a:bodyPr/>
+                    <a:lstStyle/>
+                    <a:p>
+                      <a:r>
+                        <a:rPr lang="en-IN" dirty="0"/>
+                        <a:t>C101</a:t>
+                      </a:r>
+                    </a:p>
+                  </a:txBody>
+                  <a:tcPr anchor="ctr">
+                    <a:lnL>
+                      <a:noFill/>
+                    </a:lnL>
+                    <a:lnR>
+                      <a:noFill/>
+                    </a:lnR>
+                    <a:lnT>
+                      <a:noFill/>
+                    </a:lnT>
+                    <a:lnB>
+                      <a:noFill/>
+                    </a:lnB>
+                    <a:solidFill>
+                      <a:schemeClr val="accent1">
+                        <a:lumMod val="60000"/>
+                        <a:lumOff val="40000"/>
+                      </a:schemeClr>
+                    </a:solidFill>
+                  </a:tcPr>
+                </a:tc>
+                <a:tc>
+                  <a:txBody>
+                    <a:bodyPr/>
+                    <a:lstStyle/>
+                    <a:p>
+                      <a:r>
+                        <a:rPr lang="en-IN" dirty="0"/>
+                        <a:t>DBMS</a:t>
+                      </a:r>
+                    </a:p>
+                  </a:txBody>
+                  <a:tcPr anchor="ctr">
+                    <a:lnL>
+                      <a:noFill/>
+                    </a:lnL>
+                    <a:lnR>
+                      <a:noFill/>
+                    </a:lnR>
+                    <a:lnT>
+                      <a:noFill/>
+                    </a:lnT>
+                    <a:lnB>
+                      <a:noFill/>
+                    </a:lnB>
+                    <a:solidFill>
+                      <a:schemeClr val="accent1">
+                        <a:lumMod val="60000"/>
+                        <a:lumOff val="40000"/>
+                      </a:schemeClr>
+                    </a:solidFill>
+                  </a:tcPr>
+                </a:tc>
+                <a:tc>
+                  <a:txBody>
+                    <a:bodyPr/>
+                    <a:lstStyle/>
+                    <a:p>
+                      <a:r>
+                        <a:rPr lang="en-IN"/>
+                        <a:t>5000</a:t>
+                      </a:r>
+                    </a:p>
+                  </a:txBody>
+                  <a:tcPr anchor="ctr">
+                    <a:lnL>
+                      <a:noFill/>
+                    </a:lnL>
+                    <a:lnR>
+                      <a:noFill/>
+                    </a:lnR>
+                    <a:lnT>
+                      <a:noFill/>
+                    </a:lnT>
+                    <a:lnB>
+                      <a:noFill/>
+                    </a:lnB>
+                    <a:solidFill>
+                      <a:schemeClr val="accent1">
+                        <a:lumMod val="60000"/>
+                        <a:lumOff val="40000"/>
+                      </a:schemeClr>
+                    </a:solidFill>
+                  </a:tcPr>
+                </a:tc>
+                <a:tc>
+                  <a:txBody>
+                    <a:bodyPr/>
+                    <a:lstStyle/>
+                    <a:p>
+                      <a:r>
+                        <a:rPr lang="en-IN"/>
+                        <a:t>Prof. Mehta</a:t>
+                      </a:r>
+                    </a:p>
+                  </a:txBody>
+                  <a:tcPr anchor="ctr">
+                    <a:lnL>
+                      <a:noFill/>
+                    </a:lnL>
+                    <a:lnR>
+                      <a:noFill/>
+                    </a:lnR>
+                    <a:lnT>
+                      <a:noFill/>
+                    </a:lnT>
+                    <a:lnB>
+                      <a:noFill/>
+                    </a:lnB>
+                    <a:solidFill>
+                      <a:schemeClr val="accent1">
+                        <a:lumMod val="60000"/>
+                        <a:lumOff val="40000"/>
+                      </a:schemeClr>
+                    </a:solidFill>
+                  </a:tcPr>
+                </a:tc>
+              </a:tr>
+              <a:tr h="0">
+                <a:tc>
+                  <a:txBody>
+                    <a:bodyPr/>
+                    <a:lstStyle/>
+                    <a:p>
+                      <a:r>
+                        <a:rPr lang="en-IN"/>
+                        <a:t>C102</a:t>
+                      </a:r>
+                    </a:p>
+                  </a:txBody>
+                  <a:tcPr anchor="ctr">
+                    <a:lnL>
+                      <a:noFill/>
+                    </a:lnL>
+                    <a:lnR>
+                      <a:noFill/>
+                    </a:lnR>
+                    <a:lnT>
+                      <a:noFill/>
+                    </a:lnT>
+                    <a:lnB>
+                      <a:noFill/>
+                    </a:lnB>
+                    <a:solidFill>
+                      <a:schemeClr val="accent1">
+                        <a:lumMod val="60000"/>
+                        <a:lumOff val="40000"/>
+                      </a:schemeClr>
+                    </a:solidFill>
+                  </a:tcPr>
+                </a:tc>
+                <a:tc>
+                  <a:txBody>
+                    <a:bodyPr/>
+                    <a:lstStyle/>
+                    <a:p>
+                      <a:r>
+                        <a:rPr lang="en-IN" dirty="0"/>
+                        <a:t>Python</a:t>
+                      </a:r>
+                    </a:p>
+                  </a:txBody>
+                  <a:tcPr anchor="ctr">
+                    <a:lnL>
+                      <a:noFill/>
+                    </a:lnL>
+                    <a:lnR>
+                      <a:noFill/>
+                    </a:lnR>
+                    <a:lnT>
+                      <a:noFill/>
+                    </a:lnT>
+                    <a:lnB>
+                      <a:noFill/>
+                    </a:lnB>
+                    <a:solidFill>
+                      <a:schemeClr val="accent1">
+                        <a:lumMod val="60000"/>
+                        <a:lumOff val="40000"/>
+                      </a:schemeClr>
+                    </a:solidFill>
+                  </a:tcPr>
+                </a:tc>
+                <a:tc>
+                  <a:txBody>
+                    <a:bodyPr/>
+                    <a:lstStyle/>
+                    <a:p>
+                      <a:r>
+                        <a:rPr lang="en-IN"/>
+                        <a:t>6000</a:t>
+                      </a:r>
+                    </a:p>
+                  </a:txBody>
+                  <a:tcPr anchor="ctr">
+                    <a:lnL>
+                      <a:noFill/>
+                    </a:lnL>
+                    <a:lnR>
+                      <a:noFill/>
+                    </a:lnR>
+                    <a:lnT>
+                      <a:noFill/>
+                    </a:lnT>
+                    <a:lnB>
+                      <a:noFill/>
+                    </a:lnB>
+                    <a:solidFill>
+                      <a:schemeClr val="accent1">
+                        <a:lumMod val="60000"/>
+                        <a:lumOff val="40000"/>
+                      </a:schemeClr>
+                    </a:solidFill>
+                  </a:tcPr>
+                </a:tc>
+                <a:tc>
+                  <a:txBody>
+                    <a:bodyPr/>
+                    <a:lstStyle/>
+                    <a:p>
+                      <a:r>
+                        <a:rPr lang="en-IN" dirty="0" err="1"/>
+                        <a:t>Prof.</a:t>
+                      </a:r>
+                      <a:r>
+                        <a:rPr lang="en-IN" dirty="0"/>
+                        <a:t> Shah</a:t>
+                      </a:r>
+                    </a:p>
+                  </a:txBody>
+                  <a:tcPr anchor="ctr">
+                    <a:lnL>
+                      <a:noFill/>
+                    </a:lnL>
+                    <a:lnR>
+                      <a:noFill/>
+                    </a:lnR>
+                    <a:lnT>
+                      <a:noFill/>
+                    </a:lnT>
+                    <a:lnB>
+                      <a:noFill/>
+                    </a:lnB>
+                    <a:solidFill>
+                      <a:schemeClr val="accent1">
+                        <a:lumMod val="60000"/>
+                        <a:lumOff val="40000"/>
+                      </a:schemeClr>
+                    </a:solidFill>
+                  </a:tcPr>
+                </a:tc>
+              </a:tr>
+            </a:tbl>
+          </a:graphicData>
+        </a:graphic>
+      </p:graphicFrame>
+      <p:graphicFrame>
+        <p:nvGraphicFramePr>
+          <p:cNvPr id="7" name="Table 6"/>
+          <p:cNvGraphicFramePr>
+            <a:graphicFrameLocks noGrp="1"/>
+          </p:cNvGraphicFramePr>
+          <p:nvPr>
+            <p:extLst>
+              <p:ext uri="{D42A27DB-BD31-4B8C-83A1-F6EECF244321}">
+                <p14:modId xmlns:p14="http://schemas.microsoft.com/office/powerpoint/2010/main" val="1329557494"/>
+              </p:ext>
+            </p:extLst>
+          </p:nvPr>
+        </p:nvGraphicFramePr>
+        <p:xfrm>
+          <a:off x="329784" y="5128352"/>
+          <a:ext cx="5546361" cy="1097280"/>
+        </p:xfrm>
+        <a:graphic>
+          <a:graphicData uri="http://schemas.openxmlformats.org/drawingml/2006/table">
+            <a:tbl>
+              <a:tblPr/>
+              <a:tblGrid>
+                <a:gridCol w="2758191"/>
+                <a:gridCol w="2788170"/>
+              </a:tblGrid>
+              <a:tr h="0">
+                <a:tc>
+                  <a:txBody>
+                    <a:bodyPr/>
+                    <a:lstStyle/>
+                    <a:p>
+                      <a:r>
+                        <a:rPr lang="en-IN" dirty="0" err="1"/>
+                        <a:t>InstructorName</a:t>
+                      </a:r>
+                      <a:endParaRPr lang="en-IN" dirty="0"/>
+                    </a:p>
+                  </a:txBody>
+                  <a:tcPr anchor="ctr">
+                    <a:lnL>
+                      <a:noFill/>
+                    </a:lnL>
+                    <a:lnR>
+                      <a:noFill/>
+                    </a:lnR>
+                    <a:lnT>
+                      <a:noFill/>
+                    </a:lnT>
+                    <a:lnB>
+                      <a:noFill/>
+                    </a:lnB>
+                    <a:solidFill>
+                      <a:schemeClr val="accent2">
+                        <a:lumMod val="60000"/>
+                        <a:lumOff val="40000"/>
+                      </a:schemeClr>
+                    </a:solidFill>
+                  </a:tcPr>
+                </a:tc>
+                <a:tc>
+                  <a:txBody>
+                    <a:bodyPr/>
+                    <a:lstStyle/>
+                    <a:p>
+                      <a:r>
+                        <a:rPr lang="en-IN" dirty="0" err="1"/>
+                        <a:t>InstructorPhone</a:t>
+                      </a:r>
+                      <a:endParaRPr lang="en-IN" dirty="0"/>
+                    </a:p>
+                  </a:txBody>
+                  <a:tcPr anchor="ctr">
+                    <a:lnL>
+                      <a:noFill/>
+                    </a:lnL>
+                    <a:lnR>
+                      <a:noFill/>
+                    </a:lnR>
+                    <a:lnT>
+                      <a:noFill/>
+                    </a:lnT>
+                    <a:lnB>
+                      <a:noFill/>
+                    </a:lnB>
+                    <a:solidFill>
+                      <a:schemeClr val="accent2">
+                        <a:lumMod val="60000"/>
+                        <a:lumOff val="40000"/>
+                      </a:schemeClr>
+                    </a:solidFill>
+                  </a:tcPr>
+                </a:tc>
+              </a:tr>
+              <a:tr h="0">
+                <a:tc>
+                  <a:txBody>
+                    <a:bodyPr/>
+                    <a:lstStyle/>
+                    <a:p>
+                      <a:r>
+                        <a:rPr lang="en-IN"/>
+                        <a:t>Prof. Mehta</a:t>
+                      </a:r>
+                    </a:p>
+                  </a:txBody>
+                  <a:tcPr anchor="ctr">
+                    <a:lnL>
+                      <a:noFill/>
+                    </a:lnL>
+                    <a:lnR>
+                      <a:noFill/>
+                    </a:lnR>
+                    <a:lnT>
+                      <a:noFill/>
+                    </a:lnT>
+                    <a:lnB>
+                      <a:noFill/>
+                    </a:lnB>
+                    <a:solidFill>
+                      <a:schemeClr val="accent2">
+                        <a:lumMod val="60000"/>
+                        <a:lumOff val="40000"/>
+                      </a:schemeClr>
+                    </a:solidFill>
+                  </a:tcPr>
+                </a:tc>
+                <a:tc>
+                  <a:txBody>
+                    <a:bodyPr/>
+                    <a:lstStyle/>
+                    <a:p>
+                      <a:r>
+                        <a:rPr lang="en-IN" dirty="0"/>
+                        <a:t>9876543210</a:t>
+                      </a:r>
+                    </a:p>
+                  </a:txBody>
+                  <a:tcPr anchor="ctr">
+                    <a:lnL>
+                      <a:noFill/>
+                    </a:lnL>
+                    <a:lnR>
+                      <a:noFill/>
+                    </a:lnR>
+                    <a:lnT>
+                      <a:noFill/>
+                    </a:lnT>
+                    <a:lnB>
+                      <a:noFill/>
+                    </a:lnB>
+                    <a:solidFill>
+                      <a:schemeClr val="accent2">
+                        <a:lumMod val="60000"/>
+                        <a:lumOff val="40000"/>
+                      </a:schemeClr>
+                    </a:solidFill>
+                  </a:tcPr>
+                </a:tc>
+              </a:tr>
+              <a:tr h="0">
+                <a:tc>
+                  <a:txBody>
+                    <a:bodyPr/>
+                    <a:lstStyle/>
+                    <a:p>
+                      <a:r>
+                        <a:rPr lang="en-IN"/>
+                        <a:t>Prof. Shah</a:t>
+                      </a:r>
+                    </a:p>
+                  </a:txBody>
+                  <a:tcPr anchor="ctr">
+                    <a:lnL>
+                      <a:noFill/>
+                    </a:lnL>
+                    <a:lnR>
+                      <a:noFill/>
+                    </a:lnR>
+                    <a:lnT>
+                      <a:noFill/>
+                    </a:lnT>
+                    <a:lnB>
+                      <a:noFill/>
+                    </a:lnB>
+                    <a:solidFill>
+                      <a:schemeClr val="accent2">
+                        <a:lumMod val="60000"/>
+                        <a:lumOff val="40000"/>
+                      </a:schemeClr>
+                    </a:solidFill>
+                  </a:tcPr>
+                </a:tc>
+                <a:tc>
+                  <a:txBody>
+                    <a:bodyPr/>
+                    <a:lstStyle/>
+                    <a:p>
+                      <a:r>
+                        <a:rPr lang="en-IN" dirty="0"/>
+                        <a:t>9876543222</a:t>
+                      </a:r>
+                    </a:p>
+                  </a:txBody>
+                  <a:tcPr anchor="ctr">
+                    <a:lnL>
+                      <a:noFill/>
+                    </a:lnL>
+                    <a:lnR>
+                      <a:noFill/>
+                    </a:lnR>
+                    <a:lnT>
+                      <a:noFill/>
+                    </a:lnT>
+                    <a:lnB>
+                      <a:noFill/>
+                    </a:lnB>
+                    <a:solidFill>
+                      <a:schemeClr val="accent2">
+                        <a:lumMod val="60000"/>
+                        <a:lumOff val="40000"/>
+                      </a:schemeClr>
+                    </a:solidFill>
+                  </a:tcPr>
+                </a:tc>
+              </a:tr>
+            </a:tbl>
+          </a:graphicData>
+        </a:graphic>
+      </p:graphicFrame>
+      <p:graphicFrame>
+        <p:nvGraphicFramePr>
+          <p:cNvPr id="8" name="Table 7"/>
+          <p:cNvGraphicFramePr>
+            <a:graphicFrameLocks noGrp="1"/>
+          </p:cNvGraphicFramePr>
+          <p:nvPr>
+            <p:extLst>
+              <p:ext uri="{D42A27DB-BD31-4B8C-83A1-F6EECF244321}">
+                <p14:modId xmlns:p14="http://schemas.microsoft.com/office/powerpoint/2010/main" val="625124017"/>
+              </p:ext>
+            </p:extLst>
+          </p:nvPr>
+        </p:nvGraphicFramePr>
+        <p:xfrm>
+          <a:off x="7450110" y="1292025"/>
+          <a:ext cx="4482060" cy="1463040"/>
+        </p:xfrm>
+        <a:graphic>
+          <a:graphicData uri="http://schemas.openxmlformats.org/drawingml/2006/table">
+            <a:tbl>
+              <a:tblPr/>
+              <a:tblGrid>
+                <a:gridCol w="1494020"/>
+                <a:gridCol w="1494020"/>
+                <a:gridCol w="1494020"/>
+              </a:tblGrid>
+              <a:tr h="0">
+                <a:tc>
+                  <a:txBody>
+                    <a:bodyPr/>
+                    <a:lstStyle/>
+                    <a:p>
+                      <a:r>
+                        <a:rPr lang="en-IN" dirty="0" err="1"/>
+                        <a:t>StudentID</a:t>
+                      </a:r>
+                      <a:endParaRPr lang="en-IN" dirty="0"/>
+                    </a:p>
+                  </a:txBody>
+                  <a:tcPr anchor="ctr">
+                    <a:lnL>
+                      <a:noFill/>
+                    </a:lnL>
+                    <a:lnR>
+                      <a:noFill/>
+                    </a:lnR>
+                    <a:lnT>
+                      <a:noFill/>
+                    </a:lnT>
+                    <a:lnB>
+                      <a:noFill/>
+                    </a:lnB>
+                    <a:solidFill>
+                      <a:schemeClr val="accent5">
+                        <a:lumMod val="60000"/>
+                        <a:lumOff val="40000"/>
+                      </a:schemeClr>
+                    </a:solidFill>
+                  </a:tcPr>
+                </a:tc>
+                <a:tc>
+                  <a:txBody>
+                    <a:bodyPr/>
+                    <a:lstStyle/>
+                    <a:p>
+                      <a:r>
+                        <a:rPr lang="en-IN" dirty="0" err="1"/>
+                        <a:t>StudentName</a:t>
+                      </a:r>
+                      <a:endParaRPr lang="en-IN" dirty="0"/>
+                    </a:p>
+                  </a:txBody>
+                  <a:tcPr anchor="ctr">
+                    <a:lnL>
+                      <a:noFill/>
+                    </a:lnL>
+                    <a:lnR>
+                      <a:noFill/>
+                    </a:lnR>
+                    <a:lnT>
+                      <a:noFill/>
+                    </a:lnT>
+                    <a:lnB>
+                      <a:noFill/>
+                    </a:lnB>
+                    <a:solidFill>
+                      <a:schemeClr val="accent5">
+                        <a:lumMod val="60000"/>
+                        <a:lumOff val="40000"/>
+                      </a:schemeClr>
+                    </a:solidFill>
+                  </a:tcPr>
+                </a:tc>
+                <a:tc>
+                  <a:txBody>
+                    <a:bodyPr/>
+                    <a:lstStyle/>
+                    <a:p>
+                      <a:r>
+                        <a:rPr lang="en-IN"/>
+                        <a:t>CourseID</a:t>
+                      </a:r>
+                    </a:p>
+                  </a:txBody>
+                  <a:tcPr anchor="ctr">
+                    <a:lnL>
+                      <a:noFill/>
+                    </a:lnL>
+                    <a:lnR>
+                      <a:noFill/>
+                    </a:lnR>
+                    <a:lnT>
+                      <a:noFill/>
+                    </a:lnT>
+                    <a:lnB>
+                      <a:noFill/>
+                    </a:lnB>
+                    <a:solidFill>
+                      <a:schemeClr val="accent5">
+                        <a:lumMod val="60000"/>
+                        <a:lumOff val="40000"/>
+                      </a:schemeClr>
+                    </a:solidFill>
+                  </a:tcPr>
+                </a:tc>
+              </a:tr>
+              <a:tr h="0">
+                <a:tc>
+                  <a:txBody>
+                    <a:bodyPr/>
+                    <a:lstStyle/>
+                    <a:p>
+                      <a:r>
+                        <a:rPr lang="en-IN" dirty="0"/>
+                        <a:t>1</a:t>
+                      </a:r>
+                    </a:p>
+                  </a:txBody>
+                  <a:tcPr anchor="ctr">
+                    <a:lnL>
+                      <a:noFill/>
+                    </a:lnL>
+                    <a:lnR>
+                      <a:noFill/>
+                    </a:lnR>
+                    <a:lnT>
+                      <a:noFill/>
+                    </a:lnT>
+                    <a:lnB>
+                      <a:noFill/>
+                    </a:lnB>
+                    <a:solidFill>
+                      <a:schemeClr val="accent5">
+                        <a:lumMod val="60000"/>
+                        <a:lumOff val="40000"/>
+                      </a:schemeClr>
+                    </a:solidFill>
+                  </a:tcPr>
+                </a:tc>
+                <a:tc>
+                  <a:txBody>
+                    <a:bodyPr/>
+                    <a:lstStyle/>
+                    <a:p>
+                      <a:r>
+                        <a:rPr lang="en-IN" dirty="0"/>
+                        <a:t>Amit</a:t>
+                      </a:r>
+                    </a:p>
+                  </a:txBody>
+                  <a:tcPr anchor="ctr">
+                    <a:lnL>
+                      <a:noFill/>
+                    </a:lnL>
+                    <a:lnR>
+                      <a:noFill/>
+                    </a:lnR>
+                    <a:lnT>
+                      <a:noFill/>
+                    </a:lnT>
+                    <a:lnB>
+                      <a:noFill/>
+                    </a:lnB>
+                    <a:solidFill>
+                      <a:schemeClr val="accent5">
+                        <a:lumMod val="60000"/>
+                        <a:lumOff val="40000"/>
+                      </a:schemeClr>
+                    </a:solidFill>
+                  </a:tcPr>
+                </a:tc>
+                <a:tc>
+                  <a:txBody>
+                    <a:bodyPr/>
+                    <a:lstStyle/>
+                    <a:p>
+                      <a:r>
+                        <a:rPr lang="en-IN"/>
+                        <a:t>C101</a:t>
+                      </a:r>
+                    </a:p>
+                  </a:txBody>
+                  <a:tcPr anchor="ctr">
+                    <a:lnL>
+                      <a:noFill/>
+                    </a:lnL>
+                    <a:lnR>
+                      <a:noFill/>
+                    </a:lnR>
+                    <a:lnT>
+                      <a:noFill/>
+                    </a:lnT>
+                    <a:lnB>
+                      <a:noFill/>
+                    </a:lnB>
+                    <a:solidFill>
+                      <a:schemeClr val="accent5">
+                        <a:lumMod val="60000"/>
+                        <a:lumOff val="40000"/>
+                      </a:schemeClr>
+                    </a:solidFill>
+                  </a:tcPr>
+                </a:tc>
+              </a:tr>
+              <a:tr h="0">
+                <a:tc>
+                  <a:txBody>
+                    <a:bodyPr/>
+                    <a:lstStyle/>
+                    <a:p>
+                      <a:r>
+                        <a:rPr lang="en-IN"/>
+                        <a:t>2</a:t>
+                      </a:r>
+                    </a:p>
+                  </a:txBody>
+                  <a:tcPr anchor="ctr">
+                    <a:lnL>
+                      <a:noFill/>
+                    </a:lnL>
+                    <a:lnR>
+                      <a:noFill/>
+                    </a:lnR>
+                    <a:lnT>
+                      <a:noFill/>
+                    </a:lnT>
+                    <a:lnB>
+                      <a:noFill/>
+                    </a:lnB>
+                    <a:solidFill>
+                      <a:schemeClr val="accent5">
+                        <a:lumMod val="60000"/>
+                        <a:lumOff val="40000"/>
+                      </a:schemeClr>
+                    </a:solidFill>
+                  </a:tcPr>
+                </a:tc>
+                <a:tc>
+                  <a:txBody>
+                    <a:bodyPr/>
+                    <a:lstStyle/>
+                    <a:p>
+                      <a:r>
+                        <a:rPr lang="en-IN" dirty="0" err="1"/>
+                        <a:t>Rina</a:t>
+                      </a:r>
+                      <a:endParaRPr lang="en-IN" dirty="0"/>
+                    </a:p>
+                  </a:txBody>
+                  <a:tcPr anchor="ctr">
+                    <a:lnL>
+                      <a:noFill/>
+                    </a:lnL>
+                    <a:lnR>
+                      <a:noFill/>
+                    </a:lnR>
+                    <a:lnT>
+                      <a:noFill/>
+                    </a:lnT>
+                    <a:lnB>
+                      <a:noFill/>
+                    </a:lnB>
+                    <a:solidFill>
+                      <a:schemeClr val="accent5">
+                        <a:lumMod val="60000"/>
+                        <a:lumOff val="40000"/>
+                      </a:schemeClr>
+                    </a:solidFill>
+                  </a:tcPr>
+                </a:tc>
+                <a:tc>
+                  <a:txBody>
+                    <a:bodyPr/>
+                    <a:lstStyle/>
+                    <a:p>
+                      <a:r>
+                        <a:rPr lang="en-IN" dirty="0"/>
+                        <a:t>C102</a:t>
+                      </a:r>
+                    </a:p>
+                  </a:txBody>
+                  <a:tcPr anchor="ctr">
+                    <a:lnL>
+                      <a:noFill/>
+                    </a:lnL>
+                    <a:lnR>
+                      <a:noFill/>
+                    </a:lnR>
+                    <a:lnT>
+                      <a:noFill/>
+                    </a:lnT>
+                    <a:lnB>
+                      <a:noFill/>
+                    </a:lnB>
+                    <a:solidFill>
+                      <a:schemeClr val="accent5">
+                        <a:lumMod val="60000"/>
+                        <a:lumOff val="40000"/>
+                      </a:schemeClr>
+                    </a:solidFill>
+                  </a:tcPr>
+                </a:tc>
+              </a:tr>
+              <a:tr h="0">
+                <a:tc>
+                  <a:txBody>
+                    <a:bodyPr/>
+                    <a:lstStyle/>
+                    <a:p>
+                      <a:r>
+                        <a:rPr lang="en-IN"/>
+                        <a:t>3</a:t>
+                      </a:r>
+                    </a:p>
+                  </a:txBody>
+                  <a:tcPr anchor="ctr">
+                    <a:lnL>
+                      <a:noFill/>
+                    </a:lnL>
+                    <a:lnR>
+                      <a:noFill/>
+                    </a:lnR>
+                    <a:lnT>
+                      <a:noFill/>
+                    </a:lnT>
+                    <a:lnB>
+                      <a:noFill/>
+                    </a:lnB>
+                    <a:solidFill>
+                      <a:schemeClr val="accent5">
+                        <a:lumMod val="60000"/>
+                        <a:lumOff val="40000"/>
+                      </a:schemeClr>
+                    </a:solidFill>
+                  </a:tcPr>
+                </a:tc>
+                <a:tc>
+                  <a:txBody>
+                    <a:bodyPr/>
+                    <a:lstStyle/>
+                    <a:p>
+                      <a:r>
+                        <a:rPr lang="en-IN"/>
+                        <a:t>Kiran</a:t>
+                      </a:r>
+                    </a:p>
+                  </a:txBody>
+                  <a:tcPr anchor="ctr">
+                    <a:lnL>
+                      <a:noFill/>
+                    </a:lnL>
+                    <a:lnR>
+                      <a:noFill/>
+                    </a:lnR>
+                    <a:lnT>
+                      <a:noFill/>
+                    </a:lnT>
+                    <a:lnB>
+                      <a:noFill/>
+                    </a:lnB>
+                    <a:solidFill>
+                      <a:schemeClr val="accent5">
+                        <a:lumMod val="60000"/>
+                        <a:lumOff val="40000"/>
+                      </a:schemeClr>
+                    </a:solidFill>
+                  </a:tcPr>
+                </a:tc>
+                <a:tc>
+                  <a:txBody>
+                    <a:bodyPr/>
+                    <a:lstStyle/>
+                    <a:p>
+                      <a:r>
+                        <a:rPr lang="en-IN" dirty="0"/>
+                        <a:t>C101</a:t>
+                      </a:r>
+                    </a:p>
+                  </a:txBody>
+                  <a:tcPr anchor="ctr">
+                    <a:lnL>
+                      <a:noFill/>
+                    </a:lnL>
+                    <a:lnR>
+                      <a:noFill/>
+                    </a:lnR>
+                    <a:lnT>
+                      <a:noFill/>
+                    </a:lnT>
+                    <a:lnB>
+                      <a:noFill/>
+                    </a:lnB>
+                    <a:solidFill>
+                      <a:schemeClr val="accent5">
+                        <a:lumMod val="60000"/>
+                        <a:lumOff val="40000"/>
+                      </a:schemeClr>
+                    </a:solidFill>
+                  </a:tcPr>
+                </a:tc>
+              </a:tr>
+            </a:tbl>
+          </a:graphicData>
+        </a:graphic>
+      </p:graphicFrame>
+    </p:spTree>
+    <p:extLst>
+      <p:ext uri="{BB962C8B-B14F-4D97-AF65-F5344CB8AC3E}">
+        <p14:creationId xmlns:p14="http://schemas.microsoft.com/office/powerpoint/2010/main" val="4235552191"/>
       </p:ext>
     </p:extLst>
   </p:cSld>
@@ -8462,7 +11394,7 @@
           <p:cNvPr id="2" name="Title 1">
             <a:extLst>
               <a:ext uri="{FF2B5EF4-FFF2-40B4-BE49-F238E27FC236}">
-                <a16:creationId xmlns:a16="http://schemas.microsoft.com/office/drawing/2014/main" id="{86261884-3057-4C0B-A464-CC45715F52D3}"/>
+                <a16:creationId xmlns="" xmlns:a16="http://schemas.microsoft.com/office/drawing/2014/main" id="{86261884-3057-4C0B-A464-CC45715F52D3}"/>
               </a:ext>
             </a:extLst>
           </p:cNvPr>
@@ -8490,7 +11422,7 @@
           <p:cNvPr id="3" name="Content Placeholder 2">
             <a:extLst>
               <a:ext uri="{FF2B5EF4-FFF2-40B4-BE49-F238E27FC236}">
-                <a16:creationId xmlns:a16="http://schemas.microsoft.com/office/drawing/2014/main" id="{C08FD267-B2D4-43F8-82DB-60E33F99F8E3}"/>
+                <a16:creationId xmlns="" xmlns:a16="http://schemas.microsoft.com/office/drawing/2014/main" id="{C08FD267-B2D4-43F8-82DB-60E33F99F8E3}"/>
               </a:ext>
             </a:extLst>
           </p:cNvPr>
@@ -8572,7 +11504,7 @@
           <p:cNvPr id="2" name="Title 1">
             <a:extLst>
               <a:ext uri="{FF2B5EF4-FFF2-40B4-BE49-F238E27FC236}">
-                <a16:creationId xmlns:a16="http://schemas.microsoft.com/office/drawing/2014/main" id="{64DA43DA-7410-4407-BA3B-A84DD938AF89}"/>
+                <a16:creationId xmlns="" xmlns:a16="http://schemas.microsoft.com/office/drawing/2014/main" id="{64DA43DA-7410-4407-BA3B-A84DD938AF89}"/>
               </a:ext>
             </a:extLst>
           </p:cNvPr>
@@ -8617,6 +11549,14 @@
                 <a:cs typeface="+mn-cs"/>
               </a:rPr>
             </a:br>
+            <a:r>
+              <a:rPr lang="en-IN" sz="2800" dirty="0">
+                <a:latin typeface="+mn-lt"/>
+                <a:ea typeface="+mn-ea"/>
+                <a:cs typeface="+mn-cs"/>
+              </a:rPr>
+              <a:t/>
+            </a:r>
             <a:br>
               <a:rPr lang="en-IN" sz="2800" dirty="0">
                 <a:latin typeface="+mn-lt"/>
@@ -8742,6 +11682,14 @@
                 <a:cs typeface="+mn-cs"/>
               </a:rPr>
             </a:br>
+            <a:r>
+              <a:rPr lang="en-IN" sz="2800" dirty="0">
+                <a:latin typeface="+mn-lt"/>
+                <a:ea typeface="+mn-ea"/>
+                <a:cs typeface="+mn-cs"/>
+              </a:rPr>
+              <a:t/>
+            </a:r>
             <a:br>
               <a:rPr lang="en-IN" sz="2800" dirty="0">
                 <a:latin typeface="+mn-lt"/>
@@ -8852,6 +11800,14 @@
                 <a:cs typeface="+mn-cs"/>
               </a:rPr>
             </a:br>
+            <a:r>
+              <a:rPr lang="en-IN" sz="2800" dirty="0">
+                <a:latin typeface="+mn-lt"/>
+                <a:ea typeface="+mn-ea"/>
+                <a:cs typeface="+mn-cs"/>
+              </a:rPr>
+              <a:t/>
+            </a:r>
             <a:br>
               <a:rPr lang="en-IN" sz="2800" dirty="0">
                 <a:latin typeface="+mn-lt"/>
@@ -8947,6 +11903,14 @@
               </a:rPr>
               <a:t>dept_building</a:t>
             </a:r>
+            <a:r>
+              <a:rPr lang="en-IN" sz="2800" dirty="0">
+                <a:latin typeface="+mn-lt"/>
+                <a:ea typeface="+mn-ea"/>
+                <a:cs typeface="+mn-cs"/>
+              </a:rPr>
+              <a:t/>
+            </a:r>
             <a:br>
               <a:rPr lang="en-IN" sz="2800" dirty="0">
                 <a:latin typeface="+mn-lt"/>
@@ -8954,6 +11918,14 @@
                 <a:cs typeface="+mn-cs"/>
               </a:rPr>
             </a:br>
+            <a:r>
+              <a:rPr lang="en-IN" sz="2800" dirty="0">
+                <a:latin typeface="+mn-lt"/>
+                <a:ea typeface="+mn-ea"/>
+                <a:cs typeface="+mn-cs"/>
+              </a:rPr>
+              <a:t/>
+            </a:r>
             <a:br>
               <a:rPr lang="en-IN" sz="2800" dirty="0">
                 <a:latin typeface="+mn-lt"/>
@@ -9041,7 +12013,7 @@
           <p:cNvPr id="7" name="Picture 6">
             <a:extLst>
               <a:ext uri="{FF2B5EF4-FFF2-40B4-BE49-F238E27FC236}">
-                <a16:creationId xmlns:a16="http://schemas.microsoft.com/office/drawing/2014/main" id="{9ED7A525-09FB-486C-B268-EF5CEBCE1FB5}"/>
+                <a16:creationId xmlns="" xmlns:a16="http://schemas.microsoft.com/office/drawing/2014/main" id="{9ED7A525-09FB-486C-B268-EF5CEBCE1FB5}"/>
               </a:ext>
             </a:extLst>
           </p:cNvPr>
@@ -9101,7 +12073,7 @@
           <p:cNvPr id="2" name="Title 1">
             <a:extLst>
               <a:ext uri="{FF2B5EF4-FFF2-40B4-BE49-F238E27FC236}">
-                <a16:creationId xmlns:a16="http://schemas.microsoft.com/office/drawing/2014/main" id="{11628619-B75E-40C3-8B14-22DDB21C4E99}"/>
+                <a16:creationId xmlns="" xmlns:a16="http://schemas.microsoft.com/office/drawing/2014/main" id="{11628619-B75E-40C3-8B14-22DDB21C4E99}"/>
               </a:ext>
             </a:extLst>
           </p:cNvPr>
@@ -9137,7 +12109,7 @@
           <p:cNvPr id="3" name="Content Placeholder 2">
             <a:extLst>
               <a:ext uri="{FF2B5EF4-FFF2-40B4-BE49-F238E27FC236}">
-                <a16:creationId xmlns:a16="http://schemas.microsoft.com/office/drawing/2014/main" id="{CD9BA85F-8F75-465D-BD4C-B8C16DC88A7A}"/>
+                <a16:creationId xmlns="" xmlns:a16="http://schemas.microsoft.com/office/drawing/2014/main" id="{CD9BA85F-8F75-465D-BD4C-B8C16DC88A7A}"/>
               </a:ext>
             </a:extLst>
           </p:cNvPr>
@@ -9339,7 +12311,7 @@
           <p:cNvPr id="2" name="Title 1">
             <a:extLst>
               <a:ext uri="{FF2B5EF4-FFF2-40B4-BE49-F238E27FC236}">
-                <a16:creationId xmlns:a16="http://schemas.microsoft.com/office/drawing/2014/main" id="{5BEACF7B-22D5-4A75-A299-43EABDDDE586}"/>
+                <a16:creationId xmlns="" xmlns:a16="http://schemas.microsoft.com/office/drawing/2014/main" id="{5BEACF7B-22D5-4A75-A299-43EABDDDE586}"/>
               </a:ext>
             </a:extLst>
           </p:cNvPr>
@@ -9367,7 +12339,7 @@
           <p:cNvPr id="3" name="Content Placeholder 2">
             <a:extLst>
               <a:ext uri="{FF2B5EF4-FFF2-40B4-BE49-F238E27FC236}">
-                <a16:creationId xmlns:a16="http://schemas.microsoft.com/office/drawing/2014/main" id="{278B1C78-2925-42B7-9413-D7EB9E3FFA4A}"/>
+                <a16:creationId xmlns="" xmlns:a16="http://schemas.microsoft.com/office/drawing/2014/main" id="{278B1C78-2925-42B7-9413-D7EB9E3FFA4A}"/>
               </a:ext>
             </a:extLst>
           </p:cNvPr>
@@ -9443,7 +12415,7 @@
           <p:cNvPr id="2" name="Title 1">
             <a:extLst>
               <a:ext uri="{FF2B5EF4-FFF2-40B4-BE49-F238E27FC236}">
-                <a16:creationId xmlns:a16="http://schemas.microsoft.com/office/drawing/2014/main" id="{9BAEC2C9-F31C-4AD9-8727-3CBC1946CD9D}"/>
+                <a16:creationId xmlns="" xmlns:a16="http://schemas.microsoft.com/office/drawing/2014/main" id="{9BAEC2C9-F31C-4AD9-8727-3CBC1946CD9D}"/>
               </a:ext>
             </a:extLst>
           </p:cNvPr>
@@ -9471,7 +12443,7 @@
           <p:cNvPr id="3" name="Content Placeholder 2">
             <a:extLst>
               <a:ext uri="{FF2B5EF4-FFF2-40B4-BE49-F238E27FC236}">
-                <a16:creationId xmlns:a16="http://schemas.microsoft.com/office/drawing/2014/main" id="{EAF6C15F-0757-4D4D-A225-BE5011705C78}"/>
+                <a16:creationId xmlns="" xmlns:a16="http://schemas.microsoft.com/office/drawing/2014/main" id="{EAF6C15F-0757-4D4D-A225-BE5011705C78}"/>
               </a:ext>
             </a:extLst>
           </p:cNvPr>
@@ -9556,7 +12528,7 @@
           <p:cNvPr id="5" name="Picture 4">
             <a:extLst>
               <a:ext uri="{FF2B5EF4-FFF2-40B4-BE49-F238E27FC236}">
-                <a16:creationId xmlns:a16="http://schemas.microsoft.com/office/drawing/2014/main" id="{92E94951-E848-49B1-85C2-B7815005E53F}"/>
+                <a16:creationId xmlns="" xmlns:a16="http://schemas.microsoft.com/office/drawing/2014/main" id="{92E94951-E848-49B1-85C2-B7815005E53F}"/>
               </a:ext>
             </a:extLst>
           </p:cNvPr>
@@ -9616,7 +12588,7 @@
           <p:cNvPr id="2" name="Title 1">
             <a:extLst>
               <a:ext uri="{FF2B5EF4-FFF2-40B4-BE49-F238E27FC236}">
-                <a16:creationId xmlns:a16="http://schemas.microsoft.com/office/drawing/2014/main" id="{B8C20EEA-CF38-4B4A-A651-6174ABBF381C}"/>
+                <a16:creationId xmlns="" xmlns:a16="http://schemas.microsoft.com/office/drawing/2014/main" id="{B8C20EEA-CF38-4B4A-A651-6174ABBF381C}"/>
               </a:ext>
             </a:extLst>
           </p:cNvPr>
@@ -9644,7 +12616,7 @@
           <p:cNvPr id="3" name="Content Placeholder 2">
             <a:extLst>
               <a:ext uri="{FF2B5EF4-FFF2-40B4-BE49-F238E27FC236}">
-                <a16:creationId xmlns:a16="http://schemas.microsoft.com/office/drawing/2014/main" id="{1E3878B3-C8A2-463C-B7E6-B04C24718C06}"/>
+                <a16:creationId xmlns="" xmlns:a16="http://schemas.microsoft.com/office/drawing/2014/main" id="{1E3878B3-C8A2-463C-B7E6-B04C24718C06}"/>
               </a:ext>
             </a:extLst>
           </p:cNvPr>
@@ -9727,7 +12699,7 @@
           <p:cNvPr id="5" name="Picture 4">
             <a:extLst>
               <a:ext uri="{FF2B5EF4-FFF2-40B4-BE49-F238E27FC236}">
-                <a16:creationId xmlns:a16="http://schemas.microsoft.com/office/drawing/2014/main" id="{4E4E9500-78D4-417A-96D8-AEAAAAD11967}"/>
+                <a16:creationId xmlns="" xmlns:a16="http://schemas.microsoft.com/office/drawing/2014/main" id="{4E4E9500-78D4-417A-96D8-AEAAAAD11967}"/>
               </a:ext>
             </a:extLst>
           </p:cNvPr>
@@ -9787,7 +12759,7 @@
           <p:cNvPr id="5" name="Picture 4">
             <a:extLst>
               <a:ext uri="{FF2B5EF4-FFF2-40B4-BE49-F238E27FC236}">
-                <a16:creationId xmlns:a16="http://schemas.microsoft.com/office/drawing/2014/main" id="{6E34E6FD-161C-4981-8690-BB795F9A835E}"/>
+                <a16:creationId xmlns="" xmlns:a16="http://schemas.microsoft.com/office/drawing/2014/main" id="{6E34E6FD-161C-4981-8690-BB795F9A835E}"/>
               </a:ext>
             </a:extLst>
           </p:cNvPr>
@@ -9847,7 +12819,7 @@
           <p:cNvPr id="2" name="Title 1">
             <a:extLst>
               <a:ext uri="{FF2B5EF4-FFF2-40B4-BE49-F238E27FC236}">
-                <a16:creationId xmlns:a16="http://schemas.microsoft.com/office/drawing/2014/main" id="{9A097BB6-6B0B-4AA3-BF11-C30A6D43B52E}"/>
+                <a16:creationId xmlns="" xmlns:a16="http://schemas.microsoft.com/office/drawing/2014/main" id="{9A097BB6-6B0B-4AA3-BF11-C30A6D43B52E}"/>
               </a:ext>
             </a:extLst>
           </p:cNvPr>
@@ -9875,7 +12847,7 @@
           <p:cNvPr id="3" name="Content Placeholder 2">
             <a:extLst>
               <a:ext uri="{FF2B5EF4-FFF2-40B4-BE49-F238E27FC236}">
-                <a16:creationId xmlns:a16="http://schemas.microsoft.com/office/drawing/2014/main" id="{584517E2-2A68-44E2-B29B-7FBD2ED555DF}"/>
+                <a16:creationId xmlns="" xmlns:a16="http://schemas.microsoft.com/office/drawing/2014/main" id="{584517E2-2A68-44E2-B29B-7FBD2ED555DF}"/>
               </a:ext>
             </a:extLst>
           </p:cNvPr>
@@ -9889,7 +12861,7 @@
         <p:spPr>
           <a:xfrm>
             <a:off x="323557" y="1825624"/>
-            <a:ext cx="9847385" cy="4561107"/>
+            <a:ext cx="11428732" cy="4561107"/>
           </a:xfrm>
         </p:spPr>
         <p:txBody>
@@ -9906,61 +12878,103 @@
           <a:p>
             <a:r>
               <a:rPr lang="en-IN" dirty="0"/>
-              <a:t>i.e. If a → {b, c} and there exists no functional dependency between b and c, then it is called a multivalued functional dependency.</a:t>
-            </a:r>
+              <a:t>i.e. If a → {b, c} and there exists no functional dependency between b and c, then it is called a multivalued functional dependency</a:t>
+            </a:r>
+            <a:r>
+              <a:rPr lang="en-IN" dirty="0" smtClean="0"/>
+              <a:t>.</a:t>
+            </a:r>
+          </a:p>
+          <a:p>
+            <a:r>
+              <a:rPr lang="en-US" dirty="0" smtClean="0"/>
+              <a:t>It is represented by -&gt;&gt; Double Arrow</a:t>
+            </a:r>
+            <a:endParaRPr lang="en-IN" dirty="0"/>
           </a:p>
           <a:p>
             <a:r>
               <a:rPr lang="en-IN" dirty="0"/>
-              <a:t>Ex.</a:t>
-            </a:r>
-          </a:p>
-          <a:p>
-            <a:r>
-              <a:rPr lang="en-IN" dirty="0"/>
-              <a:t>Here, </a:t>
-            </a:r>
-            <a:r>
-              <a:rPr lang="en-IN" dirty="0" err="1"/>
-              <a:t>roll_no</a:t>
-            </a:r>
-            <a:r>
-              <a:rPr lang="en-IN" dirty="0"/>
-              <a:t> → {name, age} is a multivalued functional dependency, since the dependents name &amp; age are not dependent on each other(i.e. name → age or age → name doesn’t exist !)</a:t>
-            </a:r>
-          </a:p>
-        </p:txBody>
-      </p:sp>
-      <p:pic>
-        <p:nvPicPr>
-          <p:cNvPr id="6" name="Picture 5">
-            <a:extLst>
-              <a:ext uri="{FF2B5EF4-FFF2-40B4-BE49-F238E27FC236}">
-                <a16:creationId xmlns:a16="http://schemas.microsoft.com/office/drawing/2014/main" id="{AE523263-D937-4B2F-91B0-FE979D32BCC2}"/>
-              </a:ext>
-            </a:extLst>
-          </p:cNvPr>
-          <p:cNvPicPr>
-            <a:picLocks noChangeAspect="1"/>
-          </p:cNvPicPr>
-          <p:nvPr/>
-        </p:nvPicPr>
-        <p:blipFill>
-          <a:blip r:embed="rId2"/>
-          <a:stretch>
-            <a:fillRect/>
-          </a:stretch>
-        </p:blipFill>
-        <p:spPr>
-          <a:xfrm>
-            <a:off x="9144000" y="2672525"/>
-            <a:ext cx="2950992" cy="4119702"/>
-          </a:xfrm>
-          <a:prstGeom prst="rect">
-            <a:avLst/>
-          </a:prstGeom>
-        </p:spPr>
-      </p:pic>
+              <a:t>Ex</a:t>
+            </a:r>
+            <a:r>
+              <a:rPr lang="en-IN" dirty="0" smtClean="0"/>
+              <a:t>.</a:t>
+            </a:r>
+          </a:p>
+          <a:p>
+            <a:r>
+              <a:rPr lang="en-US" dirty="0" smtClean="0"/>
+              <a:t>In the previous table </a:t>
+            </a:r>
+            <a:r>
+              <a:rPr lang="en-US" dirty="0" err="1" smtClean="0"/>
+              <a:t>DNumber</a:t>
+            </a:r>
+            <a:r>
+              <a:rPr lang="en-US" dirty="0" smtClean="0"/>
+              <a:t> -&gt; </a:t>
+            </a:r>
+            <a:r>
+              <a:rPr lang="en-US" dirty="0" err="1" smtClean="0"/>
+              <a:t>Dname</a:t>
+            </a:r>
+            <a:r>
+              <a:rPr lang="en-US" dirty="0" smtClean="0"/>
+              <a:t>, </a:t>
+            </a:r>
+            <a:r>
+              <a:rPr lang="en-US" dirty="0" err="1" smtClean="0"/>
+              <a:t>Dnumber</a:t>
+            </a:r>
+            <a:r>
+              <a:rPr lang="en-US" dirty="0" smtClean="0"/>
+              <a:t> -&gt; </a:t>
+            </a:r>
+            <a:r>
+              <a:rPr lang="en-US" dirty="0" err="1" smtClean="0"/>
+              <a:t>Dlocation</a:t>
+            </a:r>
+            <a:r>
+              <a:rPr lang="en-US" dirty="0" smtClean="0"/>
+              <a:t> But there is dependency between </a:t>
+            </a:r>
+            <a:r>
+              <a:rPr lang="en-US" dirty="0" err="1" smtClean="0"/>
+              <a:t>Dname</a:t>
+            </a:r>
+            <a:r>
+              <a:rPr lang="en-US" dirty="0" smtClean="0"/>
+              <a:t> and </a:t>
+            </a:r>
+            <a:r>
+              <a:rPr lang="en-US" dirty="0" err="1" smtClean="0"/>
+              <a:t>Dlocation</a:t>
+            </a:r>
+            <a:r>
+              <a:rPr lang="en-US" dirty="0" smtClean="0"/>
+              <a:t>, So </a:t>
+            </a:r>
+            <a:r>
+              <a:rPr lang="en-US" dirty="0" err="1" smtClean="0"/>
+              <a:t>Dnumber</a:t>
+            </a:r>
+            <a:r>
+              <a:rPr lang="en-US" dirty="0"/>
+              <a:t> </a:t>
+            </a:r>
+            <a:r>
+              <a:rPr lang="en-US" dirty="0" smtClean="0"/>
+              <a:t>-&gt;&gt; </a:t>
+            </a:r>
+            <a:r>
+              <a:rPr lang="en-US" dirty="0" err="1" smtClean="0"/>
+              <a:t>DLocation</a:t>
+            </a:r>
+            <a:endParaRPr lang="en-IN" dirty="0"/>
+          </a:p>
+        </p:txBody>
+      </p:sp>
     </p:spTree>
     <p:extLst>
       <p:ext uri="{BB962C8B-B14F-4D97-AF65-F5344CB8AC3E}">
